--- a/results.pptx
+++ b/results.pptx
@@ -6,9 +6,10 @@
   </p:sldMasterIdLst>
   <p:sldIdLst>
     <p:sldId id="262" r:id="rId2"/>
-    <p:sldId id="257" r:id="rId3"/>
-    <p:sldId id="258" r:id="rId4"/>
-    <p:sldId id="259" r:id="rId5"/>
+    <p:sldId id="263" r:id="rId3"/>
+    <p:sldId id="257" r:id="rId4"/>
+    <p:sldId id="258" r:id="rId5"/>
+    <p:sldId id="259" r:id="rId6"/>
   </p:sldIdLst>
   <p:sldSz cx="12192000" cy="6858000"/>
   <p:notesSz cx="6858000" cy="9144000"/>
@@ -107,6 +108,11 @@
       </a:defRPr>
     </a:lvl9pPr>
   </p:defaultTextStyle>
+  <p:extLst>
+    <p:ext uri="{EFAFB233-063F-42B5-8137-9DF3F51BA10A}">
+      <p15:sldGuideLst xmlns:p15="http://schemas.microsoft.com/office/powerpoint/2012/main"/>
+    </p:ext>
+  </p:extLst>
 </p:presentation>
 </file>
 
@@ -259,7 +265,7 @@
           <a:p>
             <a:fld id="{EC6047D0-F911-4E84-95C8-4C54FFE53C16}" type="datetimeFigureOut">
               <a:rPr lang="es-AR" smtClean="0"/>
-              <a:t>26/9/2023</a:t>
+              <a:t>6/10/2023</a:t>
             </a:fld>
             <a:endParaRPr lang="es-AR"/>
           </a:p>
@@ -459,7 +465,7 @@
           <a:p>
             <a:fld id="{EC6047D0-F911-4E84-95C8-4C54FFE53C16}" type="datetimeFigureOut">
               <a:rPr lang="es-AR" smtClean="0"/>
-              <a:t>26/9/2023</a:t>
+              <a:t>6/10/2023</a:t>
             </a:fld>
             <a:endParaRPr lang="es-AR"/>
           </a:p>
@@ -669,7 +675,7 @@
           <a:p>
             <a:fld id="{EC6047D0-F911-4E84-95C8-4C54FFE53C16}" type="datetimeFigureOut">
               <a:rPr lang="es-AR" smtClean="0"/>
-              <a:t>26/9/2023</a:t>
+              <a:t>6/10/2023</a:t>
             </a:fld>
             <a:endParaRPr lang="es-AR"/>
           </a:p>
@@ -869,7 +875,7 @@
           <a:p>
             <a:fld id="{EC6047D0-F911-4E84-95C8-4C54FFE53C16}" type="datetimeFigureOut">
               <a:rPr lang="es-AR" smtClean="0"/>
-              <a:t>26/9/2023</a:t>
+              <a:t>6/10/2023</a:t>
             </a:fld>
             <a:endParaRPr lang="es-AR"/>
           </a:p>
@@ -1145,7 +1151,7 @@
           <a:p>
             <a:fld id="{EC6047D0-F911-4E84-95C8-4C54FFE53C16}" type="datetimeFigureOut">
               <a:rPr lang="es-AR" smtClean="0"/>
-              <a:t>26/9/2023</a:t>
+              <a:t>6/10/2023</a:t>
             </a:fld>
             <a:endParaRPr lang="es-AR"/>
           </a:p>
@@ -1413,7 +1419,7 @@
           <a:p>
             <a:fld id="{EC6047D0-F911-4E84-95C8-4C54FFE53C16}" type="datetimeFigureOut">
               <a:rPr lang="es-AR" smtClean="0"/>
-              <a:t>26/9/2023</a:t>
+              <a:t>6/10/2023</a:t>
             </a:fld>
             <a:endParaRPr lang="es-AR"/>
           </a:p>
@@ -1828,7 +1834,7 @@
           <a:p>
             <a:fld id="{EC6047D0-F911-4E84-95C8-4C54FFE53C16}" type="datetimeFigureOut">
               <a:rPr lang="es-AR" smtClean="0"/>
-              <a:t>26/9/2023</a:t>
+              <a:t>6/10/2023</a:t>
             </a:fld>
             <a:endParaRPr lang="es-AR"/>
           </a:p>
@@ -1970,7 +1976,7 @@
           <a:p>
             <a:fld id="{EC6047D0-F911-4E84-95C8-4C54FFE53C16}" type="datetimeFigureOut">
               <a:rPr lang="es-AR" smtClean="0"/>
-              <a:t>26/9/2023</a:t>
+              <a:t>6/10/2023</a:t>
             </a:fld>
             <a:endParaRPr lang="es-AR"/>
           </a:p>
@@ -2083,7 +2089,7 @@
           <a:p>
             <a:fld id="{EC6047D0-F911-4E84-95C8-4C54FFE53C16}" type="datetimeFigureOut">
               <a:rPr lang="es-AR" smtClean="0"/>
-              <a:t>26/9/2023</a:t>
+              <a:t>6/10/2023</a:t>
             </a:fld>
             <a:endParaRPr lang="es-AR"/>
           </a:p>
@@ -2396,7 +2402,7 @@
           <a:p>
             <a:fld id="{EC6047D0-F911-4E84-95C8-4C54FFE53C16}" type="datetimeFigureOut">
               <a:rPr lang="es-AR" smtClean="0"/>
-              <a:t>26/9/2023</a:t>
+              <a:t>6/10/2023</a:t>
             </a:fld>
             <a:endParaRPr lang="es-AR"/>
           </a:p>
@@ -2685,7 +2691,7 @@
           <a:p>
             <a:fld id="{EC6047D0-F911-4E84-95C8-4C54FFE53C16}" type="datetimeFigureOut">
               <a:rPr lang="es-AR" smtClean="0"/>
-              <a:t>26/9/2023</a:t>
+              <a:t>6/10/2023</a:t>
             </a:fld>
             <a:endParaRPr lang="es-AR"/>
           </a:p>
@@ -2928,7 +2934,7 @@
           <a:p>
             <a:fld id="{EC6047D0-F911-4E84-95C8-4C54FFE53C16}" type="datetimeFigureOut">
               <a:rPr lang="es-AR" smtClean="0"/>
-              <a:t>26/9/2023</a:t>
+              <a:t>6/10/2023</a:t>
             </a:fld>
             <a:endParaRPr lang="es-AR"/>
           </a:p>
@@ -3415,7 +3421,7 @@
           <p:cNvPr id="2" name="Título 1">
             <a:extLst>
               <a:ext uri="{FF2B5EF4-FFF2-40B4-BE49-F238E27FC236}">
-                <a16:creationId xmlns:a16="http://schemas.microsoft.com/office/drawing/2014/main" id="{D0274766-2CA5-9FA9-A1CA-9BDA4F43E704}"/>
+                <a16:creationId xmlns:a16="http://schemas.microsoft.com/office/drawing/2014/main" id="{DCA5FF16-ED06-34E3-7BCF-833D6C65374C}"/>
               </a:ext>
             </a:extLst>
           </p:cNvPr>
@@ -3432,76 +3438,999 @@
           <a:lstStyle/>
           <a:p>
             <a:r>
-              <a:rPr lang="es-AR" dirty="0" err="1"/>
-              <a:t>avisocuerpo</a:t>
+              <a:rPr lang="es-ES" dirty="0" err="1"/>
+              <a:t>Bucket</a:t>
+            </a:r>
+            <a:r>
+              <a:rPr lang="es-ES" dirty="0"/>
+              <a:t> 1</a:t>
             </a:r>
             <a:endParaRPr lang="es-AR" dirty="0"/>
           </a:p>
         </p:txBody>
       </p:sp>
-      <p:pic>
-        <p:nvPicPr>
-          <p:cNvPr id="5" name="Marcador de contenido 4">
-            <a:extLst>
-              <a:ext uri="{FF2B5EF4-FFF2-40B4-BE49-F238E27FC236}">
-                <a16:creationId xmlns:a16="http://schemas.microsoft.com/office/drawing/2014/main" id="{73ED003B-2A87-EAE2-5246-B3FAE3D31E27}"/>
-              </a:ext>
-            </a:extLst>
-          </p:cNvPr>
-          <p:cNvPicPr>
-            <a:picLocks noGrp="1" noChangeAspect="1"/>
-          </p:cNvPicPr>
+      <p:sp>
+        <p:nvSpPr>
+          <p:cNvPr id="3" name="Marcador de contenido 2">
+            <a:extLst>
+              <a:ext uri="{FF2B5EF4-FFF2-40B4-BE49-F238E27FC236}">
+                <a16:creationId xmlns:a16="http://schemas.microsoft.com/office/drawing/2014/main" id="{2C48B135-0606-F1D9-8967-83E682B4B848}"/>
+              </a:ext>
+            </a:extLst>
+          </p:cNvPr>
+          <p:cNvSpPr>
+            <a:spLocks noGrp="1"/>
+          </p:cNvSpPr>
           <p:nvPr>
             <p:ph idx="1"/>
           </p:nvPr>
-        </p:nvPicPr>
-        <p:blipFill>
-          <a:blip r:embed="rId2"/>
-          <a:stretch>
-            <a:fillRect/>
-          </a:stretch>
-        </p:blipFill>
+        </p:nvSpPr>
         <p:spPr>
           <a:xfrm>
-            <a:off x="335087" y="1480391"/>
-            <a:ext cx="6613330" cy="4211282"/>
+            <a:off x="838200" y="1476490"/>
+            <a:ext cx="10515600" cy="959139"/>
           </a:xfrm>
         </p:spPr>
-      </p:pic>
-      <p:pic>
-        <p:nvPicPr>
-          <p:cNvPr id="7" name="Imagen 6">
-            <a:extLst>
-              <a:ext uri="{FF2B5EF4-FFF2-40B4-BE49-F238E27FC236}">
-                <a16:creationId xmlns:a16="http://schemas.microsoft.com/office/drawing/2014/main" id="{4AD8DA47-A16B-684E-7F4F-32A773EC8B1F}"/>
-              </a:ext>
-            </a:extLst>
-          </p:cNvPr>
-          <p:cNvPicPr>
-            <a:picLocks noChangeAspect="1"/>
-          </p:cNvPicPr>
+        <p:txBody>
+          <a:bodyPr/>
+          <a:lstStyle/>
+          <a:p>
+            <a:r>
+              <a:rPr lang="es-ES" dirty="0" err="1"/>
+              <a:t>Negated</a:t>
+            </a:r>
+            <a:r>
+              <a:rPr lang="es-ES" dirty="0"/>
+              <a:t> </a:t>
+            </a:r>
+            <a:r>
+              <a:rPr lang="es-ES" dirty="0" err="1"/>
+              <a:t>specific</a:t>
+            </a:r>
+            <a:r>
+              <a:rPr lang="es-ES" dirty="0"/>
+              <a:t> </a:t>
+            </a:r>
+            <a:r>
+              <a:rPr lang="es-ES" dirty="0" err="1"/>
+              <a:t>phrases</a:t>
+            </a:r>
+            <a:r>
+              <a:rPr lang="es-ES" dirty="0"/>
+              <a:t> and </a:t>
+            </a:r>
+            <a:r>
+              <a:rPr lang="es-ES" dirty="0" err="1"/>
+              <a:t>words</a:t>
+            </a:r>
+            <a:r>
+              <a:rPr lang="es-ES" dirty="0"/>
+              <a:t> </a:t>
+            </a:r>
+            <a:r>
+              <a:rPr lang="es-ES" dirty="0" err="1"/>
+              <a:t>that</a:t>
+            </a:r>
+            <a:r>
+              <a:rPr lang="es-ES" dirty="0"/>
+              <a:t> </a:t>
+            </a:r>
+            <a:r>
+              <a:rPr lang="es-ES" dirty="0" err="1"/>
+              <a:t>negate</a:t>
+            </a:r>
+            <a:r>
+              <a:rPr lang="es-ES" dirty="0"/>
+              <a:t> </a:t>
+            </a:r>
+            <a:r>
+              <a:rPr lang="es-ES" dirty="0" err="1"/>
+              <a:t>Woek</a:t>
+            </a:r>
+            <a:r>
+              <a:rPr lang="es-ES" dirty="0"/>
+              <a:t> </a:t>
+            </a:r>
+            <a:r>
+              <a:rPr lang="es-ES" dirty="0" err="1"/>
+              <a:t>from</a:t>
+            </a:r>
+            <a:r>
+              <a:rPr lang="es-ES" dirty="0"/>
+              <a:t> Home, </a:t>
+            </a:r>
+            <a:r>
+              <a:rPr lang="es-ES" dirty="0" err="1"/>
+              <a:t>like</a:t>
+            </a:r>
+            <a:r>
+              <a:rPr lang="es-ES" dirty="0"/>
+              <a:t> ‘presencial’</a:t>
+            </a:r>
+          </a:p>
+        </p:txBody>
+      </p:sp>
+      <p:sp>
+        <p:nvSpPr>
+          <p:cNvPr id="4" name="Título 1">
+            <a:extLst>
+              <a:ext uri="{FF2B5EF4-FFF2-40B4-BE49-F238E27FC236}">
+                <a16:creationId xmlns:a16="http://schemas.microsoft.com/office/drawing/2014/main" id="{6638A946-B604-0BA8-0CED-A0376FE7CCB7}"/>
+              </a:ext>
+            </a:extLst>
+          </p:cNvPr>
+          <p:cNvSpPr txBox="1">
+            <a:spLocks/>
+          </p:cNvSpPr>
           <p:nvPr/>
-        </p:nvPicPr>
-        <p:blipFill>
-          <a:blip r:embed="rId3"/>
-          <a:stretch>
-            <a:fillRect/>
-          </a:stretch>
-        </p:blipFill>
+        </p:nvSpPr>
         <p:spPr>
           <a:xfrm>
-            <a:off x="7451530" y="1480391"/>
-            <a:ext cx="4403286" cy="4211282"/>
+            <a:off x="838200" y="2014883"/>
+            <a:ext cx="10515600" cy="1325563"/>
           </a:xfrm>
           <a:prstGeom prst="rect">
             <a:avLst/>
           </a:prstGeom>
         </p:spPr>
-      </p:pic>
+        <p:txBody>
+          <a:bodyPr vert="horz" lIns="91440" tIns="45720" rIns="91440" bIns="45720" rtlCol="0" anchor="ctr">
+            <a:normAutofit/>
+          </a:bodyPr>
+          <a:lstStyle>
+            <a:lvl1pPr algn="l" defTabSz="914400" rtl="0" eaLnBrk="1" latinLnBrk="0" hangingPunct="1">
+              <a:lnSpc>
+                <a:spcPct val="90000"/>
+              </a:lnSpc>
+              <a:spcBef>
+                <a:spcPct val="0"/>
+              </a:spcBef>
+              <a:buNone/>
+              <a:defRPr sz="4400" kern="1200">
+                <a:solidFill>
+                  <a:schemeClr val="tx1"/>
+                </a:solidFill>
+                <a:latin typeface="+mj-lt"/>
+                <a:ea typeface="+mj-ea"/>
+                <a:cs typeface="+mj-cs"/>
+              </a:defRPr>
+            </a:lvl1pPr>
+          </a:lstStyle>
+          <a:p>
+            <a:r>
+              <a:rPr lang="es-ES" dirty="0" err="1"/>
+              <a:t>Bucket</a:t>
+            </a:r>
+            <a:r>
+              <a:rPr lang="es-ES" dirty="0"/>
+              <a:t> 3</a:t>
+            </a:r>
+            <a:endParaRPr lang="es-AR" dirty="0"/>
+          </a:p>
+        </p:txBody>
+      </p:sp>
+      <p:sp>
+        <p:nvSpPr>
+          <p:cNvPr id="5" name="Marcador de contenido 2">
+            <a:extLst>
+              <a:ext uri="{FF2B5EF4-FFF2-40B4-BE49-F238E27FC236}">
+                <a16:creationId xmlns:a16="http://schemas.microsoft.com/office/drawing/2014/main" id="{475D09DC-ACCC-E02D-F8BB-0E0F34D72E26}"/>
+              </a:ext>
+            </a:extLst>
+          </p:cNvPr>
+          <p:cNvSpPr txBox="1">
+            <a:spLocks/>
+          </p:cNvSpPr>
+          <p:nvPr/>
+        </p:nvSpPr>
+        <p:spPr>
+          <a:xfrm>
+            <a:off x="705197" y="3096809"/>
+            <a:ext cx="10515600" cy="1325563"/>
+          </a:xfrm>
+          <a:prstGeom prst="rect">
+            <a:avLst/>
+          </a:prstGeom>
+        </p:spPr>
+        <p:txBody>
+          <a:bodyPr vert="horz" lIns="91440" tIns="45720" rIns="91440" bIns="45720" rtlCol="0">
+            <a:normAutofit/>
+          </a:bodyPr>
+          <a:lstStyle>
+            <a:lvl1pPr marL="228600" indent="-228600" algn="l" defTabSz="914400" rtl="0" eaLnBrk="1" latinLnBrk="0" hangingPunct="1">
+              <a:lnSpc>
+                <a:spcPct val="90000"/>
+              </a:lnSpc>
+              <a:spcBef>
+                <a:spcPts val="1000"/>
+              </a:spcBef>
+              <a:buFont typeface="Arial" panose="020B0604020202020204" pitchFamily="34" charset="0"/>
+              <a:buChar char="•"/>
+              <a:defRPr sz="2800" kern="1200">
+                <a:solidFill>
+                  <a:schemeClr val="tx1"/>
+                </a:solidFill>
+                <a:latin typeface="+mn-lt"/>
+                <a:ea typeface="+mn-ea"/>
+                <a:cs typeface="+mn-cs"/>
+              </a:defRPr>
+            </a:lvl1pPr>
+            <a:lvl2pPr marL="685800" indent="-228600" algn="l" defTabSz="914400" rtl="0" eaLnBrk="1" latinLnBrk="0" hangingPunct="1">
+              <a:lnSpc>
+                <a:spcPct val="90000"/>
+              </a:lnSpc>
+              <a:spcBef>
+                <a:spcPts val="500"/>
+              </a:spcBef>
+              <a:buFont typeface="Arial" panose="020B0604020202020204" pitchFamily="34" charset="0"/>
+              <a:buChar char="•"/>
+              <a:defRPr sz="2400" kern="1200">
+                <a:solidFill>
+                  <a:schemeClr val="tx1"/>
+                </a:solidFill>
+                <a:latin typeface="+mn-lt"/>
+                <a:ea typeface="+mn-ea"/>
+                <a:cs typeface="+mn-cs"/>
+              </a:defRPr>
+            </a:lvl2pPr>
+            <a:lvl3pPr marL="1143000" indent="-228600" algn="l" defTabSz="914400" rtl="0" eaLnBrk="1" latinLnBrk="0" hangingPunct="1">
+              <a:lnSpc>
+                <a:spcPct val="90000"/>
+              </a:lnSpc>
+              <a:spcBef>
+                <a:spcPts val="500"/>
+              </a:spcBef>
+              <a:buFont typeface="Arial" panose="020B0604020202020204" pitchFamily="34" charset="0"/>
+              <a:buChar char="•"/>
+              <a:defRPr sz="2000" kern="1200">
+                <a:solidFill>
+                  <a:schemeClr val="tx1"/>
+                </a:solidFill>
+                <a:latin typeface="+mn-lt"/>
+                <a:ea typeface="+mn-ea"/>
+                <a:cs typeface="+mn-cs"/>
+              </a:defRPr>
+            </a:lvl3pPr>
+            <a:lvl4pPr marL="1600200" indent="-228600" algn="l" defTabSz="914400" rtl="0" eaLnBrk="1" latinLnBrk="0" hangingPunct="1">
+              <a:lnSpc>
+                <a:spcPct val="90000"/>
+              </a:lnSpc>
+              <a:spcBef>
+                <a:spcPts val="500"/>
+              </a:spcBef>
+              <a:buFont typeface="Arial" panose="020B0604020202020204" pitchFamily="34" charset="0"/>
+              <a:buChar char="•"/>
+              <a:defRPr sz="1800" kern="1200">
+                <a:solidFill>
+                  <a:schemeClr val="tx1"/>
+                </a:solidFill>
+                <a:latin typeface="+mn-lt"/>
+                <a:ea typeface="+mn-ea"/>
+                <a:cs typeface="+mn-cs"/>
+              </a:defRPr>
+            </a:lvl4pPr>
+            <a:lvl5pPr marL="2057400" indent="-228600" algn="l" defTabSz="914400" rtl="0" eaLnBrk="1" latinLnBrk="0" hangingPunct="1">
+              <a:lnSpc>
+                <a:spcPct val="90000"/>
+              </a:lnSpc>
+              <a:spcBef>
+                <a:spcPts val="500"/>
+              </a:spcBef>
+              <a:buFont typeface="Arial" panose="020B0604020202020204" pitchFamily="34" charset="0"/>
+              <a:buChar char="•"/>
+              <a:defRPr sz="1800" kern="1200">
+                <a:solidFill>
+                  <a:schemeClr val="tx1"/>
+                </a:solidFill>
+                <a:latin typeface="+mn-lt"/>
+                <a:ea typeface="+mn-ea"/>
+                <a:cs typeface="+mn-cs"/>
+              </a:defRPr>
+            </a:lvl5pPr>
+            <a:lvl6pPr marL="2514600" indent="-228600" algn="l" defTabSz="914400" rtl="0" eaLnBrk="1" latinLnBrk="0" hangingPunct="1">
+              <a:lnSpc>
+                <a:spcPct val="90000"/>
+              </a:lnSpc>
+              <a:spcBef>
+                <a:spcPts val="500"/>
+              </a:spcBef>
+              <a:buFont typeface="Arial" panose="020B0604020202020204" pitchFamily="34" charset="0"/>
+              <a:buChar char="•"/>
+              <a:defRPr sz="1800" kern="1200">
+                <a:solidFill>
+                  <a:schemeClr val="tx1"/>
+                </a:solidFill>
+                <a:latin typeface="+mn-lt"/>
+                <a:ea typeface="+mn-ea"/>
+                <a:cs typeface="+mn-cs"/>
+              </a:defRPr>
+            </a:lvl6pPr>
+            <a:lvl7pPr marL="2971800" indent="-228600" algn="l" defTabSz="914400" rtl="0" eaLnBrk="1" latinLnBrk="0" hangingPunct="1">
+              <a:lnSpc>
+                <a:spcPct val="90000"/>
+              </a:lnSpc>
+              <a:spcBef>
+                <a:spcPts val="500"/>
+              </a:spcBef>
+              <a:buFont typeface="Arial" panose="020B0604020202020204" pitchFamily="34" charset="0"/>
+              <a:buChar char="•"/>
+              <a:defRPr sz="1800" kern="1200">
+                <a:solidFill>
+                  <a:schemeClr val="tx1"/>
+                </a:solidFill>
+                <a:latin typeface="+mn-lt"/>
+                <a:ea typeface="+mn-ea"/>
+                <a:cs typeface="+mn-cs"/>
+              </a:defRPr>
+            </a:lvl7pPr>
+            <a:lvl8pPr marL="3429000" indent="-228600" algn="l" defTabSz="914400" rtl="0" eaLnBrk="1" latinLnBrk="0" hangingPunct="1">
+              <a:lnSpc>
+                <a:spcPct val="90000"/>
+              </a:lnSpc>
+              <a:spcBef>
+                <a:spcPts val="500"/>
+              </a:spcBef>
+              <a:buFont typeface="Arial" panose="020B0604020202020204" pitchFamily="34" charset="0"/>
+              <a:buChar char="•"/>
+              <a:defRPr sz="1800" kern="1200">
+                <a:solidFill>
+                  <a:schemeClr val="tx1"/>
+                </a:solidFill>
+                <a:latin typeface="+mn-lt"/>
+                <a:ea typeface="+mn-ea"/>
+                <a:cs typeface="+mn-cs"/>
+              </a:defRPr>
+            </a:lvl8pPr>
+            <a:lvl9pPr marL="3886200" indent="-228600" algn="l" defTabSz="914400" rtl="0" eaLnBrk="1" latinLnBrk="0" hangingPunct="1">
+              <a:lnSpc>
+                <a:spcPct val="90000"/>
+              </a:lnSpc>
+              <a:spcBef>
+                <a:spcPts val="500"/>
+              </a:spcBef>
+              <a:buFont typeface="Arial" panose="020B0604020202020204" pitchFamily="34" charset="0"/>
+              <a:buChar char="•"/>
+              <a:defRPr sz="1800" kern="1200">
+                <a:solidFill>
+                  <a:schemeClr val="tx1"/>
+                </a:solidFill>
+                <a:latin typeface="+mn-lt"/>
+                <a:ea typeface="+mn-ea"/>
+                <a:cs typeface="+mn-cs"/>
+              </a:defRPr>
+            </a:lvl9pPr>
+          </a:lstStyle>
+          <a:p>
+            <a:r>
+              <a:rPr lang="es-ES" dirty="0" err="1"/>
+              <a:t>Generic</a:t>
+            </a:r>
+            <a:r>
+              <a:rPr lang="es-ES" dirty="0"/>
+              <a:t> WFH </a:t>
+            </a:r>
+            <a:r>
+              <a:rPr lang="es-ES" dirty="0" err="1"/>
+              <a:t>count</a:t>
+            </a:r>
+            <a:r>
+              <a:rPr lang="es-ES" dirty="0"/>
+              <a:t> </a:t>
+            </a:r>
+            <a:r>
+              <a:rPr lang="es-ES" dirty="0" err="1"/>
+              <a:t>if</a:t>
+            </a:r>
+            <a:r>
+              <a:rPr lang="es-ES" dirty="0"/>
+              <a:t> </a:t>
+            </a:r>
+            <a:r>
+              <a:rPr lang="es-ES" dirty="0" err="1"/>
+              <a:t>every</a:t>
+            </a:r>
+            <a:r>
+              <a:rPr lang="es-ES" dirty="0"/>
+              <a:t> Word </a:t>
+            </a:r>
+            <a:r>
+              <a:rPr lang="es-ES" dirty="0" err="1"/>
+              <a:t>of</a:t>
+            </a:r>
+            <a:r>
+              <a:rPr lang="es-ES" dirty="0"/>
+              <a:t> </a:t>
+            </a:r>
+            <a:r>
+              <a:rPr lang="es-ES" dirty="0" err="1"/>
+              <a:t>the</a:t>
+            </a:r>
+            <a:r>
+              <a:rPr lang="es-ES" dirty="0"/>
+              <a:t> dic </a:t>
+            </a:r>
+            <a:r>
+              <a:rPr lang="es-ES" dirty="0" err="1"/>
+              <a:t>phrase</a:t>
+            </a:r>
+            <a:r>
+              <a:rPr lang="es-ES" dirty="0"/>
+              <a:t> </a:t>
+            </a:r>
+            <a:r>
+              <a:rPr lang="es-ES" dirty="0" err="1"/>
+              <a:t>is</a:t>
+            </a:r>
+            <a:r>
+              <a:rPr lang="es-ES" dirty="0"/>
+              <a:t> </a:t>
+            </a:r>
+            <a:r>
+              <a:rPr lang="es-ES" dirty="0" err="1"/>
+              <a:t>on</a:t>
+            </a:r>
+            <a:r>
+              <a:rPr lang="es-ES" dirty="0"/>
+              <a:t> </a:t>
+            </a:r>
+            <a:r>
+              <a:rPr lang="es-ES" dirty="0" err="1"/>
+              <a:t>the</a:t>
+            </a:r>
+            <a:r>
+              <a:rPr lang="es-ES" dirty="0"/>
+              <a:t> </a:t>
+            </a:r>
+            <a:r>
+              <a:rPr lang="es-ES" dirty="0" err="1"/>
+              <a:t>string</a:t>
+            </a:r>
+            <a:r>
+              <a:rPr lang="es-ES" dirty="0"/>
+              <a:t> target </a:t>
+            </a:r>
+            <a:r>
+              <a:rPr lang="es-ES" dirty="0" err="1"/>
+              <a:t>regardless</a:t>
+            </a:r>
+            <a:r>
+              <a:rPr lang="es-ES" dirty="0"/>
+              <a:t> </a:t>
+            </a:r>
+            <a:r>
+              <a:rPr lang="es-ES" dirty="0" err="1"/>
+              <a:t>the</a:t>
+            </a:r>
+            <a:r>
+              <a:rPr lang="es-ES" dirty="0"/>
+              <a:t> </a:t>
+            </a:r>
+            <a:r>
+              <a:rPr lang="es-ES" dirty="0" err="1"/>
+              <a:t>words</a:t>
+            </a:r>
+            <a:r>
+              <a:rPr lang="es-ES" dirty="0"/>
+              <a:t> </a:t>
+            </a:r>
+            <a:r>
+              <a:rPr lang="es-ES" dirty="0" err="1"/>
+              <a:t>order</a:t>
+            </a:r>
+            <a:r>
+              <a:rPr lang="es-ES" dirty="0"/>
+              <a:t>, </a:t>
+            </a:r>
+            <a:r>
+              <a:rPr lang="es-ES" dirty="0" err="1"/>
+              <a:t>this</a:t>
+            </a:r>
+            <a:r>
+              <a:rPr lang="es-ES" dirty="0"/>
+              <a:t> </a:t>
+            </a:r>
+            <a:r>
+              <a:rPr lang="es-ES" dirty="0" err="1"/>
+              <a:t>way</a:t>
+            </a:r>
+            <a:r>
+              <a:rPr lang="es-ES" dirty="0"/>
+              <a:t> </a:t>
+            </a:r>
+            <a:r>
+              <a:rPr lang="es-ES" dirty="0" err="1"/>
+              <a:t>we</a:t>
+            </a:r>
+            <a:r>
+              <a:rPr lang="es-ES" dirty="0"/>
+              <a:t> </a:t>
+            </a:r>
+            <a:r>
+              <a:rPr lang="es-ES" dirty="0" err="1"/>
+              <a:t>count</a:t>
+            </a:r>
+            <a:r>
+              <a:rPr lang="es-ES" dirty="0"/>
+              <a:t> </a:t>
+            </a:r>
+            <a:r>
+              <a:rPr lang="es-ES" dirty="0" err="1"/>
+              <a:t>different</a:t>
+            </a:r>
+            <a:r>
+              <a:rPr lang="es-ES" dirty="0"/>
+              <a:t> </a:t>
+            </a:r>
+            <a:r>
+              <a:rPr lang="es-ES" dirty="0" err="1"/>
+              <a:t>ways</a:t>
+            </a:r>
+            <a:r>
+              <a:rPr lang="es-ES" dirty="0"/>
+              <a:t> </a:t>
+            </a:r>
+            <a:r>
+              <a:rPr lang="es-ES" dirty="0" err="1"/>
+              <a:t>to</a:t>
+            </a:r>
+            <a:r>
+              <a:rPr lang="es-ES" dirty="0"/>
+              <a:t> </a:t>
+            </a:r>
+            <a:r>
+              <a:rPr lang="es-ES" dirty="0" err="1"/>
+              <a:t>build</a:t>
+            </a:r>
+            <a:r>
+              <a:rPr lang="es-ES" dirty="0"/>
+              <a:t> </a:t>
+            </a:r>
+            <a:r>
+              <a:rPr lang="es-ES" dirty="0" err="1"/>
+              <a:t>the</a:t>
+            </a:r>
+            <a:r>
+              <a:rPr lang="es-ES" dirty="0"/>
+              <a:t> </a:t>
+            </a:r>
+            <a:r>
+              <a:rPr lang="es-ES" dirty="0" err="1"/>
+              <a:t>generic</a:t>
+            </a:r>
+            <a:r>
+              <a:rPr lang="es-ES" dirty="0"/>
+              <a:t> </a:t>
+            </a:r>
+            <a:r>
+              <a:rPr lang="es-ES" dirty="0" err="1"/>
+              <a:t>phrases</a:t>
+            </a:r>
+            <a:r>
+              <a:rPr lang="es-ES" dirty="0"/>
+              <a:t>.</a:t>
+            </a:r>
+          </a:p>
+        </p:txBody>
+      </p:sp>
+      <p:sp>
+        <p:nvSpPr>
+          <p:cNvPr id="6" name="Marcador de contenido 2">
+            <a:extLst>
+              <a:ext uri="{FF2B5EF4-FFF2-40B4-BE49-F238E27FC236}">
+                <a16:creationId xmlns:a16="http://schemas.microsoft.com/office/drawing/2014/main" id="{E7A50BCE-2EFB-D493-22BA-E8FA640C95EE}"/>
+              </a:ext>
+            </a:extLst>
+          </p:cNvPr>
+          <p:cNvSpPr txBox="1">
+            <a:spLocks/>
+          </p:cNvSpPr>
+          <p:nvPr/>
+        </p:nvSpPr>
+        <p:spPr>
+          <a:xfrm>
+            <a:off x="3887586" y="4841516"/>
+            <a:ext cx="7599218" cy="1325563"/>
+          </a:xfrm>
+          <a:prstGeom prst="rect">
+            <a:avLst/>
+          </a:prstGeom>
+        </p:spPr>
+        <p:txBody>
+          <a:bodyPr vert="horz" lIns="91440" tIns="45720" rIns="91440" bIns="45720" rtlCol="0">
+            <a:normAutofit fontScale="85000" lnSpcReduction="10000"/>
+          </a:bodyPr>
+          <a:lstStyle>
+            <a:lvl1pPr marL="228600" indent="-228600" algn="l" defTabSz="914400" rtl="0" eaLnBrk="1" latinLnBrk="0" hangingPunct="1">
+              <a:lnSpc>
+                <a:spcPct val="90000"/>
+              </a:lnSpc>
+              <a:spcBef>
+                <a:spcPts val="1000"/>
+              </a:spcBef>
+              <a:buFont typeface="Arial" panose="020B0604020202020204" pitchFamily="34" charset="0"/>
+              <a:buChar char="•"/>
+              <a:defRPr sz="2800" kern="1200">
+                <a:solidFill>
+                  <a:schemeClr val="tx1"/>
+                </a:solidFill>
+                <a:latin typeface="+mn-lt"/>
+                <a:ea typeface="+mn-ea"/>
+                <a:cs typeface="+mn-cs"/>
+              </a:defRPr>
+            </a:lvl1pPr>
+            <a:lvl2pPr marL="685800" indent="-228600" algn="l" defTabSz="914400" rtl="0" eaLnBrk="1" latinLnBrk="0" hangingPunct="1">
+              <a:lnSpc>
+                <a:spcPct val="90000"/>
+              </a:lnSpc>
+              <a:spcBef>
+                <a:spcPts val="500"/>
+              </a:spcBef>
+              <a:buFont typeface="Arial" panose="020B0604020202020204" pitchFamily="34" charset="0"/>
+              <a:buChar char="•"/>
+              <a:defRPr sz="2400" kern="1200">
+                <a:solidFill>
+                  <a:schemeClr val="tx1"/>
+                </a:solidFill>
+                <a:latin typeface="+mn-lt"/>
+                <a:ea typeface="+mn-ea"/>
+                <a:cs typeface="+mn-cs"/>
+              </a:defRPr>
+            </a:lvl2pPr>
+            <a:lvl3pPr marL="1143000" indent="-228600" algn="l" defTabSz="914400" rtl="0" eaLnBrk="1" latinLnBrk="0" hangingPunct="1">
+              <a:lnSpc>
+                <a:spcPct val="90000"/>
+              </a:lnSpc>
+              <a:spcBef>
+                <a:spcPts val="500"/>
+              </a:spcBef>
+              <a:buFont typeface="Arial" panose="020B0604020202020204" pitchFamily="34" charset="0"/>
+              <a:buChar char="•"/>
+              <a:defRPr sz="2000" kern="1200">
+                <a:solidFill>
+                  <a:schemeClr val="tx1"/>
+                </a:solidFill>
+                <a:latin typeface="+mn-lt"/>
+                <a:ea typeface="+mn-ea"/>
+                <a:cs typeface="+mn-cs"/>
+              </a:defRPr>
+            </a:lvl3pPr>
+            <a:lvl4pPr marL="1600200" indent="-228600" algn="l" defTabSz="914400" rtl="0" eaLnBrk="1" latinLnBrk="0" hangingPunct="1">
+              <a:lnSpc>
+                <a:spcPct val="90000"/>
+              </a:lnSpc>
+              <a:spcBef>
+                <a:spcPts val="500"/>
+              </a:spcBef>
+              <a:buFont typeface="Arial" panose="020B0604020202020204" pitchFamily="34" charset="0"/>
+              <a:buChar char="•"/>
+              <a:defRPr sz="1800" kern="1200">
+                <a:solidFill>
+                  <a:schemeClr val="tx1"/>
+                </a:solidFill>
+                <a:latin typeface="+mn-lt"/>
+                <a:ea typeface="+mn-ea"/>
+                <a:cs typeface="+mn-cs"/>
+              </a:defRPr>
+            </a:lvl4pPr>
+            <a:lvl5pPr marL="2057400" indent="-228600" algn="l" defTabSz="914400" rtl="0" eaLnBrk="1" latinLnBrk="0" hangingPunct="1">
+              <a:lnSpc>
+                <a:spcPct val="90000"/>
+              </a:lnSpc>
+              <a:spcBef>
+                <a:spcPts val="500"/>
+              </a:spcBef>
+              <a:buFont typeface="Arial" panose="020B0604020202020204" pitchFamily="34" charset="0"/>
+              <a:buChar char="•"/>
+              <a:defRPr sz="1800" kern="1200">
+                <a:solidFill>
+                  <a:schemeClr val="tx1"/>
+                </a:solidFill>
+                <a:latin typeface="+mn-lt"/>
+                <a:ea typeface="+mn-ea"/>
+                <a:cs typeface="+mn-cs"/>
+              </a:defRPr>
+            </a:lvl5pPr>
+            <a:lvl6pPr marL="2514600" indent="-228600" algn="l" defTabSz="914400" rtl="0" eaLnBrk="1" latinLnBrk="0" hangingPunct="1">
+              <a:lnSpc>
+                <a:spcPct val="90000"/>
+              </a:lnSpc>
+              <a:spcBef>
+                <a:spcPts val="500"/>
+              </a:spcBef>
+              <a:buFont typeface="Arial" panose="020B0604020202020204" pitchFamily="34" charset="0"/>
+              <a:buChar char="•"/>
+              <a:defRPr sz="1800" kern="1200">
+                <a:solidFill>
+                  <a:schemeClr val="tx1"/>
+                </a:solidFill>
+                <a:latin typeface="+mn-lt"/>
+                <a:ea typeface="+mn-ea"/>
+                <a:cs typeface="+mn-cs"/>
+              </a:defRPr>
+            </a:lvl6pPr>
+            <a:lvl7pPr marL="2971800" indent="-228600" algn="l" defTabSz="914400" rtl="0" eaLnBrk="1" latinLnBrk="0" hangingPunct="1">
+              <a:lnSpc>
+                <a:spcPct val="90000"/>
+              </a:lnSpc>
+              <a:spcBef>
+                <a:spcPts val="500"/>
+              </a:spcBef>
+              <a:buFont typeface="Arial" panose="020B0604020202020204" pitchFamily="34" charset="0"/>
+              <a:buChar char="•"/>
+              <a:defRPr sz="1800" kern="1200">
+                <a:solidFill>
+                  <a:schemeClr val="tx1"/>
+                </a:solidFill>
+                <a:latin typeface="+mn-lt"/>
+                <a:ea typeface="+mn-ea"/>
+                <a:cs typeface="+mn-cs"/>
+              </a:defRPr>
+            </a:lvl7pPr>
+            <a:lvl8pPr marL="3429000" indent="-228600" algn="l" defTabSz="914400" rtl="0" eaLnBrk="1" latinLnBrk="0" hangingPunct="1">
+              <a:lnSpc>
+                <a:spcPct val="90000"/>
+              </a:lnSpc>
+              <a:spcBef>
+                <a:spcPts val="500"/>
+              </a:spcBef>
+              <a:buFont typeface="Arial" panose="020B0604020202020204" pitchFamily="34" charset="0"/>
+              <a:buChar char="•"/>
+              <a:defRPr sz="1800" kern="1200">
+                <a:solidFill>
+                  <a:schemeClr val="tx1"/>
+                </a:solidFill>
+                <a:latin typeface="+mn-lt"/>
+                <a:ea typeface="+mn-ea"/>
+                <a:cs typeface="+mn-cs"/>
+              </a:defRPr>
+            </a:lvl8pPr>
+            <a:lvl9pPr marL="3886200" indent="-228600" algn="l" defTabSz="914400" rtl="0" eaLnBrk="1" latinLnBrk="0" hangingPunct="1">
+              <a:lnSpc>
+                <a:spcPct val="90000"/>
+              </a:lnSpc>
+              <a:spcBef>
+                <a:spcPts val="500"/>
+              </a:spcBef>
+              <a:buFont typeface="Arial" panose="020B0604020202020204" pitchFamily="34" charset="0"/>
+              <a:buChar char="•"/>
+              <a:defRPr sz="1800" kern="1200">
+                <a:solidFill>
+                  <a:schemeClr val="tx1"/>
+                </a:solidFill>
+                <a:latin typeface="+mn-lt"/>
+                <a:ea typeface="+mn-ea"/>
+                <a:cs typeface="+mn-cs"/>
+              </a:defRPr>
+            </a:lvl9pPr>
+          </a:lstStyle>
+          <a:p>
+            <a:pPr>
+              <a:buFont typeface="Wingdings" panose="05000000000000000000" pitchFamily="2" charset="2"/>
+              <a:buChar char="v"/>
+            </a:pPr>
+            <a:r>
+              <a:rPr lang="es-ES" dirty="0" err="1"/>
+              <a:t>Each</a:t>
+            </a:r>
+            <a:r>
+              <a:rPr lang="es-ES" dirty="0"/>
+              <a:t> </a:t>
+            </a:r>
+            <a:r>
+              <a:rPr lang="es-ES" dirty="0" err="1"/>
+              <a:t>bucket</a:t>
+            </a:r>
+            <a:r>
+              <a:rPr lang="es-ES" dirty="0"/>
+              <a:t> </a:t>
+            </a:r>
+            <a:r>
+              <a:rPr lang="es-ES" dirty="0" err="1"/>
+              <a:t>dictionary</a:t>
+            </a:r>
+            <a:r>
+              <a:rPr lang="es-ES" dirty="0"/>
+              <a:t> </a:t>
+            </a:r>
+            <a:r>
+              <a:rPr lang="es-ES" dirty="0" err="1"/>
+              <a:t>contains</a:t>
+            </a:r>
+            <a:r>
+              <a:rPr lang="es-ES" dirty="0"/>
+              <a:t> </a:t>
+            </a:r>
+            <a:r>
+              <a:rPr lang="es-ES" dirty="0" err="1"/>
+              <a:t>the</a:t>
+            </a:r>
+            <a:r>
+              <a:rPr lang="es-ES" dirty="0"/>
+              <a:t> original </a:t>
+            </a:r>
+            <a:r>
+              <a:rPr lang="es-ES" dirty="0" err="1"/>
+              <a:t>phrase</a:t>
+            </a:r>
+            <a:r>
+              <a:rPr lang="es-ES" dirty="0"/>
+              <a:t>, </a:t>
+            </a:r>
+            <a:r>
+              <a:rPr lang="es-ES" dirty="0" err="1"/>
+              <a:t>the</a:t>
+            </a:r>
+            <a:r>
+              <a:rPr lang="es-ES" dirty="0"/>
+              <a:t> </a:t>
+            </a:r>
+            <a:r>
+              <a:rPr lang="es-ES" dirty="0" err="1"/>
+              <a:t>phrase</a:t>
+            </a:r>
+            <a:r>
+              <a:rPr lang="es-ES" dirty="0"/>
+              <a:t> </a:t>
+            </a:r>
+            <a:r>
+              <a:rPr lang="es-ES" dirty="0" err="1"/>
+              <a:t>without</a:t>
+            </a:r>
+            <a:r>
+              <a:rPr lang="es-ES" dirty="0"/>
+              <a:t> capital </a:t>
+            </a:r>
+            <a:r>
+              <a:rPr lang="es-ES" dirty="0" err="1"/>
+              <a:t>letters</a:t>
+            </a:r>
+            <a:r>
+              <a:rPr lang="es-ES" dirty="0"/>
+              <a:t>, </a:t>
+            </a:r>
+            <a:r>
+              <a:rPr lang="es-ES" dirty="0" err="1"/>
+              <a:t>the</a:t>
+            </a:r>
+            <a:r>
+              <a:rPr lang="es-ES" dirty="0"/>
+              <a:t> </a:t>
+            </a:r>
+            <a:r>
+              <a:rPr lang="es-ES" dirty="0" err="1"/>
+              <a:t>phrase</a:t>
+            </a:r>
+            <a:r>
+              <a:rPr lang="es-ES" dirty="0"/>
+              <a:t> </a:t>
+            </a:r>
+            <a:r>
+              <a:rPr lang="es-ES" dirty="0" err="1"/>
+              <a:t>with</a:t>
+            </a:r>
+            <a:r>
+              <a:rPr lang="es-ES" dirty="0"/>
+              <a:t> </a:t>
+            </a:r>
+            <a:r>
+              <a:rPr lang="es-ES" dirty="0" err="1"/>
+              <a:t>each</a:t>
+            </a:r>
+            <a:r>
+              <a:rPr lang="es-ES" dirty="0"/>
+              <a:t> Word </a:t>
+            </a:r>
+            <a:r>
+              <a:rPr lang="es-ES" dirty="0" err="1"/>
+              <a:t>with</a:t>
+            </a:r>
+            <a:r>
+              <a:rPr lang="es-ES" dirty="0"/>
+              <a:t> </a:t>
+            </a:r>
+            <a:r>
+              <a:rPr lang="es-ES" dirty="0" err="1"/>
+              <a:t>initial</a:t>
+            </a:r>
+            <a:r>
+              <a:rPr lang="es-ES" dirty="0"/>
+              <a:t> capital </a:t>
+            </a:r>
+            <a:r>
+              <a:rPr lang="es-ES" dirty="0" err="1"/>
+              <a:t>letter</a:t>
+            </a:r>
+            <a:r>
+              <a:rPr lang="es-ES" dirty="0"/>
+              <a:t> and </a:t>
+            </a:r>
+            <a:r>
+              <a:rPr lang="es-ES" dirty="0" err="1"/>
+              <a:t>all</a:t>
+            </a:r>
+            <a:r>
+              <a:rPr lang="es-ES" dirty="0"/>
+              <a:t> </a:t>
+            </a:r>
+            <a:r>
+              <a:rPr lang="es-ES" dirty="0" err="1"/>
+              <a:t>caps</a:t>
+            </a:r>
+            <a:r>
+              <a:rPr lang="es-ES" dirty="0"/>
+              <a:t>, </a:t>
+            </a:r>
+            <a:r>
+              <a:rPr lang="es-ES" dirty="0" err="1"/>
+              <a:t>also</a:t>
+            </a:r>
+            <a:r>
+              <a:rPr lang="es-ES" dirty="0"/>
+              <a:t> a </a:t>
+            </a:r>
+            <a:r>
+              <a:rPr lang="es-ES" dirty="0" err="1"/>
+              <a:t>copy</a:t>
+            </a:r>
+            <a:r>
+              <a:rPr lang="es-ES" dirty="0"/>
+              <a:t> </a:t>
+            </a:r>
+            <a:r>
+              <a:rPr lang="es-ES" dirty="0" err="1"/>
+              <a:t>with</a:t>
+            </a:r>
+            <a:r>
+              <a:rPr lang="es-ES" dirty="0"/>
+              <a:t> </a:t>
+            </a:r>
+            <a:r>
+              <a:rPr lang="es-ES" dirty="0" err="1"/>
+              <a:t>accent</a:t>
+            </a:r>
+            <a:r>
+              <a:rPr lang="es-ES" dirty="0"/>
+              <a:t> and </a:t>
+            </a:r>
+            <a:r>
+              <a:rPr lang="es-ES" dirty="0" err="1"/>
+              <a:t>without</a:t>
+            </a:r>
+            <a:r>
+              <a:rPr lang="es-ES" dirty="0"/>
+              <a:t> </a:t>
+            </a:r>
+            <a:r>
+              <a:rPr lang="es-ES" dirty="0" err="1"/>
+              <a:t>accent</a:t>
+            </a:r>
+            <a:r>
+              <a:rPr lang="es-ES" dirty="0"/>
+              <a:t> and </a:t>
+            </a:r>
+            <a:r>
+              <a:rPr lang="es-ES" dirty="0" err="1"/>
+              <a:t>with</a:t>
+            </a:r>
+            <a:r>
+              <a:rPr lang="es-ES" dirty="0"/>
+              <a:t> ‘ñ’ and </a:t>
+            </a:r>
+            <a:r>
+              <a:rPr lang="es-ES" dirty="0" err="1"/>
+              <a:t>without</a:t>
+            </a:r>
+            <a:r>
+              <a:rPr lang="es-ES" dirty="0"/>
+              <a:t>.</a:t>
+            </a:r>
+          </a:p>
+        </p:txBody>
+      </p:sp>
     </p:spTree>
     <p:extLst>
       <p:ext uri="{BB962C8B-B14F-4D97-AF65-F5344CB8AC3E}">
-        <p14:creationId xmlns:p14="http://schemas.microsoft.com/office/powerpoint/2010/main" val="4224805656"/>
+        <p14:creationId xmlns:p14="http://schemas.microsoft.com/office/powerpoint/2010/main" val="2164808654"/>
       </p:ext>
     </p:extLst>
   </p:cSld>
@@ -3533,7 +4462,7 @@
           <p:cNvPr id="2" name="Título 1">
             <a:extLst>
               <a:ext uri="{FF2B5EF4-FFF2-40B4-BE49-F238E27FC236}">
-                <a16:creationId xmlns:a16="http://schemas.microsoft.com/office/drawing/2014/main" id="{730F9A20-D893-C46E-BB8D-EAE2309A3C44}"/>
+                <a16:creationId xmlns:a16="http://schemas.microsoft.com/office/drawing/2014/main" id="{D0274766-2CA5-9FA9-A1CA-9BDA4F43E704}"/>
               </a:ext>
             </a:extLst>
           </p:cNvPr>
@@ -3551,7 +4480,7 @@
           <a:p>
             <a:r>
               <a:rPr lang="es-AR" dirty="0" err="1"/>
-              <a:t>avisocargo</a:t>
+              <a:t>avisocuerpo</a:t>
             </a:r>
             <a:endParaRPr lang="es-AR" dirty="0"/>
           </a:p>
@@ -3559,19 +4488,17 @@
       </p:sp>
       <p:pic>
         <p:nvPicPr>
-          <p:cNvPr id="11" name="Marcador de contenido 10">
-            <a:extLst>
-              <a:ext uri="{FF2B5EF4-FFF2-40B4-BE49-F238E27FC236}">
-                <a16:creationId xmlns:a16="http://schemas.microsoft.com/office/drawing/2014/main" id="{7323C7BF-7F09-1AB8-5756-C77CD58E05F6}"/>
+          <p:cNvPr id="8" name="Imagen 7">
+            <a:extLst>
+              <a:ext uri="{FF2B5EF4-FFF2-40B4-BE49-F238E27FC236}">
+                <a16:creationId xmlns:a16="http://schemas.microsoft.com/office/drawing/2014/main" id="{99A19B4C-496C-2D83-0BC1-75EE679C63EF}"/>
               </a:ext>
             </a:extLst>
           </p:cNvPr>
           <p:cNvPicPr>
-            <a:picLocks noGrp="1" noChangeAspect="1"/>
+            <a:picLocks noChangeAspect="1"/>
           </p:cNvPicPr>
-          <p:nvPr>
-            <p:ph idx="1"/>
-          </p:nvPr>
+          <p:nvPr/>
         </p:nvPicPr>
         <p:blipFill>
           <a:blip r:embed="rId2"/>
@@ -3581,17 +4508,20 @@
         </p:blipFill>
         <p:spPr>
           <a:xfrm>
-            <a:off x="370817" y="1690688"/>
-            <a:ext cx="6580232" cy="4190206"/>
+            <a:off x="163830" y="1257768"/>
+            <a:ext cx="7180988" cy="4525346"/>
           </a:xfrm>
+          <a:prstGeom prst="rect">
+            <a:avLst/>
+          </a:prstGeom>
         </p:spPr>
       </p:pic>
       <p:pic>
         <p:nvPicPr>
-          <p:cNvPr id="13" name="Imagen 12">
-            <a:extLst>
-              <a:ext uri="{FF2B5EF4-FFF2-40B4-BE49-F238E27FC236}">
-                <a16:creationId xmlns:a16="http://schemas.microsoft.com/office/drawing/2014/main" id="{178B9A25-170E-0FD7-539B-CE377B6EE933}"/>
+          <p:cNvPr id="10" name="Imagen 9">
+            <a:extLst>
+              <a:ext uri="{FF2B5EF4-FFF2-40B4-BE49-F238E27FC236}">
+                <a16:creationId xmlns:a16="http://schemas.microsoft.com/office/drawing/2014/main" id="{4C667555-354F-14F8-D3AC-19D078071377}"/>
               </a:ext>
             </a:extLst>
           </p:cNvPr>
@@ -3608,8 +4538,8 @@
         </p:blipFill>
         <p:spPr>
           <a:xfrm>
-            <a:off x="7204087" y="1690688"/>
-            <a:ext cx="4506686" cy="4029075"/>
+            <a:off x="7517917" y="1628309"/>
+            <a:ext cx="4173748" cy="4154805"/>
           </a:xfrm>
           <a:prstGeom prst="rect">
             <a:avLst/>
@@ -3619,7 +4549,7 @@
     </p:spTree>
     <p:extLst>
       <p:ext uri="{BB962C8B-B14F-4D97-AF65-F5344CB8AC3E}">
-        <p14:creationId xmlns:p14="http://schemas.microsoft.com/office/powerpoint/2010/main" val="636370663"/>
+        <p14:creationId xmlns:p14="http://schemas.microsoft.com/office/powerpoint/2010/main" val="4224805656"/>
       </p:ext>
     </p:extLst>
   </p:cSld>
@@ -3651,7 +4581,7 @@
           <p:cNvPr id="2" name="Título 1">
             <a:extLst>
               <a:ext uri="{FF2B5EF4-FFF2-40B4-BE49-F238E27FC236}">
-                <a16:creationId xmlns:a16="http://schemas.microsoft.com/office/drawing/2014/main" id="{C5F5444D-D530-3C47-171C-020B5AC02981}"/>
+                <a16:creationId xmlns:a16="http://schemas.microsoft.com/office/drawing/2014/main" id="{730F9A20-D893-C46E-BB8D-EAE2309A3C44}"/>
               </a:ext>
             </a:extLst>
           </p:cNvPr>
@@ -3669,7 +4599,7 @@
           <a:p>
             <a:r>
               <a:rPr lang="es-AR" dirty="0" err="1"/>
-              <a:t>avisorequisitos</a:t>
+              <a:t>avisocargo</a:t>
             </a:r>
             <a:endParaRPr lang="es-AR" dirty="0"/>
           </a:p>
@@ -3677,10 +4607,10 @@
       </p:sp>
       <p:pic>
         <p:nvPicPr>
-          <p:cNvPr id="5" name="Marcador de contenido 4">
-            <a:extLst>
-              <a:ext uri="{FF2B5EF4-FFF2-40B4-BE49-F238E27FC236}">
-                <a16:creationId xmlns:a16="http://schemas.microsoft.com/office/drawing/2014/main" id="{1B892D7D-29F1-BA56-F419-A644BF654CB3}"/>
+          <p:cNvPr id="6" name="Marcador de contenido 5">
+            <a:extLst>
+              <a:ext uri="{FF2B5EF4-FFF2-40B4-BE49-F238E27FC236}">
+                <a16:creationId xmlns:a16="http://schemas.microsoft.com/office/drawing/2014/main" id="{279E8A36-B59F-96E2-966C-BFDDB7F987E7}"/>
               </a:ext>
             </a:extLst>
           </p:cNvPr>
@@ -3699,17 +4629,17 @@
         </p:blipFill>
         <p:spPr>
           <a:xfrm>
-            <a:off x="234745" y="1690688"/>
-            <a:ext cx="6253778" cy="3982324"/>
+            <a:off x="370816" y="1529556"/>
+            <a:ext cx="6833271" cy="4351338"/>
           </a:xfrm>
         </p:spPr>
       </p:pic>
       <p:pic>
         <p:nvPicPr>
-          <p:cNvPr id="7" name="Imagen 6">
-            <a:extLst>
-              <a:ext uri="{FF2B5EF4-FFF2-40B4-BE49-F238E27FC236}">
-                <a16:creationId xmlns:a16="http://schemas.microsoft.com/office/drawing/2014/main" id="{AC8BEF83-BF51-7C76-84C2-D79F946A31AA}"/>
+          <p:cNvPr id="8" name="Imagen 7">
+            <a:extLst>
+              <a:ext uri="{FF2B5EF4-FFF2-40B4-BE49-F238E27FC236}">
+                <a16:creationId xmlns:a16="http://schemas.microsoft.com/office/drawing/2014/main" id="{8C4CD519-08D3-C329-5E2B-635B347883E2}"/>
               </a:ext>
             </a:extLst>
           </p:cNvPr>
@@ -3726,8 +4656,126 @@
         </p:blipFill>
         <p:spPr>
           <a:xfrm>
-            <a:off x="7169604" y="1506987"/>
-            <a:ext cx="4184196" cy="4261443"/>
+            <a:off x="7671471" y="1529556"/>
+            <a:ext cx="4219479" cy="4351338"/>
+          </a:xfrm>
+          <a:prstGeom prst="rect">
+            <a:avLst/>
+          </a:prstGeom>
+        </p:spPr>
+      </p:pic>
+    </p:spTree>
+    <p:extLst>
+      <p:ext uri="{BB962C8B-B14F-4D97-AF65-F5344CB8AC3E}">
+        <p14:creationId xmlns:p14="http://schemas.microsoft.com/office/powerpoint/2010/main" val="636370663"/>
+      </p:ext>
+    </p:extLst>
+  </p:cSld>
+  <p:clrMapOvr>
+    <a:masterClrMapping/>
+  </p:clrMapOvr>
+</p:sld>
+</file>
+
+<file path=ppt/slides/slide5.xml><?xml version="1.0" encoding="utf-8"?>
+<p:sld xmlns:a="http://schemas.openxmlformats.org/drawingml/2006/main" xmlns:r="http://schemas.openxmlformats.org/officeDocument/2006/relationships" xmlns:p="http://schemas.openxmlformats.org/presentationml/2006/main">
+  <p:cSld>
+    <p:spTree>
+      <p:nvGrpSpPr>
+        <p:cNvPr id="1" name=""/>
+        <p:cNvGrpSpPr/>
+        <p:nvPr/>
+      </p:nvGrpSpPr>
+      <p:grpSpPr>
+        <a:xfrm>
+          <a:off x="0" y="0"/>
+          <a:ext cx="0" cy="0"/>
+          <a:chOff x="0" y="0"/>
+          <a:chExt cx="0" cy="0"/>
+        </a:xfrm>
+      </p:grpSpPr>
+      <p:sp>
+        <p:nvSpPr>
+          <p:cNvPr id="2" name="Título 1">
+            <a:extLst>
+              <a:ext uri="{FF2B5EF4-FFF2-40B4-BE49-F238E27FC236}">
+                <a16:creationId xmlns:a16="http://schemas.microsoft.com/office/drawing/2014/main" id="{C5F5444D-D530-3C47-171C-020B5AC02981}"/>
+              </a:ext>
+            </a:extLst>
+          </p:cNvPr>
+          <p:cNvSpPr>
+            <a:spLocks noGrp="1"/>
+          </p:cNvSpPr>
+          <p:nvPr>
+            <p:ph type="title"/>
+          </p:nvPr>
+        </p:nvSpPr>
+        <p:spPr/>
+        <p:txBody>
+          <a:bodyPr/>
+          <a:lstStyle/>
+          <a:p>
+            <a:r>
+              <a:rPr lang="es-AR" dirty="0" err="1"/>
+              <a:t>avisorequisitos</a:t>
+            </a:r>
+            <a:endParaRPr lang="es-AR" dirty="0"/>
+          </a:p>
+        </p:txBody>
+      </p:sp>
+      <p:pic>
+        <p:nvPicPr>
+          <p:cNvPr id="8" name="Marcador de contenido 7">
+            <a:extLst>
+              <a:ext uri="{FF2B5EF4-FFF2-40B4-BE49-F238E27FC236}">
+                <a16:creationId xmlns:a16="http://schemas.microsoft.com/office/drawing/2014/main" id="{605E31E8-A2FD-86E0-8B8F-D3ECCDF21314}"/>
+              </a:ext>
+            </a:extLst>
+          </p:cNvPr>
+          <p:cNvPicPr>
+            <a:picLocks noGrp="1" noChangeAspect="1"/>
+          </p:cNvPicPr>
+          <p:nvPr>
+            <p:ph idx="1"/>
+          </p:nvPr>
+        </p:nvPicPr>
+        <p:blipFill>
+          <a:blip r:embed="rId2"/>
+          <a:stretch>
+            <a:fillRect/>
+          </a:stretch>
+        </p:blipFill>
+        <p:spPr>
+          <a:xfrm>
+            <a:off x="336333" y="1553890"/>
+            <a:ext cx="6833271" cy="4351338"/>
+          </a:xfrm>
+        </p:spPr>
+      </p:pic>
+      <p:pic>
+        <p:nvPicPr>
+          <p:cNvPr id="10" name="Imagen 9">
+            <a:extLst>
+              <a:ext uri="{FF2B5EF4-FFF2-40B4-BE49-F238E27FC236}">
+                <a16:creationId xmlns:a16="http://schemas.microsoft.com/office/drawing/2014/main" id="{793D0FCF-78CB-99BA-6393-118573D3B85A}"/>
+              </a:ext>
+            </a:extLst>
+          </p:cNvPr>
+          <p:cNvPicPr>
+            <a:picLocks noChangeAspect="1"/>
+          </p:cNvPicPr>
+          <p:nvPr/>
+        </p:nvPicPr>
+        <p:blipFill>
+          <a:blip r:embed="rId3"/>
+          <a:stretch>
+            <a:fillRect/>
+          </a:stretch>
+        </p:blipFill>
+        <p:spPr>
+          <a:xfrm>
+            <a:off x="7536180" y="1553890"/>
+            <a:ext cx="4416578" cy="4175443"/>
           </a:xfrm>
           <a:prstGeom prst="rect">
             <a:avLst/>

--- a/results.pptx
+++ b/results.pptx
@@ -7,9 +7,16 @@
   <p:sldIdLst>
     <p:sldId id="262" r:id="rId2"/>
     <p:sldId id="263" r:id="rId3"/>
-    <p:sldId id="257" r:id="rId4"/>
-    <p:sldId id="258" r:id="rId5"/>
-    <p:sldId id="259" r:id="rId6"/>
+    <p:sldId id="269" r:id="rId4"/>
+    <p:sldId id="257" r:id="rId5"/>
+    <p:sldId id="270" r:id="rId6"/>
+    <p:sldId id="264" r:id="rId7"/>
+    <p:sldId id="265" r:id="rId8"/>
+    <p:sldId id="266" r:id="rId9"/>
+    <p:sldId id="267" r:id="rId10"/>
+    <p:sldId id="272" r:id="rId11"/>
+    <p:sldId id="258" r:id="rId12"/>
+    <p:sldId id="268" r:id="rId13"/>
   </p:sldIdLst>
   <p:sldSz cx="12192000" cy="6858000"/>
   <p:notesSz cx="6858000" cy="9144000"/>
@@ -265,7 +272,7 @@
           <a:p>
             <a:fld id="{EC6047D0-F911-4E84-95C8-4C54FFE53C16}" type="datetimeFigureOut">
               <a:rPr lang="es-AR" smtClean="0"/>
-              <a:t>6/10/2023</a:t>
+              <a:t>3/11/2023</a:t>
             </a:fld>
             <a:endParaRPr lang="es-AR"/>
           </a:p>
@@ -465,7 +472,7 @@
           <a:p>
             <a:fld id="{EC6047D0-F911-4E84-95C8-4C54FFE53C16}" type="datetimeFigureOut">
               <a:rPr lang="es-AR" smtClean="0"/>
-              <a:t>6/10/2023</a:t>
+              <a:t>3/11/2023</a:t>
             </a:fld>
             <a:endParaRPr lang="es-AR"/>
           </a:p>
@@ -675,7 +682,7 @@
           <a:p>
             <a:fld id="{EC6047D0-F911-4E84-95C8-4C54FFE53C16}" type="datetimeFigureOut">
               <a:rPr lang="es-AR" smtClean="0"/>
-              <a:t>6/10/2023</a:t>
+              <a:t>3/11/2023</a:t>
             </a:fld>
             <a:endParaRPr lang="es-AR"/>
           </a:p>
@@ -875,7 +882,7 @@
           <a:p>
             <a:fld id="{EC6047D0-F911-4E84-95C8-4C54FFE53C16}" type="datetimeFigureOut">
               <a:rPr lang="es-AR" smtClean="0"/>
-              <a:t>6/10/2023</a:t>
+              <a:t>3/11/2023</a:t>
             </a:fld>
             <a:endParaRPr lang="es-AR"/>
           </a:p>
@@ -1151,7 +1158,7 @@
           <a:p>
             <a:fld id="{EC6047D0-F911-4E84-95C8-4C54FFE53C16}" type="datetimeFigureOut">
               <a:rPr lang="es-AR" smtClean="0"/>
-              <a:t>6/10/2023</a:t>
+              <a:t>3/11/2023</a:t>
             </a:fld>
             <a:endParaRPr lang="es-AR"/>
           </a:p>
@@ -1419,7 +1426,7 @@
           <a:p>
             <a:fld id="{EC6047D0-F911-4E84-95C8-4C54FFE53C16}" type="datetimeFigureOut">
               <a:rPr lang="es-AR" smtClean="0"/>
-              <a:t>6/10/2023</a:t>
+              <a:t>3/11/2023</a:t>
             </a:fld>
             <a:endParaRPr lang="es-AR"/>
           </a:p>
@@ -1834,7 +1841,7 @@
           <a:p>
             <a:fld id="{EC6047D0-F911-4E84-95C8-4C54FFE53C16}" type="datetimeFigureOut">
               <a:rPr lang="es-AR" smtClean="0"/>
-              <a:t>6/10/2023</a:t>
+              <a:t>3/11/2023</a:t>
             </a:fld>
             <a:endParaRPr lang="es-AR"/>
           </a:p>
@@ -1976,7 +1983,7 @@
           <a:p>
             <a:fld id="{EC6047D0-F911-4E84-95C8-4C54FFE53C16}" type="datetimeFigureOut">
               <a:rPr lang="es-AR" smtClean="0"/>
-              <a:t>6/10/2023</a:t>
+              <a:t>3/11/2023</a:t>
             </a:fld>
             <a:endParaRPr lang="es-AR"/>
           </a:p>
@@ -2089,7 +2096,7 @@
           <a:p>
             <a:fld id="{EC6047D0-F911-4E84-95C8-4C54FFE53C16}" type="datetimeFigureOut">
               <a:rPr lang="es-AR" smtClean="0"/>
-              <a:t>6/10/2023</a:t>
+              <a:t>3/11/2023</a:t>
             </a:fld>
             <a:endParaRPr lang="es-AR"/>
           </a:p>
@@ -2402,7 +2409,7 @@
           <a:p>
             <a:fld id="{EC6047D0-F911-4E84-95C8-4C54FFE53C16}" type="datetimeFigureOut">
               <a:rPr lang="es-AR" smtClean="0"/>
-              <a:t>6/10/2023</a:t>
+              <a:t>3/11/2023</a:t>
             </a:fld>
             <a:endParaRPr lang="es-AR"/>
           </a:p>
@@ -2691,7 +2698,7 @@
           <a:p>
             <a:fld id="{EC6047D0-F911-4E84-95C8-4C54FFE53C16}" type="datetimeFigureOut">
               <a:rPr lang="es-AR" smtClean="0"/>
-              <a:t>6/10/2023</a:t>
+              <a:t>3/11/2023</a:t>
             </a:fld>
             <a:endParaRPr lang="es-AR"/>
           </a:p>
@@ -2934,7 +2941,7 @@
           <a:p>
             <a:fld id="{EC6047D0-F911-4E84-95C8-4C54FFE53C16}" type="datetimeFigureOut">
               <a:rPr lang="es-AR" smtClean="0"/>
-              <a:t>6/10/2023</a:t>
+              <a:t>3/11/2023</a:t>
             </a:fld>
             <a:endParaRPr lang="es-AR"/>
           </a:p>
@@ -3381,192 +3388,28 @@
         </p:blipFill>
         <p:spPr>
           <a:xfrm>
-            <a:off x="1406225" y="1825625"/>
-            <a:ext cx="9379550" cy="4351338"/>
+            <a:off x="1769912" y="652260"/>
+            <a:ext cx="8652175" cy="4013896"/>
           </a:xfrm>
         </p:spPr>
       </p:pic>
-    </p:spTree>
-    <p:extLst>
-      <p:ext uri="{BB962C8B-B14F-4D97-AF65-F5344CB8AC3E}">
-        <p14:creationId xmlns:p14="http://schemas.microsoft.com/office/powerpoint/2010/main" val="2299920852"/>
-      </p:ext>
-    </p:extLst>
-  </p:cSld>
-  <p:clrMapOvr>
-    <a:masterClrMapping/>
-  </p:clrMapOvr>
-</p:sld>
-</file>
-
-<file path=ppt/slides/slide2.xml><?xml version="1.0" encoding="utf-8"?>
-<p:sld xmlns:a="http://schemas.openxmlformats.org/drawingml/2006/main" xmlns:r="http://schemas.openxmlformats.org/officeDocument/2006/relationships" xmlns:p="http://schemas.openxmlformats.org/presentationml/2006/main">
-  <p:cSld>
-    <p:spTree>
-      <p:nvGrpSpPr>
-        <p:cNvPr id="1" name=""/>
-        <p:cNvGrpSpPr/>
-        <p:nvPr/>
-      </p:nvGrpSpPr>
-      <p:grpSpPr>
-        <a:xfrm>
-          <a:off x="0" y="0"/>
-          <a:ext cx="0" cy="0"/>
-          <a:chOff x="0" y="0"/>
-          <a:chExt cx="0" cy="0"/>
-        </a:xfrm>
-      </p:grpSpPr>
-      <p:sp>
-        <p:nvSpPr>
-          <p:cNvPr id="2" name="Título 1">
-            <a:extLst>
-              <a:ext uri="{FF2B5EF4-FFF2-40B4-BE49-F238E27FC236}">
-                <a16:creationId xmlns:a16="http://schemas.microsoft.com/office/drawing/2014/main" id="{DCA5FF16-ED06-34E3-7BCF-833D6C65374C}"/>
-              </a:ext>
-            </a:extLst>
-          </p:cNvPr>
-          <p:cNvSpPr>
-            <a:spLocks noGrp="1"/>
-          </p:cNvSpPr>
-          <p:nvPr>
-            <p:ph type="title"/>
-          </p:nvPr>
-        </p:nvSpPr>
-        <p:spPr/>
-        <p:txBody>
-          <a:bodyPr/>
-          <a:lstStyle/>
-          <a:p>
-            <a:r>
-              <a:rPr lang="es-ES" dirty="0" err="1"/>
-              <a:t>Bucket</a:t>
-            </a:r>
-            <a:r>
-              <a:rPr lang="es-ES" dirty="0"/>
-              <a:t> 1</a:t>
-            </a:r>
-            <a:endParaRPr lang="es-AR" dirty="0"/>
-          </a:p>
-        </p:txBody>
-      </p:sp>
-      <p:sp>
-        <p:nvSpPr>
-          <p:cNvPr id="3" name="Marcador de contenido 2">
-            <a:extLst>
-              <a:ext uri="{FF2B5EF4-FFF2-40B4-BE49-F238E27FC236}">
-                <a16:creationId xmlns:a16="http://schemas.microsoft.com/office/drawing/2014/main" id="{2C48B135-0606-F1D9-8967-83E682B4B848}"/>
-              </a:ext>
-            </a:extLst>
-          </p:cNvPr>
-          <p:cNvSpPr>
-            <a:spLocks noGrp="1"/>
-          </p:cNvSpPr>
-          <p:nvPr>
-            <p:ph idx="1"/>
-          </p:nvPr>
+      <p:sp>
+        <p:nvSpPr>
+          <p:cNvPr id="4" name="Título 1">
+            <a:extLst>
+              <a:ext uri="{FF2B5EF4-FFF2-40B4-BE49-F238E27FC236}">
+                <a16:creationId xmlns:a16="http://schemas.microsoft.com/office/drawing/2014/main" id="{45551BEB-D1F0-20DD-14AE-E047C973E05D}"/>
+              </a:ext>
+            </a:extLst>
+          </p:cNvPr>
+          <p:cNvSpPr txBox="1">
+            <a:spLocks/>
+          </p:cNvSpPr>
+          <p:nvPr/>
         </p:nvSpPr>
         <p:spPr>
           <a:xfrm>
-            <a:off x="838200" y="1476490"/>
-            <a:ext cx="10515600" cy="959139"/>
-          </a:xfrm>
-        </p:spPr>
-        <p:txBody>
-          <a:bodyPr/>
-          <a:lstStyle/>
-          <a:p>
-            <a:r>
-              <a:rPr lang="es-ES" dirty="0" err="1"/>
-              <a:t>Negated</a:t>
-            </a:r>
-            <a:r>
-              <a:rPr lang="es-ES" dirty="0"/>
-              <a:t> </a:t>
-            </a:r>
-            <a:r>
-              <a:rPr lang="es-ES" dirty="0" err="1"/>
-              <a:t>specific</a:t>
-            </a:r>
-            <a:r>
-              <a:rPr lang="es-ES" dirty="0"/>
-              <a:t> </a:t>
-            </a:r>
-            <a:r>
-              <a:rPr lang="es-ES" dirty="0" err="1"/>
-              <a:t>phrases</a:t>
-            </a:r>
-            <a:r>
-              <a:rPr lang="es-ES" dirty="0"/>
-              <a:t> and </a:t>
-            </a:r>
-            <a:r>
-              <a:rPr lang="es-ES" dirty="0" err="1"/>
-              <a:t>words</a:t>
-            </a:r>
-            <a:r>
-              <a:rPr lang="es-ES" dirty="0"/>
-              <a:t> </a:t>
-            </a:r>
-            <a:r>
-              <a:rPr lang="es-ES" dirty="0" err="1"/>
-              <a:t>that</a:t>
-            </a:r>
-            <a:r>
-              <a:rPr lang="es-ES" dirty="0"/>
-              <a:t> </a:t>
-            </a:r>
-            <a:r>
-              <a:rPr lang="es-ES" dirty="0" err="1"/>
-              <a:t>negate</a:t>
-            </a:r>
-            <a:r>
-              <a:rPr lang="es-ES" dirty="0"/>
-              <a:t> </a:t>
-            </a:r>
-            <a:r>
-              <a:rPr lang="es-ES" dirty="0" err="1"/>
-              <a:t>Woek</a:t>
-            </a:r>
-            <a:r>
-              <a:rPr lang="es-ES" dirty="0"/>
-              <a:t> </a:t>
-            </a:r>
-            <a:r>
-              <a:rPr lang="es-ES" dirty="0" err="1"/>
-              <a:t>from</a:t>
-            </a:r>
-            <a:r>
-              <a:rPr lang="es-ES" dirty="0"/>
-              <a:t> Home, </a:t>
-            </a:r>
-            <a:r>
-              <a:rPr lang="es-ES" dirty="0" err="1"/>
-              <a:t>like</a:t>
-            </a:r>
-            <a:r>
-              <a:rPr lang="es-ES" dirty="0"/>
-              <a:t> ‘presencial’</a:t>
-            </a:r>
-          </a:p>
-        </p:txBody>
-      </p:sp>
-      <p:sp>
-        <p:nvSpPr>
-          <p:cNvPr id="4" name="Título 1">
-            <a:extLst>
-              <a:ext uri="{FF2B5EF4-FFF2-40B4-BE49-F238E27FC236}">
-                <a16:creationId xmlns:a16="http://schemas.microsoft.com/office/drawing/2014/main" id="{6638A946-B604-0BA8-0CED-A0376FE7CCB7}"/>
-              </a:ext>
-            </a:extLst>
-          </p:cNvPr>
-          <p:cNvSpPr txBox="1">
-            <a:spLocks/>
-          </p:cNvSpPr>
-          <p:nvPr/>
-        </p:nvSpPr>
-        <p:spPr>
-          <a:xfrm>
-            <a:off x="838200" y="2014883"/>
+            <a:off x="838200" y="4430049"/>
             <a:ext cx="10515600" cy="1325563"/>
           </a:xfrm>
           <a:prstGeom prst="rect">
@@ -3603,7 +3446,7 @@
             </a:r>
             <a:r>
               <a:rPr lang="es-ES" dirty="0"/>
-              <a:t> 3</a:t>
+              <a:t> 1</a:t>
             </a:r>
             <a:endParaRPr lang="es-AR" dirty="0"/>
           </a:p>
@@ -3611,10 +3454,10 @@
       </p:sp>
       <p:sp>
         <p:nvSpPr>
-          <p:cNvPr id="5" name="Marcador de contenido 2">
-            <a:extLst>
-              <a:ext uri="{FF2B5EF4-FFF2-40B4-BE49-F238E27FC236}">
-                <a16:creationId xmlns:a16="http://schemas.microsoft.com/office/drawing/2014/main" id="{475D09DC-ACCC-E02D-F8BB-0E0F34D72E26}"/>
+          <p:cNvPr id="6" name="Marcador de contenido 2">
+            <a:extLst>
+              <a:ext uri="{FF2B5EF4-FFF2-40B4-BE49-F238E27FC236}">
+                <a16:creationId xmlns:a16="http://schemas.microsoft.com/office/drawing/2014/main" id="{D7C3089A-9CC2-15EC-AC52-239CDE0BD1AB}"/>
               </a:ext>
             </a:extLst>
           </p:cNvPr>
@@ -3625,8 +3468,8 @@
         </p:nvSpPr>
         <p:spPr>
           <a:xfrm>
-            <a:off x="705197" y="3096809"/>
-            <a:ext cx="10515600" cy="1325563"/>
+            <a:off x="838200" y="5541414"/>
+            <a:ext cx="10515600" cy="959139"/>
           </a:xfrm>
           <a:prstGeom prst="rect">
             <a:avLst/>
@@ -3802,6 +3645,523 @@
           </a:lstStyle>
           <a:p>
             <a:r>
+              <a:rPr lang="es-ES"/>
+              <a:t>Negated specific phrases and words that negate Work from Home, like ‘presencial’</a:t>
+            </a:r>
+            <a:endParaRPr lang="es-ES" dirty="0"/>
+          </a:p>
+        </p:txBody>
+      </p:sp>
+    </p:spTree>
+    <p:extLst>
+      <p:ext uri="{BB962C8B-B14F-4D97-AF65-F5344CB8AC3E}">
+        <p14:creationId xmlns:p14="http://schemas.microsoft.com/office/powerpoint/2010/main" val="2299920852"/>
+      </p:ext>
+    </p:extLst>
+  </p:cSld>
+  <p:clrMapOvr>
+    <a:masterClrMapping/>
+  </p:clrMapOvr>
+</p:sld>
+</file>
+
+<file path=ppt/slides/slide10.xml><?xml version="1.0" encoding="utf-8"?>
+<p:sld xmlns:a="http://schemas.openxmlformats.org/drawingml/2006/main" xmlns:r="http://schemas.openxmlformats.org/officeDocument/2006/relationships" xmlns:p="http://schemas.openxmlformats.org/presentationml/2006/main">
+  <p:cSld>
+    <p:spTree>
+      <p:nvGrpSpPr>
+        <p:cNvPr id="1" name=""/>
+        <p:cNvGrpSpPr/>
+        <p:nvPr/>
+      </p:nvGrpSpPr>
+      <p:grpSpPr>
+        <a:xfrm>
+          <a:off x="0" y="0"/>
+          <a:ext cx="0" cy="0"/>
+          <a:chOff x="0" y="0"/>
+          <a:chExt cx="0" cy="0"/>
+        </a:xfrm>
+      </p:grpSpPr>
+      <p:sp>
+        <p:nvSpPr>
+          <p:cNvPr id="2" name="Título 1">
+            <a:extLst>
+              <a:ext uri="{FF2B5EF4-FFF2-40B4-BE49-F238E27FC236}">
+                <a16:creationId xmlns:a16="http://schemas.microsoft.com/office/drawing/2014/main" id="{A41A2ADE-924A-47DA-8BC0-2AA307AE7882}"/>
+              </a:ext>
+            </a:extLst>
+          </p:cNvPr>
+          <p:cNvSpPr>
+            <a:spLocks noGrp="1"/>
+          </p:cNvSpPr>
+          <p:nvPr>
+            <p:ph type="ctrTitle"/>
+          </p:nvPr>
+        </p:nvSpPr>
+        <p:spPr/>
+        <p:txBody>
+          <a:bodyPr/>
+          <a:lstStyle/>
+          <a:p>
+            <a:r>
+              <a:rPr lang="es-ES" dirty="0"/>
+              <a:t>Field </a:t>
+            </a:r>
+            <a:r>
+              <a:rPr lang="es-ES" dirty="0" err="1"/>
+              <a:t>composition</a:t>
+            </a:r>
+            <a:r>
+              <a:rPr lang="es-ES" dirty="0"/>
+              <a:t> </a:t>
+            </a:r>
+            <a:r>
+              <a:rPr lang="es-ES" dirty="0" err="1"/>
+              <a:t>by</a:t>
+            </a:r>
+            <a:r>
+              <a:rPr lang="es-ES" dirty="0"/>
+              <a:t> </a:t>
+            </a:r>
+            <a:r>
+              <a:rPr lang="es-ES" dirty="0" err="1"/>
+              <a:t>bucket</a:t>
+            </a:r>
+            <a:endParaRPr lang="es-AR" dirty="0"/>
+          </a:p>
+        </p:txBody>
+      </p:sp>
+    </p:spTree>
+    <p:extLst>
+      <p:ext uri="{BB962C8B-B14F-4D97-AF65-F5344CB8AC3E}">
+        <p14:creationId xmlns:p14="http://schemas.microsoft.com/office/powerpoint/2010/main" val="3639138476"/>
+      </p:ext>
+    </p:extLst>
+  </p:cSld>
+  <p:clrMapOvr>
+    <a:masterClrMapping/>
+  </p:clrMapOvr>
+</p:sld>
+</file>
+
+<file path=ppt/slides/slide11.xml><?xml version="1.0" encoding="utf-8"?>
+<p:sld xmlns:a="http://schemas.openxmlformats.org/drawingml/2006/main" xmlns:r="http://schemas.openxmlformats.org/officeDocument/2006/relationships" xmlns:p="http://schemas.openxmlformats.org/presentationml/2006/main">
+  <p:cSld>
+    <p:spTree>
+      <p:nvGrpSpPr>
+        <p:cNvPr id="1" name=""/>
+        <p:cNvGrpSpPr/>
+        <p:nvPr/>
+      </p:nvGrpSpPr>
+      <p:grpSpPr>
+        <a:xfrm>
+          <a:off x="0" y="0"/>
+          <a:ext cx="0" cy="0"/>
+          <a:chOff x="0" y="0"/>
+          <a:chExt cx="0" cy="0"/>
+        </a:xfrm>
+      </p:grpSpPr>
+      <p:pic>
+        <p:nvPicPr>
+          <p:cNvPr id="7" name="Imagen 6">
+            <a:extLst>
+              <a:ext uri="{FF2B5EF4-FFF2-40B4-BE49-F238E27FC236}">
+                <a16:creationId xmlns:a16="http://schemas.microsoft.com/office/drawing/2014/main" id="{CD3F294C-98F7-5075-0550-BCF9F46A75A2}"/>
+              </a:ext>
+            </a:extLst>
+          </p:cNvPr>
+          <p:cNvPicPr>
+            <a:picLocks noChangeAspect="1"/>
+          </p:cNvPicPr>
+          <p:nvPr/>
+        </p:nvPicPr>
+        <p:blipFill>
+          <a:blip r:embed="rId2"/>
+          <a:stretch>
+            <a:fillRect/>
+          </a:stretch>
+        </p:blipFill>
+        <p:spPr>
+          <a:xfrm>
+            <a:off x="1617950" y="1313229"/>
+            <a:ext cx="4250835" cy="4231542"/>
+          </a:xfrm>
+          <a:prstGeom prst="rect">
+            <a:avLst/>
+          </a:prstGeom>
+        </p:spPr>
+      </p:pic>
+      <p:pic>
+        <p:nvPicPr>
+          <p:cNvPr id="10" name="Imagen 9">
+            <a:extLst>
+              <a:ext uri="{FF2B5EF4-FFF2-40B4-BE49-F238E27FC236}">
+                <a16:creationId xmlns:a16="http://schemas.microsoft.com/office/drawing/2014/main" id="{5B476578-8393-6BFB-0925-8322A146E1EE}"/>
+              </a:ext>
+            </a:extLst>
+          </p:cNvPr>
+          <p:cNvPicPr>
+            <a:picLocks noChangeAspect="1"/>
+          </p:cNvPicPr>
+          <p:nvPr/>
+        </p:nvPicPr>
+        <p:blipFill>
+          <a:blip r:embed="rId3"/>
+          <a:stretch>
+            <a:fillRect/>
+          </a:stretch>
+        </p:blipFill>
+        <p:spPr>
+          <a:xfrm>
+            <a:off x="6518072" y="1313229"/>
+            <a:ext cx="4103313" cy="4231542"/>
+          </a:xfrm>
+          <a:prstGeom prst="rect">
+            <a:avLst/>
+          </a:prstGeom>
+        </p:spPr>
+      </p:pic>
+    </p:spTree>
+    <p:extLst>
+      <p:ext uri="{BB962C8B-B14F-4D97-AF65-F5344CB8AC3E}">
+        <p14:creationId xmlns:p14="http://schemas.microsoft.com/office/powerpoint/2010/main" val="636370663"/>
+      </p:ext>
+    </p:extLst>
+  </p:cSld>
+  <p:clrMapOvr>
+    <a:masterClrMapping/>
+  </p:clrMapOvr>
+</p:sld>
+</file>
+
+<file path=ppt/slides/slide12.xml><?xml version="1.0" encoding="utf-8"?>
+<p:sld xmlns:a="http://schemas.openxmlformats.org/drawingml/2006/main" xmlns:r="http://schemas.openxmlformats.org/officeDocument/2006/relationships" xmlns:p="http://schemas.openxmlformats.org/presentationml/2006/main">
+  <p:cSld>
+    <p:spTree>
+      <p:nvGrpSpPr>
+        <p:cNvPr id="1" name=""/>
+        <p:cNvGrpSpPr/>
+        <p:nvPr/>
+      </p:nvGrpSpPr>
+      <p:grpSpPr>
+        <a:xfrm>
+          <a:off x="0" y="0"/>
+          <a:ext cx="0" cy="0"/>
+          <a:chOff x="0" y="0"/>
+          <a:chExt cx="0" cy="0"/>
+        </a:xfrm>
+      </p:grpSpPr>
+      <p:pic>
+        <p:nvPicPr>
+          <p:cNvPr id="5" name="Marcador de contenido 4">
+            <a:extLst>
+              <a:ext uri="{FF2B5EF4-FFF2-40B4-BE49-F238E27FC236}">
+                <a16:creationId xmlns:a16="http://schemas.microsoft.com/office/drawing/2014/main" id="{2649CCF0-C549-2F47-5795-149CD1D6CD64}"/>
+              </a:ext>
+            </a:extLst>
+          </p:cNvPr>
+          <p:cNvPicPr>
+            <a:picLocks noGrp="1" noChangeAspect="1"/>
+          </p:cNvPicPr>
+          <p:nvPr>
+            <p:ph idx="1"/>
+          </p:nvPr>
+        </p:nvPicPr>
+        <p:blipFill>
+          <a:blip r:embed="rId2"/>
+          <a:stretch>
+            <a:fillRect/>
+          </a:stretch>
+        </p:blipFill>
+        <p:spPr>
+          <a:xfrm>
+            <a:off x="3794684" y="1253331"/>
+            <a:ext cx="4602631" cy="4351338"/>
+          </a:xfrm>
+        </p:spPr>
+      </p:pic>
+    </p:spTree>
+    <p:extLst>
+      <p:ext uri="{BB962C8B-B14F-4D97-AF65-F5344CB8AC3E}">
+        <p14:creationId xmlns:p14="http://schemas.microsoft.com/office/powerpoint/2010/main" val="3443000254"/>
+      </p:ext>
+    </p:extLst>
+  </p:cSld>
+  <p:clrMapOvr>
+    <a:masterClrMapping/>
+  </p:clrMapOvr>
+</p:sld>
+</file>
+
+<file path=ppt/slides/slide2.xml><?xml version="1.0" encoding="utf-8"?>
+<p:sld xmlns:a="http://schemas.openxmlformats.org/drawingml/2006/main" xmlns:r="http://schemas.openxmlformats.org/officeDocument/2006/relationships" xmlns:p="http://schemas.openxmlformats.org/presentationml/2006/main">
+  <p:cSld>
+    <p:spTree>
+      <p:nvGrpSpPr>
+        <p:cNvPr id="1" name=""/>
+        <p:cNvGrpSpPr/>
+        <p:nvPr/>
+      </p:nvGrpSpPr>
+      <p:grpSpPr>
+        <a:xfrm>
+          <a:off x="0" y="0"/>
+          <a:ext cx="0" cy="0"/>
+          <a:chOff x="0" y="0"/>
+          <a:chExt cx="0" cy="0"/>
+        </a:xfrm>
+      </p:grpSpPr>
+      <p:sp>
+        <p:nvSpPr>
+          <p:cNvPr id="4" name="Título 1">
+            <a:extLst>
+              <a:ext uri="{FF2B5EF4-FFF2-40B4-BE49-F238E27FC236}">
+                <a16:creationId xmlns:a16="http://schemas.microsoft.com/office/drawing/2014/main" id="{6638A946-B604-0BA8-0CED-A0376FE7CCB7}"/>
+              </a:ext>
+            </a:extLst>
+          </p:cNvPr>
+          <p:cNvSpPr txBox="1">
+            <a:spLocks/>
+          </p:cNvSpPr>
+          <p:nvPr/>
+        </p:nvSpPr>
+        <p:spPr>
+          <a:xfrm>
+            <a:off x="838200" y="2014883"/>
+            <a:ext cx="10515600" cy="1325563"/>
+          </a:xfrm>
+          <a:prstGeom prst="rect">
+            <a:avLst/>
+          </a:prstGeom>
+        </p:spPr>
+        <p:txBody>
+          <a:bodyPr vert="horz" lIns="91440" tIns="45720" rIns="91440" bIns="45720" rtlCol="0" anchor="ctr">
+            <a:normAutofit/>
+          </a:bodyPr>
+          <a:lstStyle>
+            <a:lvl1pPr algn="l" defTabSz="914400" rtl="0" eaLnBrk="1" latinLnBrk="0" hangingPunct="1">
+              <a:lnSpc>
+                <a:spcPct val="90000"/>
+              </a:lnSpc>
+              <a:spcBef>
+                <a:spcPct val="0"/>
+              </a:spcBef>
+              <a:buNone/>
+              <a:defRPr sz="4400" kern="1200">
+                <a:solidFill>
+                  <a:schemeClr val="tx1"/>
+                </a:solidFill>
+                <a:latin typeface="+mj-lt"/>
+                <a:ea typeface="+mj-ea"/>
+                <a:cs typeface="+mj-cs"/>
+              </a:defRPr>
+            </a:lvl1pPr>
+          </a:lstStyle>
+          <a:p>
+            <a:r>
+              <a:rPr lang="es-ES" dirty="0" err="1"/>
+              <a:t>Bucket</a:t>
+            </a:r>
+            <a:r>
+              <a:rPr lang="es-ES" dirty="0"/>
+              <a:t> 3</a:t>
+            </a:r>
+            <a:endParaRPr lang="es-AR" dirty="0"/>
+          </a:p>
+        </p:txBody>
+      </p:sp>
+      <p:sp>
+        <p:nvSpPr>
+          <p:cNvPr id="5" name="Marcador de contenido 2">
+            <a:extLst>
+              <a:ext uri="{FF2B5EF4-FFF2-40B4-BE49-F238E27FC236}">
+                <a16:creationId xmlns:a16="http://schemas.microsoft.com/office/drawing/2014/main" id="{475D09DC-ACCC-E02D-F8BB-0E0F34D72E26}"/>
+              </a:ext>
+            </a:extLst>
+          </p:cNvPr>
+          <p:cNvSpPr txBox="1">
+            <a:spLocks/>
+          </p:cNvSpPr>
+          <p:nvPr/>
+        </p:nvSpPr>
+        <p:spPr>
+          <a:xfrm>
+            <a:off x="705197" y="3096809"/>
+            <a:ext cx="10515600" cy="1325563"/>
+          </a:xfrm>
+          <a:prstGeom prst="rect">
+            <a:avLst/>
+          </a:prstGeom>
+        </p:spPr>
+        <p:txBody>
+          <a:bodyPr vert="horz" lIns="91440" tIns="45720" rIns="91440" bIns="45720" rtlCol="0">
+            <a:normAutofit/>
+          </a:bodyPr>
+          <a:lstStyle>
+            <a:lvl1pPr marL="228600" indent="-228600" algn="l" defTabSz="914400" rtl="0" eaLnBrk="1" latinLnBrk="0" hangingPunct="1">
+              <a:lnSpc>
+                <a:spcPct val="90000"/>
+              </a:lnSpc>
+              <a:spcBef>
+                <a:spcPts val="1000"/>
+              </a:spcBef>
+              <a:buFont typeface="Arial" panose="020B0604020202020204" pitchFamily="34" charset="0"/>
+              <a:buChar char="•"/>
+              <a:defRPr sz="2800" kern="1200">
+                <a:solidFill>
+                  <a:schemeClr val="tx1"/>
+                </a:solidFill>
+                <a:latin typeface="+mn-lt"/>
+                <a:ea typeface="+mn-ea"/>
+                <a:cs typeface="+mn-cs"/>
+              </a:defRPr>
+            </a:lvl1pPr>
+            <a:lvl2pPr marL="685800" indent="-228600" algn="l" defTabSz="914400" rtl="0" eaLnBrk="1" latinLnBrk="0" hangingPunct="1">
+              <a:lnSpc>
+                <a:spcPct val="90000"/>
+              </a:lnSpc>
+              <a:spcBef>
+                <a:spcPts val="500"/>
+              </a:spcBef>
+              <a:buFont typeface="Arial" panose="020B0604020202020204" pitchFamily="34" charset="0"/>
+              <a:buChar char="•"/>
+              <a:defRPr sz="2400" kern="1200">
+                <a:solidFill>
+                  <a:schemeClr val="tx1"/>
+                </a:solidFill>
+                <a:latin typeface="+mn-lt"/>
+                <a:ea typeface="+mn-ea"/>
+                <a:cs typeface="+mn-cs"/>
+              </a:defRPr>
+            </a:lvl2pPr>
+            <a:lvl3pPr marL="1143000" indent="-228600" algn="l" defTabSz="914400" rtl="0" eaLnBrk="1" latinLnBrk="0" hangingPunct="1">
+              <a:lnSpc>
+                <a:spcPct val="90000"/>
+              </a:lnSpc>
+              <a:spcBef>
+                <a:spcPts val="500"/>
+              </a:spcBef>
+              <a:buFont typeface="Arial" panose="020B0604020202020204" pitchFamily="34" charset="0"/>
+              <a:buChar char="•"/>
+              <a:defRPr sz="2000" kern="1200">
+                <a:solidFill>
+                  <a:schemeClr val="tx1"/>
+                </a:solidFill>
+                <a:latin typeface="+mn-lt"/>
+                <a:ea typeface="+mn-ea"/>
+                <a:cs typeface="+mn-cs"/>
+              </a:defRPr>
+            </a:lvl3pPr>
+            <a:lvl4pPr marL="1600200" indent="-228600" algn="l" defTabSz="914400" rtl="0" eaLnBrk="1" latinLnBrk="0" hangingPunct="1">
+              <a:lnSpc>
+                <a:spcPct val="90000"/>
+              </a:lnSpc>
+              <a:spcBef>
+                <a:spcPts val="500"/>
+              </a:spcBef>
+              <a:buFont typeface="Arial" panose="020B0604020202020204" pitchFamily="34" charset="0"/>
+              <a:buChar char="•"/>
+              <a:defRPr sz="1800" kern="1200">
+                <a:solidFill>
+                  <a:schemeClr val="tx1"/>
+                </a:solidFill>
+                <a:latin typeface="+mn-lt"/>
+                <a:ea typeface="+mn-ea"/>
+                <a:cs typeface="+mn-cs"/>
+              </a:defRPr>
+            </a:lvl4pPr>
+            <a:lvl5pPr marL="2057400" indent="-228600" algn="l" defTabSz="914400" rtl="0" eaLnBrk="1" latinLnBrk="0" hangingPunct="1">
+              <a:lnSpc>
+                <a:spcPct val="90000"/>
+              </a:lnSpc>
+              <a:spcBef>
+                <a:spcPts val="500"/>
+              </a:spcBef>
+              <a:buFont typeface="Arial" panose="020B0604020202020204" pitchFamily="34" charset="0"/>
+              <a:buChar char="•"/>
+              <a:defRPr sz="1800" kern="1200">
+                <a:solidFill>
+                  <a:schemeClr val="tx1"/>
+                </a:solidFill>
+                <a:latin typeface="+mn-lt"/>
+                <a:ea typeface="+mn-ea"/>
+                <a:cs typeface="+mn-cs"/>
+              </a:defRPr>
+            </a:lvl5pPr>
+            <a:lvl6pPr marL="2514600" indent="-228600" algn="l" defTabSz="914400" rtl="0" eaLnBrk="1" latinLnBrk="0" hangingPunct="1">
+              <a:lnSpc>
+                <a:spcPct val="90000"/>
+              </a:lnSpc>
+              <a:spcBef>
+                <a:spcPts val="500"/>
+              </a:spcBef>
+              <a:buFont typeface="Arial" panose="020B0604020202020204" pitchFamily="34" charset="0"/>
+              <a:buChar char="•"/>
+              <a:defRPr sz="1800" kern="1200">
+                <a:solidFill>
+                  <a:schemeClr val="tx1"/>
+                </a:solidFill>
+                <a:latin typeface="+mn-lt"/>
+                <a:ea typeface="+mn-ea"/>
+                <a:cs typeface="+mn-cs"/>
+              </a:defRPr>
+            </a:lvl6pPr>
+            <a:lvl7pPr marL="2971800" indent="-228600" algn="l" defTabSz="914400" rtl="0" eaLnBrk="1" latinLnBrk="0" hangingPunct="1">
+              <a:lnSpc>
+                <a:spcPct val="90000"/>
+              </a:lnSpc>
+              <a:spcBef>
+                <a:spcPts val="500"/>
+              </a:spcBef>
+              <a:buFont typeface="Arial" panose="020B0604020202020204" pitchFamily="34" charset="0"/>
+              <a:buChar char="•"/>
+              <a:defRPr sz="1800" kern="1200">
+                <a:solidFill>
+                  <a:schemeClr val="tx1"/>
+                </a:solidFill>
+                <a:latin typeface="+mn-lt"/>
+                <a:ea typeface="+mn-ea"/>
+                <a:cs typeface="+mn-cs"/>
+              </a:defRPr>
+            </a:lvl7pPr>
+            <a:lvl8pPr marL="3429000" indent="-228600" algn="l" defTabSz="914400" rtl="0" eaLnBrk="1" latinLnBrk="0" hangingPunct="1">
+              <a:lnSpc>
+                <a:spcPct val="90000"/>
+              </a:lnSpc>
+              <a:spcBef>
+                <a:spcPts val="500"/>
+              </a:spcBef>
+              <a:buFont typeface="Arial" panose="020B0604020202020204" pitchFamily="34" charset="0"/>
+              <a:buChar char="•"/>
+              <a:defRPr sz="1800" kern="1200">
+                <a:solidFill>
+                  <a:schemeClr val="tx1"/>
+                </a:solidFill>
+                <a:latin typeface="+mn-lt"/>
+                <a:ea typeface="+mn-ea"/>
+                <a:cs typeface="+mn-cs"/>
+              </a:defRPr>
+            </a:lvl8pPr>
+            <a:lvl9pPr marL="3886200" indent="-228600" algn="l" defTabSz="914400" rtl="0" eaLnBrk="1" latinLnBrk="0" hangingPunct="1">
+              <a:lnSpc>
+                <a:spcPct val="90000"/>
+              </a:lnSpc>
+              <a:spcBef>
+                <a:spcPts val="500"/>
+              </a:spcBef>
+              <a:buFont typeface="Arial" panose="020B0604020202020204" pitchFamily="34" charset="0"/>
+              <a:buChar char="•"/>
+              <a:defRPr sz="1800" kern="1200">
+                <a:solidFill>
+                  <a:schemeClr val="tx1"/>
+                </a:solidFill>
+                <a:latin typeface="+mn-lt"/>
+                <a:ea typeface="+mn-ea"/>
+                <a:cs typeface="+mn-cs"/>
+              </a:defRPr>
+            </a:lvl9pPr>
+          </a:lstStyle>
+          <a:p>
+            <a:r>
               <a:rPr lang="es-ES" dirty="0" err="1"/>
               <a:t>Generic</a:t>
             </a:r>
@@ -4427,6 +4787,265 @@
           </a:p>
         </p:txBody>
       </p:sp>
+      <p:sp>
+        <p:nvSpPr>
+          <p:cNvPr id="13" name="Título 1">
+            <a:extLst>
+              <a:ext uri="{FF2B5EF4-FFF2-40B4-BE49-F238E27FC236}">
+                <a16:creationId xmlns:a16="http://schemas.microsoft.com/office/drawing/2014/main" id="{60D31A8A-1100-D1E6-0A73-5A08ADF1F007}"/>
+              </a:ext>
+            </a:extLst>
+          </p:cNvPr>
+          <p:cNvSpPr txBox="1">
+            <a:spLocks/>
+          </p:cNvSpPr>
+          <p:nvPr/>
+        </p:nvSpPr>
+        <p:spPr>
+          <a:xfrm>
+            <a:off x="838200" y="607161"/>
+            <a:ext cx="10515600" cy="1325563"/>
+          </a:xfrm>
+          <a:prstGeom prst="rect">
+            <a:avLst/>
+          </a:prstGeom>
+        </p:spPr>
+        <p:txBody>
+          <a:bodyPr vert="horz" lIns="91440" tIns="45720" rIns="91440" bIns="45720" rtlCol="0" anchor="ctr">
+            <a:normAutofit/>
+          </a:bodyPr>
+          <a:lstStyle>
+            <a:lvl1pPr algn="l" defTabSz="914400" rtl="0" eaLnBrk="1" latinLnBrk="0" hangingPunct="1">
+              <a:lnSpc>
+                <a:spcPct val="90000"/>
+              </a:lnSpc>
+              <a:spcBef>
+                <a:spcPct val="0"/>
+              </a:spcBef>
+              <a:buNone/>
+              <a:defRPr sz="4400" kern="1200">
+                <a:solidFill>
+                  <a:schemeClr val="tx1"/>
+                </a:solidFill>
+                <a:latin typeface="+mj-lt"/>
+                <a:ea typeface="+mj-ea"/>
+                <a:cs typeface="+mj-cs"/>
+              </a:defRPr>
+            </a:lvl1pPr>
+          </a:lstStyle>
+          <a:p>
+            <a:r>
+              <a:rPr lang="es-ES" dirty="0" err="1"/>
+              <a:t>Bucket</a:t>
+            </a:r>
+            <a:r>
+              <a:rPr lang="es-ES" dirty="0"/>
+              <a:t> 2</a:t>
+            </a:r>
+            <a:endParaRPr lang="es-AR" dirty="0"/>
+          </a:p>
+        </p:txBody>
+      </p:sp>
+      <p:sp>
+        <p:nvSpPr>
+          <p:cNvPr id="14" name="Marcador de contenido 2">
+            <a:extLst>
+              <a:ext uri="{FF2B5EF4-FFF2-40B4-BE49-F238E27FC236}">
+                <a16:creationId xmlns:a16="http://schemas.microsoft.com/office/drawing/2014/main" id="{6D3C6352-2CDB-A9FB-5A55-4D1B19B9BA9E}"/>
+              </a:ext>
+            </a:extLst>
+          </p:cNvPr>
+          <p:cNvSpPr txBox="1">
+            <a:spLocks/>
+          </p:cNvSpPr>
+          <p:nvPr/>
+        </p:nvSpPr>
+        <p:spPr>
+          <a:xfrm>
+            <a:off x="838200" y="1718526"/>
+            <a:ext cx="10515600" cy="959139"/>
+          </a:xfrm>
+          <a:prstGeom prst="rect">
+            <a:avLst/>
+          </a:prstGeom>
+        </p:spPr>
+        <p:txBody>
+          <a:bodyPr vert="horz" lIns="91440" tIns="45720" rIns="91440" bIns="45720" rtlCol="0">
+            <a:normAutofit/>
+          </a:bodyPr>
+          <a:lstStyle>
+            <a:lvl1pPr marL="228600" indent="-228600" algn="l" defTabSz="914400" rtl="0" eaLnBrk="1" latinLnBrk="0" hangingPunct="1">
+              <a:lnSpc>
+                <a:spcPct val="90000"/>
+              </a:lnSpc>
+              <a:spcBef>
+                <a:spcPts val="1000"/>
+              </a:spcBef>
+              <a:buFont typeface="Arial" panose="020B0604020202020204" pitchFamily="34" charset="0"/>
+              <a:buChar char="•"/>
+              <a:defRPr sz="2800" kern="1200">
+                <a:solidFill>
+                  <a:schemeClr val="tx1"/>
+                </a:solidFill>
+                <a:latin typeface="+mn-lt"/>
+                <a:ea typeface="+mn-ea"/>
+                <a:cs typeface="+mn-cs"/>
+              </a:defRPr>
+            </a:lvl1pPr>
+            <a:lvl2pPr marL="685800" indent="-228600" algn="l" defTabSz="914400" rtl="0" eaLnBrk="1" latinLnBrk="0" hangingPunct="1">
+              <a:lnSpc>
+                <a:spcPct val="90000"/>
+              </a:lnSpc>
+              <a:spcBef>
+                <a:spcPts val="500"/>
+              </a:spcBef>
+              <a:buFont typeface="Arial" panose="020B0604020202020204" pitchFamily="34" charset="0"/>
+              <a:buChar char="•"/>
+              <a:defRPr sz="2400" kern="1200">
+                <a:solidFill>
+                  <a:schemeClr val="tx1"/>
+                </a:solidFill>
+                <a:latin typeface="+mn-lt"/>
+                <a:ea typeface="+mn-ea"/>
+                <a:cs typeface="+mn-cs"/>
+              </a:defRPr>
+            </a:lvl2pPr>
+            <a:lvl3pPr marL="1143000" indent="-228600" algn="l" defTabSz="914400" rtl="0" eaLnBrk="1" latinLnBrk="0" hangingPunct="1">
+              <a:lnSpc>
+                <a:spcPct val="90000"/>
+              </a:lnSpc>
+              <a:spcBef>
+                <a:spcPts val="500"/>
+              </a:spcBef>
+              <a:buFont typeface="Arial" panose="020B0604020202020204" pitchFamily="34" charset="0"/>
+              <a:buChar char="•"/>
+              <a:defRPr sz="2000" kern="1200">
+                <a:solidFill>
+                  <a:schemeClr val="tx1"/>
+                </a:solidFill>
+                <a:latin typeface="+mn-lt"/>
+                <a:ea typeface="+mn-ea"/>
+                <a:cs typeface="+mn-cs"/>
+              </a:defRPr>
+            </a:lvl3pPr>
+            <a:lvl4pPr marL="1600200" indent="-228600" algn="l" defTabSz="914400" rtl="0" eaLnBrk="1" latinLnBrk="0" hangingPunct="1">
+              <a:lnSpc>
+                <a:spcPct val="90000"/>
+              </a:lnSpc>
+              <a:spcBef>
+                <a:spcPts val="500"/>
+              </a:spcBef>
+              <a:buFont typeface="Arial" panose="020B0604020202020204" pitchFamily="34" charset="0"/>
+              <a:buChar char="•"/>
+              <a:defRPr sz="1800" kern="1200">
+                <a:solidFill>
+                  <a:schemeClr val="tx1"/>
+                </a:solidFill>
+                <a:latin typeface="+mn-lt"/>
+                <a:ea typeface="+mn-ea"/>
+                <a:cs typeface="+mn-cs"/>
+              </a:defRPr>
+            </a:lvl4pPr>
+            <a:lvl5pPr marL="2057400" indent="-228600" algn="l" defTabSz="914400" rtl="0" eaLnBrk="1" latinLnBrk="0" hangingPunct="1">
+              <a:lnSpc>
+                <a:spcPct val="90000"/>
+              </a:lnSpc>
+              <a:spcBef>
+                <a:spcPts val="500"/>
+              </a:spcBef>
+              <a:buFont typeface="Arial" panose="020B0604020202020204" pitchFamily="34" charset="0"/>
+              <a:buChar char="•"/>
+              <a:defRPr sz="1800" kern="1200">
+                <a:solidFill>
+                  <a:schemeClr val="tx1"/>
+                </a:solidFill>
+                <a:latin typeface="+mn-lt"/>
+                <a:ea typeface="+mn-ea"/>
+                <a:cs typeface="+mn-cs"/>
+              </a:defRPr>
+            </a:lvl5pPr>
+            <a:lvl6pPr marL="2514600" indent="-228600" algn="l" defTabSz="914400" rtl="0" eaLnBrk="1" latinLnBrk="0" hangingPunct="1">
+              <a:lnSpc>
+                <a:spcPct val="90000"/>
+              </a:lnSpc>
+              <a:spcBef>
+                <a:spcPts val="500"/>
+              </a:spcBef>
+              <a:buFont typeface="Arial" panose="020B0604020202020204" pitchFamily="34" charset="0"/>
+              <a:buChar char="•"/>
+              <a:defRPr sz="1800" kern="1200">
+                <a:solidFill>
+                  <a:schemeClr val="tx1"/>
+                </a:solidFill>
+                <a:latin typeface="+mn-lt"/>
+                <a:ea typeface="+mn-ea"/>
+                <a:cs typeface="+mn-cs"/>
+              </a:defRPr>
+            </a:lvl6pPr>
+            <a:lvl7pPr marL="2971800" indent="-228600" algn="l" defTabSz="914400" rtl="0" eaLnBrk="1" latinLnBrk="0" hangingPunct="1">
+              <a:lnSpc>
+                <a:spcPct val="90000"/>
+              </a:lnSpc>
+              <a:spcBef>
+                <a:spcPts val="500"/>
+              </a:spcBef>
+              <a:buFont typeface="Arial" panose="020B0604020202020204" pitchFamily="34" charset="0"/>
+              <a:buChar char="•"/>
+              <a:defRPr sz="1800" kern="1200">
+                <a:solidFill>
+                  <a:schemeClr val="tx1"/>
+                </a:solidFill>
+                <a:latin typeface="+mn-lt"/>
+                <a:ea typeface="+mn-ea"/>
+                <a:cs typeface="+mn-cs"/>
+              </a:defRPr>
+            </a:lvl7pPr>
+            <a:lvl8pPr marL="3429000" indent="-228600" algn="l" defTabSz="914400" rtl="0" eaLnBrk="1" latinLnBrk="0" hangingPunct="1">
+              <a:lnSpc>
+                <a:spcPct val="90000"/>
+              </a:lnSpc>
+              <a:spcBef>
+                <a:spcPts val="500"/>
+              </a:spcBef>
+              <a:buFont typeface="Arial" panose="020B0604020202020204" pitchFamily="34" charset="0"/>
+              <a:buChar char="•"/>
+              <a:defRPr sz="1800" kern="1200">
+                <a:solidFill>
+                  <a:schemeClr val="tx1"/>
+                </a:solidFill>
+                <a:latin typeface="+mn-lt"/>
+                <a:ea typeface="+mn-ea"/>
+                <a:cs typeface="+mn-cs"/>
+              </a:defRPr>
+            </a:lvl8pPr>
+            <a:lvl9pPr marL="3886200" indent="-228600" algn="l" defTabSz="914400" rtl="0" eaLnBrk="1" latinLnBrk="0" hangingPunct="1">
+              <a:lnSpc>
+                <a:spcPct val="90000"/>
+              </a:lnSpc>
+              <a:spcBef>
+                <a:spcPts val="500"/>
+              </a:spcBef>
+              <a:buFont typeface="Arial" panose="020B0604020202020204" pitchFamily="34" charset="0"/>
+              <a:buChar char="•"/>
+              <a:defRPr sz="1800" kern="1200">
+                <a:solidFill>
+                  <a:schemeClr val="tx1"/>
+                </a:solidFill>
+                <a:latin typeface="+mn-lt"/>
+                <a:ea typeface="+mn-ea"/>
+                <a:cs typeface="+mn-cs"/>
+              </a:defRPr>
+            </a:lvl9pPr>
+          </a:lstStyle>
+          <a:p>
+            <a:r>
+              <a:rPr lang="es-ES"/>
+              <a:t>Includes disponibilidadnombre = Teletrabajo, for non-negated specific</a:t>
+            </a:r>
+            <a:endParaRPr lang="es-ES" dirty="0"/>
+          </a:p>
+        </p:txBody>
+      </p:sp>
     </p:spTree>
     <p:extLst>
       <p:ext uri="{BB962C8B-B14F-4D97-AF65-F5344CB8AC3E}">
@@ -4462,15 +5081,15 @@
           <p:cNvPr id="2" name="Título 1">
             <a:extLst>
               <a:ext uri="{FF2B5EF4-FFF2-40B4-BE49-F238E27FC236}">
-                <a16:creationId xmlns:a16="http://schemas.microsoft.com/office/drawing/2014/main" id="{D0274766-2CA5-9FA9-A1CA-9BDA4F43E704}"/>
-              </a:ext>
-            </a:extLst>
-          </p:cNvPr>
-          <p:cNvSpPr>
-            <a:spLocks noGrp="1"/>
-          </p:cNvSpPr>
-          <p:nvPr>
-            <p:ph type="title"/>
+                <a16:creationId xmlns:a16="http://schemas.microsoft.com/office/drawing/2014/main" id="{C40A6529-3719-10E3-2021-BC6E4EFBAF16}"/>
+              </a:ext>
+            </a:extLst>
+          </p:cNvPr>
+          <p:cNvSpPr>
+            <a:spLocks noGrp="1"/>
+          </p:cNvSpPr>
+          <p:nvPr>
+            <p:ph type="ctrTitle"/>
           </p:nvPr>
         </p:nvSpPr>
         <p:spPr/>
@@ -4479,77 +5098,17 @@
           <a:lstStyle/>
           <a:p>
             <a:r>
-              <a:rPr lang="es-AR" dirty="0" err="1"/>
-              <a:t>avisocuerpo</a:t>
+              <a:rPr lang="es-ES" dirty="0" err="1"/>
+              <a:t>Buckets</a:t>
             </a:r>
             <a:endParaRPr lang="es-AR" dirty="0"/>
           </a:p>
         </p:txBody>
       </p:sp>
-      <p:pic>
-        <p:nvPicPr>
-          <p:cNvPr id="8" name="Imagen 7">
-            <a:extLst>
-              <a:ext uri="{FF2B5EF4-FFF2-40B4-BE49-F238E27FC236}">
-                <a16:creationId xmlns:a16="http://schemas.microsoft.com/office/drawing/2014/main" id="{99A19B4C-496C-2D83-0BC1-75EE679C63EF}"/>
-              </a:ext>
-            </a:extLst>
-          </p:cNvPr>
-          <p:cNvPicPr>
-            <a:picLocks noChangeAspect="1"/>
-          </p:cNvPicPr>
-          <p:nvPr/>
-        </p:nvPicPr>
-        <p:blipFill>
-          <a:blip r:embed="rId2"/>
-          <a:stretch>
-            <a:fillRect/>
-          </a:stretch>
-        </p:blipFill>
-        <p:spPr>
-          <a:xfrm>
-            <a:off x="163830" y="1257768"/>
-            <a:ext cx="7180988" cy="4525346"/>
-          </a:xfrm>
-          <a:prstGeom prst="rect">
-            <a:avLst/>
-          </a:prstGeom>
-        </p:spPr>
-      </p:pic>
-      <p:pic>
-        <p:nvPicPr>
-          <p:cNvPr id="10" name="Imagen 9">
-            <a:extLst>
-              <a:ext uri="{FF2B5EF4-FFF2-40B4-BE49-F238E27FC236}">
-                <a16:creationId xmlns:a16="http://schemas.microsoft.com/office/drawing/2014/main" id="{4C667555-354F-14F8-D3AC-19D078071377}"/>
-              </a:ext>
-            </a:extLst>
-          </p:cNvPr>
-          <p:cNvPicPr>
-            <a:picLocks noChangeAspect="1"/>
-          </p:cNvPicPr>
-          <p:nvPr/>
-        </p:nvPicPr>
-        <p:blipFill>
-          <a:blip r:embed="rId3"/>
-          <a:stretch>
-            <a:fillRect/>
-          </a:stretch>
-        </p:blipFill>
-        <p:spPr>
-          <a:xfrm>
-            <a:off x="7517917" y="1628309"/>
-            <a:ext cx="4173748" cy="4154805"/>
-          </a:xfrm>
-          <a:prstGeom prst="rect">
-            <a:avLst/>
-          </a:prstGeom>
-        </p:spPr>
-      </p:pic>
     </p:spTree>
     <p:extLst>
       <p:ext uri="{BB962C8B-B14F-4D97-AF65-F5344CB8AC3E}">
-        <p14:creationId xmlns:p14="http://schemas.microsoft.com/office/powerpoint/2010/main" val="4224805656"/>
+        <p14:creationId xmlns:p14="http://schemas.microsoft.com/office/powerpoint/2010/main" val="3059835618"/>
       </p:ext>
     </p:extLst>
   </p:cSld>
@@ -4576,50 +5135,19 @@
           <a:chExt cx="0" cy="0"/>
         </a:xfrm>
       </p:grpSpPr>
-      <p:sp>
-        <p:nvSpPr>
-          <p:cNvPr id="2" name="Título 1">
-            <a:extLst>
-              <a:ext uri="{FF2B5EF4-FFF2-40B4-BE49-F238E27FC236}">
-                <a16:creationId xmlns:a16="http://schemas.microsoft.com/office/drawing/2014/main" id="{730F9A20-D893-C46E-BB8D-EAE2309A3C44}"/>
-              </a:ext>
-            </a:extLst>
-          </p:cNvPr>
-          <p:cNvSpPr>
-            <a:spLocks noGrp="1"/>
-          </p:cNvSpPr>
-          <p:nvPr>
-            <p:ph type="title"/>
-          </p:nvPr>
-        </p:nvSpPr>
-        <p:spPr/>
-        <p:txBody>
-          <a:bodyPr/>
-          <a:lstStyle/>
-          <a:p>
-            <a:r>
-              <a:rPr lang="es-AR" dirty="0" err="1"/>
-              <a:t>avisocargo</a:t>
-            </a:r>
-            <a:endParaRPr lang="es-AR" dirty="0"/>
-          </a:p>
-        </p:txBody>
-      </p:sp>
       <p:pic>
         <p:nvPicPr>
-          <p:cNvPr id="6" name="Marcador de contenido 5">
-            <a:extLst>
-              <a:ext uri="{FF2B5EF4-FFF2-40B4-BE49-F238E27FC236}">
-                <a16:creationId xmlns:a16="http://schemas.microsoft.com/office/drawing/2014/main" id="{279E8A36-B59F-96E2-966C-BFDDB7F987E7}"/>
+          <p:cNvPr id="4" name="Imagen 3">
+            <a:extLst>
+              <a:ext uri="{FF2B5EF4-FFF2-40B4-BE49-F238E27FC236}">
+                <a16:creationId xmlns:a16="http://schemas.microsoft.com/office/drawing/2014/main" id="{D419A227-2FAE-159D-B6A7-EF50569DF463}"/>
               </a:ext>
             </a:extLst>
           </p:cNvPr>
           <p:cNvPicPr>
-            <a:picLocks noGrp="1" noChangeAspect="1"/>
+            <a:picLocks noChangeAspect="1"/>
           </p:cNvPicPr>
-          <p:nvPr>
-            <p:ph idx="1"/>
-          </p:nvPr>
+          <p:nvPr/>
         </p:nvPicPr>
         <p:blipFill>
           <a:blip r:embed="rId2"/>
@@ -4629,35 +5157,8 @@
         </p:blipFill>
         <p:spPr>
           <a:xfrm>
-            <a:off x="370816" y="1529556"/>
-            <a:ext cx="6833271" cy="4351338"/>
-          </a:xfrm>
-        </p:spPr>
-      </p:pic>
-      <p:pic>
-        <p:nvPicPr>
-          <p:cNvPr id="8" name="Imagen 7">
-            <a:extLst>
-              <a:ext uri="{FF2B5EF4-FFF2-40B4-BE49-F238E27FC236}">
-                <a16:creationId xmlns:a16="http://schemas.microsoft.com/office/drawing/2014/main" id="{8C4CD519-08D3-C329-5E2B-635B347883E2}"/>
-              </a:ext>
-            </a:extLst>
-          </p:cNvPr>
-          <p:cNvPicPr>
-            <a:picLocks noChangeAspect="1"/>
-          </p:cNvPicPr>
-          <p:nvPr/>
-        </p:nvPicPr>
-        <p:blipFill>
-          <a:blip r:embed="rId3"/>
-          <a:stretch>
-            <a:fillRect/>
-          </a:stretch>
-        </p:blipFill>
-        <p:spPr>
-          <a:xfrm>
-            <a:off x="7671471" y="1529556"/>
-            <a:ext cx="4219479" cy="4351338"/>
+            <a:off x="1089312" y="383337"/>
+            <a:ext cx="9284971" cy="5851243"/>
           </a:xfrm>
           <a:prstGeom prst="rect">
             <a:avLst/>
@@ -4667,7 +5168,7 @@
     </p:spTree>
     <p:extLst>
       <p:ext uri="{BB962C8B-B14F-4D97-AF65-F5344CB8AC3E}">
-        <p14:creationId xmlns:p14="http://schemas.microsoft.com/office/powerpoint/2010/main" val="636370663"/>
+        <p14:creationId xmlns:p14="http://schemas.microsoft.com/office/powerpoint/2010/main" val="4224805656"/>
       </p:ext>
     </p:extLst>
   </p:cSld>
@@ -4699,15 +5200,15 @@
           <p:cNvPr id="2" name="Título 1">
             <a:extLst>
               <a:ext uri="{FF2B5EF4-FFF2-40B4-BE49-F238E27FC236}">
-                <a16:creationId xmlns:a16="http://schemas.microsoft.com/office/drawing/2014/main" id="{C5F5444D-D530-3C47-171C-020B5AC02981}"/>
-              </a:ext>
-            </a:extLst>
-          </p:cNvPr>
-          <p:cNvSpPr>
-            <a:spLocks noGrp="1"/>
-          </p:cNvSpPr>
-          <p:nvPr>
-            <p:ph type="title"/>
+                <a16:creationId xmlns:a16="http://schemas.microsoft.com/office/drawing/2014/main" id="{439C0C93-DE0A-C71C-3984-06D310CF6330}"/>
+              </a:ext>
+            </a:extLst>
+          </p:cNvPr>
+          <p:cNvSpPr>
+            <a:spLocks noGrp="1"/>
+          </p:cNvSpPr>
+          <p:nvPr>
+            <p:ph type="ctrTitle"/>
           </p:nvPr>
         </p:nvSpPr>
         <p:spPr/>
@@ -4716,19 +5217,118 @@
           <a:lstStyle/>
           <a:p>
             <a:r>
-              <a:rPr lang="es-AR" dirty="0" err="1"/>
+              <a:rPr lang="es-ES" dirty="0" err="1"/>
+              <a:t>By</a:t>
+            </a:r>
+            <a:r>
+              <a:rPr lang="es-ES" dirty="0"/>
+              <a:t> </a:t>
+            </a:r>
+            <a:r>
+              <a:rPr lang="es-ES" dirty="0" err="1"/>
+              <a:t>database</a:t>
+            </a:r>
+            <a:r>
+              <a:rPr lang="es-ES" dirty="0"/>
+              <a:t> </a:t>
+            </a:r>
+            <a:r>
+              <a:rPr lang="es-ES" dirty="0" err="1"/>
+              <a:t>field</a:t>
+            </a:r>
+            <a:endParaRPr lang="es-AR" dirty="0"/>
+          </a:p>
+        </p:txBody>
+      </p:sp>
+      <p:sp>
+        <p:nvSpPr>
+          <p:cNvPr id="3" name="Subtítulo 2">
+            <a:extLst>
+              <a:ext uri="{FF2B5EF4-FFF2-40B4-BE49-F238E27FC236}">
+                <a16:creationId xmlns:a16="http://schemas.microsoft.com/office/drawing/2014/main" id="{A0E791E9-BB7E-066D-6F08-A28CC1AD0710}"/>
+              </a:ext>
+            </a:extLst>
+          </p:cNvPr>
+          <p:cNvSpPr>
+            <a:spLocks noGrp="1"/>
+          </p:cNvSpPr>
+          <p:nvPr>
+            <p:ph type="subTitle" idx="1"/>
+          </p:nvPr>
+        </p:nvSpPr>
+        <p:spPr/>
+        <p:txBody>
+          <a:bodyPr/>
+          <a:lstStyle/>
+          <a:p>
+            <a:r>
+              <a:rPr lang="es-ES" dirty="0" err="1"/>
+              <a:t>Avisocuerpo</a:t>
+            </a:r>
+            <a:r>
+              <a:rPr lang="es-ES" dirty="0"/>
+              <a:t>, </a:t>
+            </a:r>
+            <a:r>
+              <a:rPr lang="es-ES" dirty="0" err="1"/>
+              <a:t>avisocargo</a:t>
+            </a:r>
+            <a:r>
+              <a:rPr lang="es-ES" dirty="0"/>
+              <a:t>, </a:t>
+            </a:r>
+            <a:r>
+              <a:rPr lang="es-ES" dirty="0" err="1"/>
               <a:t>avisorequisitos</a:t>
             </a:r>
+            <a:r>
+              <a:rPr lang="es-ES" dirty="0"/>
+              <a:t>, </a:t>
+            </a:r>
+            <a:r>
+              <a:rPr lang="es-ES" dirty="0" err="1"/>
+              <a:t>disponibilidadnombre</a:t>
+            </a:r>
             <a:endParaRPr lang="es-AR" dirty="0"/>
           </a:p>
         </p:txBody>
       </p:sp>
+    </p:spTree>
+    <p:extLst>
+      <p:ext uri="{BB962C8B-B14F-4D97-AF65-F5344CB8AC3E}">
+        <p14:creationId xmlns:p14="http://schemas.microsoft.com/office/powerpoint/2010/main" val="2736100129"/>
+      </p:ext>
+    </p:extLst>
+  </p:cSld>
+  <p:clrMapOvr>
+    <a:masterClrMapping/>
+  </p:clrMapOvr>
+</p:sld>
+</file>
+
+<file path=ppt/slides/slide6.xml><?xml version="1.0" encoding="utf-8"?>
+<p:sld xmlns:a="http://schemas.openxmlformats.org/drawingml/2006/main" xmlns:r="http://schemas.openxmlformats.org/officeDocument/2006/relationships" xmlns:p="http://schemas.openxmlformats.org/presentationml/2006/main">
+  <p:cSld>
+    <p:spTree>
+      <p:nvGrpSpPr>
+        <p:cNvPr id="1" name=""/>
+        <p:cNvGrpSpPr/>
+        <p:nvPr/>
+      </p:nvGrpSpPr>
+      <p:grpSpPr>
+        <a:xfrm>
+          <a:off x="0" y="0"/>
+          <a:ext cx="0" cy="0"/>
+          <a:chOff x="0" y="0"/>
+          <a:chExt cx="0" cy="0"/>
+        </a:xfrm>
+      </p:grpSpPr>
       <p:pic>
         <p:nvPicPr>
-          <p:cNvPr id="8" name="Marcador de contenido 7">
-            <a:extLst>
-              <a:ext uri="{FF2B5EF4-FFF2-40B4-BE49-F238E27FC236}">
-                <a16:creationId xmlns:a16="http://schemas.microsoft.com/office/drawing/2014/main" id="{605E31E8-A2FD-86E0-8B8F-D3ECCDF21314}"/>
+          <p:cNvPr id="5" name="Marcador de contenido 4">
+            <a:extLst>
+              <a:ext uri="{FF2B5EF4-FFF2-40B4-BE49-F238E27FC236}">
+                <a16:creationId xmlns:a16="http://schemas.microsoft.com/office/drawing/2014/main" id="{2856FFBF-293E-ED8B-38BF-E369118EDE8E}"/>
               </a:ext>
             </a:extLst>
           </p:cNvPr>
@@ -4747,45 +5347,192 @@
         </p:blipFill>
         <p:spPr>
           <a:xfrm>
-            <a:off x="336333" y="1553890"/>
-            <a:ext cx="6833271" cy="4351338"/>
+            <a:off x="1320398" y="419490"/>
+            <a:ext cx="9551204" cy="6019019"/>
           </a:xfrm>
         </p:spPr>
       </p:pic>
+    </p:spTree>
+    <p:extLst>
+      <p:ext uri="{BB962C8B-B14F-4D97-AF65-F5344CB8AC3E}">
+        <p14:creationId xmlns:p14="http://schemas.microsoft.com/office/powerpoint/2010/main" val="583156036"/>
+      </p:ext>
+    </p:extLst>
+  </p:cSld>
+  <p:clrMapOvr>
+    <a:masterClrMapping/>
+  </p:clrMapOvr>
+</p:sld>
+</file>
+
+<file path=ppt/slides/slide7.xml><?xml version="1.0" encoding="utf-8"?>
+<p:sld xmlns:a="http://schemas.openxmlformats.org/drawingml/2006/main" xmlns:r="http://schemas.openxmlformats.org/officeDocument/2006/relationships" xmlns:p="http://schemas.openxmlformats.org/presentationml/2006/main">
+  <p:cSld>
+    <p:spTree>
+      <p:nvGrpSpPr>
+        <p:cNvPr id="1" name=""/>
+        <p:cNvGrpSpPr/>
+        <p:nvPr/>
+      </p:nvGrpSpPr>
+      <p:grpSpPr>
+        <a:xfrm>
+          <a:off x="0" y="0"/>
+          <a:ext cx="0" cy="0"/>
+          <a:chOff x="0" y="0"/>
+          <a:chExt cx="0" cy="0"/>
+        </a:xfrm>
+      </p:grpSpPr>
       <p:pic>
         <p:nvPicPr>
-          <p:cNvPr id="10" name="Imagen 9">
-            <a:extLst>
-              <a:ext uri="{FF2B5EF4-FFF2-40B4-BE49-F238E27FC236}">
-                <a16:creationId xmlns:a16="http://schemas.microsoft.com/office/drawing/2014/main" id="{793D0FCF-78CB-99BA-6393-118573D3B85A}"/>
+          <p:cNvPr id="5" name="Marcador de contenido 4">
+            <a:extLst>
+              <a:ext uri="{FF2B5EF4-FFF2-40B4-BE49-F238E27FC236}">
+                <a16:creationId xmlns:a16="http://schemas.microsoft.com/office/drawing/2014/main" id="{966ED4C4-9B43-0CE3-91C3-6D2B12A3BE4E}"/>
               </a:ext>
             </a:extLst>
           </p:cNvPr>
           <p:cNvPicPr>
-            <a:picLocks noChangeAspect="1"/>
+            <a:picLocks noGrp="1" noChangeAspect="1"/>
           </p:cNvPicPr>
-          <p:nvPr/>
+          <p:nvPr>
+            <p:ph idx="1"/>
+          </p:nvPr>
         </p:nvPicPr>
         <p:blipFill>
-          <a:blip r:embed="rId3"/>
+          <a:blip r:embed="rId2"/>
           <a:stretch>
             <a:fillRect/>
           </a:stretch>
         </p:blipFill>
         <p:spPr>
           <a:xfrm>
-            <a:off x="7536180" y="1553890"/>
-            <a:ext cx="4416578" cy="4175443"/>
+            <a:off x="1595991" y="563453"/>
+            <a:ext cx="9000017" cy="5731094"/>
           </a:xfrm>
-          <a:prstGeom prst="rect">
-            <a:avLst/>
-          </a:prstGeom>
         </p:spPr>
       </p:pic>
     </p:spTree>
     <p:extLst>
       <p:ext uri="{BB962C8B-B14F-4D97-AF65-F5344CB8AC3E}">
-        <p14:creationId xmlns:p14="http://schemas.microsoft.com/office/powerpoint/2010/main" val="329436535"/>
+        <p14:creationId xmlns:p14="http://schemas.microsoft.com/office/powerpoint/2010/main" val="129045732"/>
+      </p:ext>
+    </p:extLst>
+  </p:cSld>
+  <p:clrMapOvr>
+    <a:masterClrMapping/>
+  </p:clrMapOvr>
+</p:sld>
+</file>
+
+<file path=ppt/slides/slide8.xml><?xml version="1.0" encoding="utf-8"?>
+<p:sld xmlns:a="http://schemas.openxmlformats.org/drawingml/2006/main" xmlns:r="http://schemas.openxmlformats.org/officeDocument/2006/relationships" xmlns:p="http://schemas.openxmlformats.org/presentationml/2006/main">
+  <p:cSld>
+    <p:spTree>
+      <p:nvGrpSpPr>
+        <p:cNvPr id="1" name=""/>
+        <p:cNvGrpSpPr/>
+        <p:nvPr/>
+      </p:nvGrpSpPr>
+      <p:grpSpPr>
+        <a:xfrm>
+          <a:off x="0" y="0"/>
+          <a:ext cx="0" cy="0"/>
+          <a:chOff x="0" y="0"/>
+          <a:chExt cx="0" cy="0"/>
+        </a:xfrm>
+      </p:grpSpPr>
+      <p:pic>
+        <p:nvPicPr>
+          <p:cNvPr id="5" name="Marcador de contenido 4">
+            <a:extLst>
+              <a:ext uri="{FF2B5EF4-FFF2-40B4-BE49-F238E27FC236}">
+                <a16:creationId xmlns:a16="http://schemas.microsoft.com/office/drawing/2014/main" id="{30082017-61A7-AF33-3566-0D5CA7FC3514}"/>
+              </a:ext>
+            </a:extLst>
+          </p:cNvPr>
+          <p:cNvPicPr>
+            <a:picLocks noGrp="1" noChangeAspect="1"/>
+          </p:cNvPicPr>
+          <p:nvPr>
+            <p:ph idx="1"/>
+          </p:nvPr>
+        </p:nvPicPr>
+        <p:blipFill>
+          <a:blip r:embed="rId2"/>
+          <a:stretch>
+            <a:fillRect/>
+          </a:stretch>
+        </p:blipFill>
+        <p:spPr>
+          <a:xfrm>
+            <a:off x="1903117" y="759027"/>
+            <a:ext cx="8385765" cy="5339946"/>
+          </a:xfrm>
+        </p:spPr>
+      </p:pic>
+    </p:spTree>
+    <p:extLst>
+      <p:ext uri="{BB962C8B-B14F-4D97-AF65-F5344CB8AC3E}">
+        <p14:creationId xmlns:p14="http://schemas.microsoft.com/office/powerpoint/2010/main" val="262687473"/>
+      </p:ext>
+    </p:extLst>
+  </p:cSld>
+  <p:clrMapOvr>
+    <a:masterClrMapping/>
+  </p:clrMapOvr>
+</p:sld>
+</file>
+
+<file path=ppt/slides/slide9.xml><?xml version="1.0" encoding="utf-8"?>
+<p:sld xmlns:a="http://schemas.openxmlformats.org/drawingml/2006/main" xmlns:r="http://schemas.openxmlformats.org/officeDocument/2006/relationships" xmlns:p="http://schemas.openxmlformats.org/presentationml/2006/main">
+  <p:cSld>
+    <p:spTree>
+      <p:nvGrpSpPr>
+        <p:cNvPr id="1" name=""/>
+        <p:cNvGrpSpPr/>
+        <p:nvPr/>
+      </p:nvGrpSpPr>
+      <p:grpSpPr>
+        <a:xfrm>
+          <a:off x="0" y="0"/>
+          <a:ext cx="0" cy="0"/>
+          <a:chOff x="0" y="0"/>
+          <a:chExt cx="0" cy="0"/>
+        </a:xfrm>
+      </p:grpSpPr>
+      <p:pic>
+        <p:nvPicPr>
+          <p:cNvPr id="5" name="Marcador de contenido 4">
+            <a:extLst>
+              <a:ext uri="{FF2B5EF4-FFF2-40B4-BE49-F238E27FC236}">
+                <a16:creationId xmlns:a16="http://schemas.microsoft.com/office/drawing/2014/main" id="{BDB34CBC-8CC8-93A9-BE36-C41F4F873246}"/>
+              </a:ext>
+            </a:extLst>
+          </p:cNvPr>
+          <p:cNvPicPr>
+            <a:picLocks noGrp="1" noChangeAspect="1"/>
+          </p:cNvPicPr>
+          <p:nvPr>
+            <p:ph idx="1"/>
+          </p:nvPr>
+        </p:nvPicPr>
+        <p:blipFill>
+          <a:blip r:embed="rId2"/>
+          <a:stretch>
+            <a:fillRect/>
+          </a:stretch>
+        </p:blipFill>
+        <p:spPr>
+          <a:xfrm>
+            <a:off x="1738498" y="829479"/>
+            <a:ext cx="8715004" cy="5199042"/>
+          </a:xfrm>
+        </p:spPr>
+      </p:pic>
+    </p:spTree>
+    <p:extLst>
+      <p:ext uri="{BB962C8B-B14F-4D97-AF65-F5344CB8AC3E}">
+        <p14:creationId xmlns:p14="http://schemas.microsoft.com/office/powerpoint/2010/main" val="2940154081"/>
       </p:ext>
     </p:extLst>
   </p:cSld>

--- a/results.pptx
+++ b/results.pptx
@@ -7,16 +7,17 @@
   <p:sldIdLst>
     <p:sldId id="262" r:id="rId2"/>
     <p:sldId id="263" r:id="rId3"/>
-    <p:sldId id="269" r:id="rId4"/>
-    <p:sldId id="257" r:id="rId5"/>
-    <p:sldId id="270" r:id="rId6"/>
-    <p:sldId id="264" r:id="rId7"/>
-    <p:sldId id="265" r:id="rId8"/>
-    <p:sldId id="266" r:id="rId9"/>
-    <p:sldId id="267" r:id="rId10"/>
-    <p:sldId id="272" r:id="rId11"/>
-    <p:sldId id="258" r:id="rId12"/>
-    <p:sldId id="268" r:id="rId13"/>
+    <p:sldId id="273" r:id="rId4"/>
+    <p:sldId id="269" r:id="rId5"/>
+    <p:sldId id="257" r:id="rId6"/>
+    <p:sldId id="270" r:id="rId7"/>
+    <p:sldId id="264" r:id="rId8"/>
+    <p:sldId id="265" r:id="rId9"/>
+    <p:sldId id="266" r:id="rId10"/>
+    <p:sldId id="267" r:id="rId11"/>
+    <p:sldId id="272" r:id="rId12"/>
+    <p:sldId id="258" r:id="rId13"/>
+    <p:sldId id="268" r:id="rId14"/>
   </p:sldIdLst>
   <p:sldSz cx="12192000" cy="6858000"/>
   <p:notesSz cx="6858000" cy="9144000"/>
@@ -272,7 +273,7 @@
           <a:p>
             <a:fld id="{EC6047D0-F911-4E84-95C8-4C54FFE53C16}" type="datetimeFigureOut">
               <a:rPr lang="es-AR" smtClean="0"/>
-              <a:t>3/11/2023</a:t>
+              <a:t>9/11/2023</a:t>
             </a:fld>
             <a:endParaRPr lang="es-AR"/>
           </a:p>
@@ -472,7 +473,7 @@
           <a:p>
             <a:fld id="{EC6047D0-F911-4E84-95C8-4C54FFE53C16}" type="datetimeFigureOut">
               <a:rPr lang="es-AR" smtClean="0"/>
-              <a:t>3/11/2023</a:t>
+              <a:t>9/11/2023</a:t>
             </a:fld>
             <a:endParaRPr lang="es-AR"/>
           </a:p>
@@ -682,7 +683,7 @@
           <a:p>
             <a:fld id="{EC6047D0-F911-4E84-95C8-4C54FFE53C16}" type="datetimeFigureOut">
               <a:rPr lang="es-AR" smtClean="0"/>
-              <a:t>3/11/2023</a:t>
+              <a:t>9/11/2023</a:t>
             </a:fld>
             <a:endParaRPr lang="es-AR"/>
           </a:p>
@@ -882,7 +883,7 @@
           <a:p>
             <a:fld id="{EC6047D0-F911-4E84-95C8-4C54FFE53C16}" type="datetimeFigureOut">
               <a:rPr lang="es-AR" smtClean="0"/>
-              <a:t>3/11/2023</a:t>
+              <a:t>9/11/2023</a:t>
             </a:fld>
             <a:endParaRPr lang="es-AR"/>
           </a:p>
@@ -1158,7 +1159,7 @@
           <a:p>
             <a:fld id="{EC6047D0-F911-4E84-95C8-4C54FFE53C16}" type="datetimeFigureOut">
               <a:rPr lang="es-AR" smtClean="0"/>
-              <a:t>3/11/2023</a:t>
+              <a:t>9/11/2023</a:t>
             </a:fld>
             <a:endParaRPr lang="es-AR"/>
           </a:p>
@@ -1426,7 +1427,7 @@
           <a:p>
             <a:fld id="{EC6047D0-F911-4E84-95C8-4C54FFE53C16}" type="datetimeFigureOut">
               <a:rPr lang="es-AR" smtClean="0"/>
-              <a:t>3/11/2023</a:t>
+              <a:t>9/11/2023</a:t>
             </a:fld>
             <a:endParaRPr lang="es-AR"/>
           </a:p>
@@ -1841,7 +1842,7 @@
           <a:p>
             <a:fld id="{EC6047D0-F911-4E84-95C8-4C54FFE53C16}" type="datetimeFigureOut">
               <a:rPr lang="es-AR" smtClean="0"/>
-              <a:t>3/11/2023</a:t>
+              <a:t>9/11/2023</a:t>
             </a:fld>
             <a:endParaRPr lang="es-AR"/>
           </a:p>
@@ -1983,7 +1984,7 @@
           <a:p>
             <a:fld id="{EC6047D0-F911-4E84-95C8-4C54FFE53C16}" type="datetimeFigureOut">
               <a:rPr lang="es-AR" smtClean="0"/>
-              <a:t>3/11/2023</a:t>
+              <a:t>9/11/2023</a:t>
             </a:fld>
             <a:endParaRPr lang="es-AR"/>
           </a:p>
@@ -2096,7 +2097,7 @@
           <a:p>
             <a:fld id="{EC6047D0-F911-4E84-95C8-4C54FFE53C16}" type="datetimeFigureOut">
               <a:rPr lang="es-AR" smtClean="0"/>
-              <a:t>3/11/2023</a:t>
+              <a:t>9/11/2023</a:t>
             </a:fld>
             <a:endParaRPr lang="es-AR"/>
           </a:p>
@@ -2409,7 +2410,7 @@
           <a:p>
             <a:fld id="{EC6047D0-F911-4E84-95C8-4C54FFE53C16}" type="datetimeFigureOut">
               <a:rPr lang="es-AR" smtClean="0"/>
-              <a:t>3/11/2023</a:t>
+              <a:t>9/11/2023</a:t>
             </a:fld>
             <a:endParaRPr lang="es-AR"/>
           </a:p>
@@ -2698,7 +2699,7 @@
           <a:p>
             <a:fld id="{EC6047D0-F911-4E84-95C8-4C54FFE53C16}" type="datetimeFigureOut">
               <a:rPr lang="es-AR" smtClean="0"/>
-              <a:t>3/11/2023</a:t>
+              <a:t>9/11/2023</a:t>
             </a:fld>
             <a:endParaRPr lang="es-AR"/>
           </a:p>
@@ -2941,7 +2942,7 @@
           <a:p>
             <a:fld id="{EC6047D0-F911-4E84-95C8-4C54FFE53C16}" type="datetimeFigureOut">
               <a:rPr lang="es-AR" smtClean="0"/>
-              <a:t>3/11/2023</a:t>
+              <a:t>9/11/2023</a:t>
             </a:fld>
             <a:endParaRPr lang="es-AR"/>
           </a:p>
@@ -3682,6 +3683,65 @@
           <a:chExt cx="0" cy="0"/>
         </a:xfrm>
       </p:grpSpPr>
+      <p:pic>
+        <p:nvPicPr>
+          <p:cNvPr id="5" name="Marcador de contenido 4">
+            <a:extLst>
+              <a:ext uri="{FF2B5EF4-FFF2-40B4-BE49-F238E27FC236}">
+                <a16:creationId xmlns:a16="http://schemas.microsoft.com/office/drawing/2014/main" id="{BDB34CBC-8CC8-93A9-BE36-C41F4F873246}"/>
+              </a:ext>
+            </a:extLst>
+          </p:cNvPr>
+          <p:cNvPicPr>
+            <a:picLocks noGrp="1" noChangeAspect="1"/>
+          </p:cNvPicPr>
+          <p:nvPr>
+            <p:ph idx="1"/>
+          </p:nvPr>
+        </p:nvPicPr>
+        <p:blipFill>
+          <a:blip r:embed="rId2"/>
+          <a:stretch>
+            <a:fillRect/>
+          </a:stretch>
+        </p:blipFill>
+        <p:spPr>
+          <a:xfrm>
+            <a:off x="1738498" y="829479"/>
+            <a:ext cx="8715004" cy="5199042"/>
+          </a:xfrm>
+        </p:spPr>
+      </p:pic>
+    </p:spTree>
+    <p:extLst>
+      <p:ext uri="{BB962C8B-B14F-4D97-AF65-F5344CB8AC3E}">
+        <p14:creationId xmlns:p14="http://schemas.microsoft.com/office/powerpoint/2010/main" val="2940154081"/>
+      </p:ext>
+    </p:extLst>
+  </p:cSld>
+  <p:clrMapOvr>
+    <a:masterClrMapping/>
+  </p:clrMapOvr>
+</p:sld>
+</file>
+
+<file path=ppt/slides/slide11.xml><?xml version="1.0" encoding="utf-8"?>
+<p:sld xmlns:a="http://schemas.openxmlformats.org/drawingml/2006/main" xmlns:r="http://schemas.openxmlformats.org/officeDocument/2006/relationships" xmlns:p="http://schemas.openxmlformats.org/presentationml/2006/main">
+  <p:cSld>
+    <p:spTree>
+      <p:nvGrpSpPr>
+        <p:cNvPr id="1" name=""/>
+        <p:cNvGrpSpPr/>
+        <p:nvPr/>
+      </p:nvGrpSpPr>
+      <p:grpSpPr>
+        <a:xfrm>
+          <a:off x="0" y="0"/>
+          <a:ext cx="0" cy="0"/>
+          <a:chOff x="0" y="0"/>
+          <a:chExt cx="0" cy="0"/>
+        </a:xfrm>
+      </p:grpSpPr>
       <p:sp>
         <p:nvSpPr>
           <p:cNvPr id="2" name="Título 1">
@@ -3744,7 +3804,7 @@
 </p:sld>
 </file>
 
-<file path=ppt/slides/slide11.xml><?xml version="1.0" encoding="utf-8"?>
+<file path=ppt/slides/slide12.xml><?xml version="1.0" encoding="utf-8"?>
 <p:sld xmlns:a="http://schemas.openxmlformats.org/drawingml/2006/main" xmlns:r="http://schemas.openxmlformats.org/officeDocument/2006/relationships" xmlns:p="http://schemas.openxmlformats.org/presentationml/2006/main">
   <p:cSld>
     <p:spTree>
@@ -3834,7 +3894,7 @@
 </p:sld>
 </file>
 
-<file path=ppt/slides/slide12.xml><?xml version="1.0" encoding="utf-8"?>
+<file path=ppt/slides/slide13.xml><?xml version="1.0" encoding="utf-8"?>
 <p:sld xmlns:a="http://schemas.openxmlformats.org/drawingml/2006/main" xmlns:r="http://schemas.openxmlformats.org/officeDocument/2006/relationships" xmlns:p="http://schemas.openxmlformats.org/presentationml/2006/main">
   <p:cSld>
     <p:spTree>
@@ -5081,6 +5141,104 @@
           <p:cNvPr id="2" name="Título 1">
             <a:extLst>
               <a:ext uri="{FF2B5EF4-FFF2-40B4-BE49-F238E27FC236}">
+                <a16:creationId xmlns:a16="http://schemas.microsoft.com/office/drawing/2014/main" id="{D0A1279A-CC22-2C3A-99D8-205DC15D820A}"/>
+              </a:ext>
+            </a:extLst>
+          </p:cNvPr>
+          <p:cNvSpPr>
+            <a:spLocks noGrp="1"/>
+          </p:cNvSpPr>
+          <p:nvPr>
+            <p:ph type="title"/>
+          </p:nvPr>
+        </p:nvSpPr>
+        <p:spPr/>
+        <p:txBody>
+          <a:bodyPr/>
+          <a:lstStyle/>
+          <a:p>
+            <a:endParaRPr lang="es-AR"/>
+          </a:p>
+        </p:txBody>
+      </p:sp>
+      <p:sp>
+        <p:nvSpPr>
+          <p:cNvPr id="3" name="Marcador de contenido 2">
+            <a:extLst>
+              <a:ext uri="{FF2B5EF4-FFF2-40B4-BE49-F238E27FC236}">
+                <a16:creationId xmlns:a16="http://schemas.microsoft.com/office/drawing/2014/main" id="{C592393A-CF4C-A59F-DD6C-83CEFBDF51E1}"/>
+              </a:ext>
+            </a:extLst>
+          </p:cNvPr>
+          <p:cNvSpPr>
+            <a:spLocks noGrp="1"/>
+          </p:cNvSpPr>
+          <p:nvPr>
+            <p:ph idx="1"/>
+          </p:nvPr>
+        </p:nvSpPr>
+        <p:spPr/>
+        <p:txBody>
+          <a:bodyPr/>
+          <a:lstStyle/>
+          <a:p>
+            <a:r>
+              <a:rPr lang="es-ES" dirty="0"/>
+              <a:t>Mensual, trimestral, avisos, comparado, relativos, contar WFH relativos</a:t>
+            </a:r>
+          </a:p>
+          <a:p>
+            <a:r>
+              <a:rPr lang="es-ES" dirty="0"/>
+              <a:t>Eliminar duplicados, </a:t>
+            </a:r>
+            <a:r>
+              <a:rPr lang="es-ES" dirty="0" err="1"/>
+              <a:t>weighting</a:t>
+            </a:r>
+            <a:r>
+              <a:rPr lang="es-ES" dirty="0"/>
+              <a:t> vacantes y similares </a:t>
+            </a:r>
+            <a:endParaRPr lang="es-AR" dirty="0"/>
+          </a:p>
+        </p:txBody>
+      </p:sp>
+    </p:spTree>
+    <p:extLst>
+      <p:ext uri="{BB962C8B-B14F-4D97-AF65-F5344CB8AC3E}">
+        <p14:creationId xmlns:p14="http://schemas.microsoft.com/office/powerpoint/2010/main" val="4083620239"/>
+      </p:ext>
+    </p:extLst>
+  </p:cSld>
+  <p:clrMapOvr>
+    <a:masterClrMapping/>
+  </p:clrMapOvr>
+</p:sld>
+</file>
+
+<file path=ppt/slides/slide4.xml><?xml version="1.0" encoding="utf-8"?>
+<p:sld xmlns:a="http://schemas.openxmlformats.org/drawingml/2006/main" xmlns:r="http://schemas.openxmlformats.org/officeDocument/2006/relationships" xmlns:p="http://schemas.openxmlformats.org/presentationml/2006/main">
+  <p:cSld>
+    <p:spTree>
+      <p:nvGrpSpPr>
+        <p:cNvPr id="1" name=""/>
+        <p:cNvGrpSpPr/>
+        <p:nvPr/>
+      </p:nvGrpSpPr>
+      <p:grpSpPr>
+        <a:xfrm>
+          <a:off x="0" y="0"/>
+          <a:ext cx="0" cy="0"/>
+          <a:chOff x="0" y="0"/>
+          <a:chExt cx="0" cy="0"/>
+        </a:xfrm>
+      </p:grpSpPr>
+      <p:sp>
+        <p:nvSpPr>
+          <p:cNvPr id="2" name="Título 1">
+            <a:extLst>
+              <a:ext uri="{FF2B5EF4-FFF2-40B4-BE49-F238E27FC236}">
                 <a16:creationId xmlns:a16="http://schemas.microsoft.com/office/drawing/2014/main" id="{C40A6529-3719-10E3-2021-BC6E4EFBAF16}"/>
               </a:ext>
             </a:extLst>
@@ -5118,7 +5276,7 @@
 </p:sld>
 </file>
 
-<file path=ppt/slides/slide4.xml><?xml version="1.0" encoding="utf-8"?>
+<file path=ppt/slides/slide5.xml><?xml version="1.0" encoding="utf-8"?>
 <p:sld xmlns:a="http://schemas.openxmlformats.org/drawingml/2006/main" xmlns:r="http://schemas.openxmlformats.org/officeDocument/2006/relationships" xmlns:p="http://schemas.openxmlformats.org/presentationml/2006/main">
   <p:cSld>
     <p:spTree>
@@ -5178,134 +5336,6 @@
 </p:sld>
 </file>
 
-<file path=ppt/slides/slide5.xml><?xml version="1.0" encoding="utf-8"?>
-<p:sld xmlns:a="http://schemas.openxmlformats.org/drawingml/2006/main" xmlns:r="http://schemas.openxmlformats.org/officeDocument/2006/relationships" xmlns:p="http://schemas.openxmlformats.org/presentationml/2006/main">
-  <p:cSld>
-    <p:spTree>
-      <p:nvGrpSpPr>
-        <p:cNvPr id="1" name=""/>
-        <p:cNvGrpSpPr/>
-        <p:nvPr/>
-      </p:nvGrpSpPr>
-      <p:grpSpPr>
-        <a:xfrm>
-          <a:off x="0" y="0"/>
-          <a:ext cx="0" cy="0"/>
-          <a:chOff x="0" y="0"/>
-          <a:chExt cx="0" cy="0"/>
-        </a:xfrm>
-      </p:grpSpPr>
-      <p:sp>
-        <p:nvSpPr>
-          <p:cNvPr id="2" name="Título 1">
-            <a:extLst>
-              <a:ext uri="{FF2B5EF4-FFF2-40B4-BE49-F238E27FC236}">
-                <a16:creationId xmlns:a16="http://schemas.microsoft.com/office/drawing/2014/main" id="{439C0C93-DE0A-C71C-3984-06D310CF6330}"/>
-              </a:ext>
-            </a:extLst>
-          </p:cNvPr>
-          <p:cNvSpPr>
-            <a:spLocks noGrp="1"/>
-          </p:cNvSpPr>
-          <p:nvPr>
-            <p:ph type="ctrTitle"/>
-          </p:nvPr>
-        </p:nvSpPr>
-        <p:spPr/>
-        <p:txBody>
-          <a:bodyPr/>
-          <a:lstStyle/>
-          <a:p>
-            <a:r>
-              <a:rPr lang="es-ES" dirty="0" err="1"/>
-              <a:t>By</a:t>
-            </a:r>
-            <a:r>
-              <a:rPr lang="es-ES" dirty="0"/>
-              <a:t> </a:t>
-            </a:r>
-            <a:r>
-              <a:rPr lang="es-ES" dirty="0" err="1"/>
-              <a:t>database</a:t>
-            </a:r>
-            <a:r>
-              <a:rPr lang="es-ES" dirty="0"/>
-              <a:t> </a:t>
-            </a:r>
-            <a:r>
-              <a:rPr lang="es-ES" dirty="0" err="1"/>
-              <a:t>field</a:t>
-            </a:r>
-            <a:endParaRPr lang="es-AR" dirty="0"/>
-          </a:p>
-        </p:txBody>
-      </p:sp>
-      <p:sp>
-        <p:nvSpPr>
-          <p:cNvPr id="3" name="Subtítulo 2">
-            <a:extLst>
-              <a:ext uri="{FF2B5EF4-FFF2-40B4-BE49-F238E27FC236}">
-                <a16:creationId xmlns:a16="http://schemas.microsoft.com/office/drawing/2014/main" id="{A0E791E9-BB7E-066D-6F08-A28CC1AD0710}"/>
-              </a:ext>
-            </a:extLst>
-          </p:cNvPr>
-          <p:cNvSpPr>
-            <a:spLocks noGrp="1"/>
-          </p:cNvSpPr>
-          <p:nvPr>
-            <p:ph type="subTitle" idx="1"/>
-          </p:nvPr>
-        </p:nvSpPr>
-        <p:spPr/>
-        <p:txBody>
-          <a:bodyPr/>
-          <a:lstStyle/>
-          <a:p>
-            <a:r>
-              <a:rPr lang="es-ES" dirty="0" err="1"/>
-              <a:t>Avisocuerpo</a:t>
-            </a:r>
-            <a:r>
-              <a:rPr lang="es-ES" dirty="0"/>
-              <a:t>, </a:t>
-            </a:r>
-            <a:r>
-              <a:rPr lang="es-ES" dirty="0" err="1"/>
-              <a:t>avisocargo</a:t>
-            </a:r>
-            <a:r>
-              <a:rPr lang="es-ES" dirty="0"/>
-              <a:t>, </a:t>
-            </a:r>
-            <a:r>
-              <a:rPr lang="es-ES" dirty="0" err="1"/>
-              <a:t>avisorequisitos</a:t>
-            </a:r>
-            <a:r>
-              <a:rPr lang="es-ES" dirty="0"/>
-              <a:t>, </a:t>
-            </a:r>
-            <a:r>
-              <a:rPr lang="es-ES" dirty="0" err="1"/>
-              <a:t>disponibilidadnombre</a:t>
-            </a:r>
-            <a:endParaRPr lang="es-AR" dirty="0"/>
-          </a:p>
-        </p:txBody>
-      </p:sp>
-    </p:spTree>
-    <p:extLst>
-      <p:ext uri="{BB962C8B-B14F-4D97-AF65-F5344CB8AC3E}">
-        <p14:creationId xmlns:p14="http://schemas.microsoft.com/office/powerpoint/2010/main" val="2736100129"/>
-      </p:ext>
-    </p:extLst>
-  </p:cSld>
-  <p:clrMapOvr>
-    <a:masterClrMapping/>
-  </p:clrMapOvr>
-</p:sld>
-</file>
-
 <file path=ppt/slides/slide6.xml><?xml version="1.0" encoding="utf-8"?>
 <p:sld xmlns:a="http://schemas.openxmlformats.org/drawingml/2006/main" xmlns:r="http://schemas.openxmlformats.org/officeDocument/2006/relationships" xmlns:p="http://schemas.openxmlformats.org/presentationml/2006/main">
   <p:cSld>
@@ -5323,39 +5353,108 @@
           <a:chExt cx="0" cy="0"/>
         </a:xfrm>
       </p:grpSpPr>
-      <p:pic>
-        <p:nvPicPr>
-          <p:cNvPr id="5" name="Marcador de contenido 4">
-            <a:extLst>
-              <a:ext uri="{FF2B5EF4-FFF2-40B4-BE49-F238E27FC236}">
-                <a16:creationId xmlns:a16="http://schemas.microsoft.com/office/drawing/2014/main" id="{2856FFBF-293E-ED8B-38BF-E369118EDE8E}"/>
-              </a:ext>
-            </a:extLst>
-          </p:cNvPr>
-          <p:cNvPicPr>
-            <a:picLocks noGrp="1" noChangeAspect="1"/>
-          </p:cNvPicPr>
-          <p:nvPr>
-            <p:ph idx="1"/>
-          </p:nvPr>
-        </p:nvPicPr>
-        <p:blipFill>
-          <a:blip r:embed="rId2"/>
-          <a:stretch>
-            <a:fillRect/>
-          </a:stretch>
-        </p:blipFill>
-        <p:spPr>
-          <a:xfrm>
-            <a:off x="1320398" y="419490"/>
-            <a:ext cx="9551204" cy="6019019"/>
-          </a:xfrm>
-        </p:spPr>
-      </p:pic>
+      <p:sp>
+        <p:nvSpPr>
+          <p:cNvPr id="2" name="Título 1">
+            <a:extLst>
+              <a:ext uri="{FF2B5EF4-FFF2-40B4-BE49-F238E27FC236}">
+                <a16:creationId xmlns:a16="http://schemas.microsoft.com/office/drawing/2014/main" id="{439C0C93-DE0A-C71C-3984-06D310CF6330}"/>
+              </a:ext>
+            </a:extLst>
+          </p:cNvPr>
+          <p:cNvSpPr>
+            <a:spLocks noGrp="1"/>
+          </p:cNvSpPr>
+          <p:nvPr>
+            <p:ph type="ctrTitle"/>
+          </p:nvPr>
+        </p:nvSpPr>
+        <p:spPr/>
+        <p:txBody>
+          <a:bodyPr/>
+          <a:lstStyle/>
+          <a:p>
+            <a:r>
+              <a:rPr lang="es-ES" dirty="0" err="1"/>
+              <a:t>By</a:t>
+            </a:r>
+            <a:r>
+              <a:rPr lang="es-ES" dirty="0"/>
+              <a:t> </a:t>
+            </a:r>
+            <a:r>
+              <a:rPr lang="es-ES" dirty="0" err="1"/>
+              <a:t>database</a:t>
+            </a:r>
+            <a:r>
+              <a:rPr lang="es-ES" dirty="0"/>
+              <a:t> </a:t>
+            </a:r>
+            <a:r>
+              <a:rPr lang="es-ES" dirty="0" err="1"/>
+              <a:t>field</a:t>
+            </a:r>
+            <a:endParaRPr lang="es-AR" dirty="0"/>
+          </a:p>
+        </p:txBody>
+      </p:sp>
+      <p:sp>
+        <p:nvSpPr>
+          <p:cNvPr id="3" name="Subtítulo 2">
+            <a:extLst>
+              <a:ext uri="{FF2B5EF4-FFF2-40B4-BE49-F238E27FC236}">
+                <a16:creationId xmlns:a16="http://schemas.microsoft.com/office/drawing/2014/main" id="{A0E791E9-BB7E-066D-6F08-A28CC1AD0710}"/>
+              </a:ext>
+            </a:extLst>
+          </p:cNvPr>
+          <p:cNvSpPr>
+            <a:spLocks noGrp="1"/>
+          </p:cNvSpPr>
+          <p:nvPr>
+            <p:ph type="subTitle" idx="1"/>
+          </p:nvPr>
+        </p:nvSpPr>
+        <p:spPr/>
+        <p:txBody>
+          <a:bodyPr/>
+          <a:lstStyle/>
+          <a:p>
+            <a:r>
+              <a:rPr lang="es-ES" dirty="0" err="1"/>
+              <a:t>Avisocuerpo</a:t>
+            </a:r>
+            <a:r>
+              <a:rPr lang="es-ES" dirty="0"/>
+              <a:t>, </a:t>
+            </a:r>
+            <a:r>
+              <a:rPr lang="es-ES" dirty="0" err="1"/>
+              <a:t>avisocargo</a:t>
+            </a:r>
+            <a:r>
+              <a:rPr lang="es-ES" dirty="0"/>
+              <a:t>, </a:t>
+            </a:r>
+            <a:r>
+              <a:rPr lang="es-ES" dirty="0" err="1"/>
+              <a:t>avisorequisitos</a:t>
+            </a:r>
+            <a:r>
+              <a:rPr lang="es-ES" dirty="0"/>
+              <a:t>, </a:t>
+            </a:r>
+            <a:r>
+              <a:rPr lang="es-ES" dirty="0" err="1"/>
+              <a:t>disponibilidadnombre</a:t>
+            </a:r>
+            <a:endParaRPr lang="es-AR" dirty="0"/>
+          </a:p>
+        </p:txBody>
+      </p:sp>
     </p:spTree>
     <p:extLst>
       <p:ext uri="{BB962C8B-B14F-4D97-AF65-F5344CB8AC3E}">
-        <p14:creationId xmlns:p14="http://schemas.microsoft.com/office/powerpoint/2010/main" val="583156036"/>
+        <p14:creationId xmlns:p14="http://schemas.microsoft.com/office/powerpoint/2010/main" val="2736100129"/>
       </p:ext>
     </p:extLst>
   </p:cSld>
@@ -5387,7 +5486,7 @@
           <p:cNvPr id="5" name="Marcador de contenido 4">
             <a:extLst>
               <a:ext uri="{FF2B5EF4-FFF2-40B4-BE49-F238E27FC236}">
-                <a16:creationId xmlns:a16="http://schemas.microsoft.com/office/drawing/2014/main" id="{966ED4C4-9B43-0CE3-91C3-6D2B12A3BE4E}"/>
+                <a16:creationId xmlns:a16="http://schemas.microsoft.com/office/drawing/2014/main" id="{2856FFBF-293E-ED8B-38BF-E369118EDE8E}"/>
               </a:ext>
             </a:extLst>
           </p:cNvPr>
@@ -5406,15 +5505,15 @@
         </p:blipFill>
         <p:spPr>
           <a:xfrm>
-            <a:off x="1595991" y="563453"/>
-            <a:ext cx="9000017" cy="5731094"/>
+            <a:off x="1320398" y="419490"/>
+            <a:ext cx="9551204" cy="6019019"/>
           </a:xfrm>
         </p:spPr>
       </p:pic>
     </p:spTree>
     <p:extLst>
       <p:ext uri="{BB962C8B-B14F-4D97-AF65-F5344CB8AC3E}">
-        <p14:creationId xmlns:p14="http://schemas.microsoft.com/office/powerpoint/2010/main" val="129045732"/>
+        <p14:creationId xmlns:p14="http://schemas.microsoft.com/office/powerpoint/2010/main" val="583156036"/>
       </p:ext>
     </p:extLst>
   </p:cSld>
@@ -5446,7 +5545,7 @@
           <p:cNvPr id="5" name="Marcador de contenido 4">
             <a:extLst>
               <a:ext uri="{FF2B5EF4-FFF2-40B4-BE49-F238E27FC236}">
-                <a16:creationId xmlns:a16="http://schemas.microsoft.com/office/drawing/2014/main" id="{30082017-61A7-AF33-3566-0D5CA7FC3514}"/>
+                <a16:creationId xmlns:a16="http://schemas.microsoft.com/office/drawing/2014/main" id="{966ED4C4-9B43-0CE3-91C3-6D2B12A3BE4E}"/>
               </a:ext>
             </a:extLst>
           </p:cNvPr>
@@ -5465,15 +5564,15 @@
         </p:blipFill>
         <p:spPr>
           <a:xfrm>
-            <a:off x="1903117" y="759027"/>
-            <a:ext cx="8385765" cy="5339946"/>
+            <a:off x="1595991" y="563453"/>
+            <a:ext cx="9000017" cy="5731094"/>
           </a:xfrm>
         </p:spPr>
       </p:pic>
     </p:spTree>
     <p:extLst>
       <p:ext uri="{BB962C8B-B14F-4D97-AF65-F5344CB8AC3E}">
-        <p14:creationId xmlns:p14="http://schemas.microsoft.com/office/powerpoint/2010/main" val="262687473"/>
+        <p14:creationId xmlns:p14="http://schemas.microsoft.com/office/powerpoint/2010/main" val="129045732"/>
       </p:ext>
     </p:extLst>
   </p:cSld>
@@ -5505,7 +5604,7 @@
           <p:cNvPr id="5" name="Marcador de contenido 4">
             <a:extLst>
               <a:ext uri="{FF2B5EF4-FFF2-40B4-BE49-F238E27FC236}">
-                <a16:creationId xmlns:a16="http://schemas.microsoft.com/office/drawing/2014/main" id="{BDB34CBC-8CC8-93A9-BE36-C41F4F873246}"/>
+                <a16:creationId xmlns:a16="http://schemas.microsoft.com/office/drawing/2014/main" id="{30082017-61A7-AF33-3566-0D5CA7FC3514}"/>
               </a:ext>
             </a:extLst>
           </p:cNvPr>
@@ -5524,15 +5623,15 @@
         </p:blipFill>
         <p:spPr>
           <a:xfrm>
-            <a:off x="1738498" y="829479"/>
-            <a:ext cx="8715004" cy="5199042"/>
+            <a:off x="1903117" y="759027"/>
+            <a:ext cx="8385765" cy="5339946"/>
           </a:xfrm>
         </p:spPr>
       </p:pic>
     </p:spTree>
     <p:extLst>
       <p:ext uri="{BB962C8B-B14F-4D97-AF65-F5344CB8AC3E}">
-        <p14:creationId xmlns:p14="http://schemas.microsoft.com/office/powerpoint/2010/main" val="2940154081"/>
+        <p14:creationId xmlns:p14="http://schemas.microsoft.com/office/powerpoint/2010/main" val="262687473"/>
       </p:ext>
     </p:extLst>
   </p:cSld>

--- a/results.pptx
+++ b/results.pptx
@@ -273,7 +273,7 @@
           <a:p>
             <a:fld id="{EC6047D0-F911-4E84-95C8-4C54FFE53C16}" type="datetimeFigureOut">
               <a:rPr lang="es-AR" smtClean="0"/>
-              <a:t>9/11/2023</a:t>
+              <a:t>15/11/2023</a:t>
             </a:fld>
             <a:endParaRPr lang="es-AR"/>
           </a:p>
@@ -473,7 +473,7 @@
           <a:p>
             <a:fld id="{EC6047D0-F911-4E84-95C8-4C54FFE53C16}" type="datetimeFigureOut">
               <a:rPr lang="es-AR" smtClean="0"/>
-              <a:t>9/11/2023</a:t>
+              <a:t>15/11/2023</a:t>
             </a:fld>
             <a:endParaRPr lang="es-AR"/>
           </a:p>
@@ -683,7 +683,7 @@
           <a:p>
             <a:fld id="{EC6047D0-F911-4E84-95C8-4C54FFE53C16}" type="datetimeFigureOut">
               <a:rPr lang="es-AR" smtClean="0"/>
-              <a:t>9/11/2023</a:t>
+              <a:t>15/11/2023</a:t>
             </a:fld>
             <a:endParaRPr lang="es-AR"/>
           </a:p>
@@ -883,7 +883,7 @@
           <a:p>
             <a:fld id="{EC6047D0-F911-4E84-95C8-4C54FFE53C16}" type="datetimeFigureOut">
               <a:rPr lang="es-AR" smtClean="0"/>
-              <a:t>9/11/2023</a:t>
+              <a:t>15/11/2023</a:t>
             </a:fld>
             <a:endParaRPr lang="es-AR"/>
           </a:p>
@@ -1159,7 +1159,7 @@
           <a:p>
             <a:fld id="{EC6047D0-F911-4E84-95C8-4C54FFE53C16}" type="datetimeFigureOut">
               <a:rPr lang="es-AR" smtClean="0"/>
-              <a:t>9/11/2023</a:t>
+              <a:t>15/11/2023</a:t>
             </a:fld>
             <a:endParaRPr lang="es-AR"/>
           </a:p>
@@ -1427,7 +1427,7 @@
           <a:p>
             <a:fld id="{EC6047D0-F911-4E84-95C8-4C54FFE53C16}" type="datetimeFigureOut">
               <a:rPr lang="es-AR" smtClean="0"/>
-              <a:t>9/11/2023</a:t>
+              <a:t>15/11/2023</a:t>
             </a:fld>
             <a:endParaRPr lang="es-AR"/>
           </a:p>
@@ -1842,7 +1842,7 @@
           <a:p>
             <a:fld id="{EC6047D0-F911-4E84-95C8-4C54FFE53C16}" type="datetimeFigureOut">
               <a:rPr lang="es-AR" smtClean="0"/>
-              <a:t>9/11/2023</a:t>
+              <a:t>15/11/2023</a:t>
             </a:fld>
             <a:endParaRPr lang="es-AR"/>
           </a:p>
@@ -1984,7 +1984,7 @@
           <a:p>
             <a:fld id="{EC6047D0-F911-4E84-95C8-4C54FFE53C16}" type="datetimeFigureOut">
               <a:rPr lang="es-AR" smtClean="0"/>
-              <a:t>9/11/2023</a:t>
+              <a:t>15/11/2023</a:t>
             </a:fld>
             <a:endParaRPr lang="es-AR"/>
           </a:p>
@@ -2097,7 +2097,7 @@
           <a:p>
             <a:fld id="{EC6047D0-F911-4E84-95C8-4C54FFE53C16}" type="datetimeFigureOut">
               <a:rPr lang="es-AR" smtClean="0"/>
-              <a:t>9/11/2023</a:t>
+              <a:t>15/11/2023</a:t>
             </a:fld>
             <a:endParaRPr lang="es-AR"/>
           </a:p>
@@ -2410,7 +2410,7 @@
           <a:p>
             <a:fld id="{EC6047D0-F911-4E84-95C8-4C54FFE53C16}" type="datetimeFigureOut">
               <a:rPr lang="es-AR" smtClean="0"/>
-              <a:t>9/11/2023</a:t>
+              <a:t>15/11/2023</a:t>
             </a:fld>
             <a:endParaRPr lang="es-AR"/>
           </a:p>
@@ -2699,7 +2699,7 @@
           <a:p>
             <a:fld id="{EC6047D0-F911-4E84-95C8-4C54FFE53C16}" type="datetimeFigureOut">
               <a:rPr lang="es-AR" smtClean="0"/>
-              <a:t>9/11/2023</a:t>
+              <a:t>15/11/2023</a:t>
             </a:fld>
             <a:endParaRPr lang="es-AR"/>
           </a:p>
@@ -2942,7 +2942,7 @@
           <a:p>
             <a:fld id="{EC6047D0-F911-4E84-95C8-4C54FFE53C16}" type="datetimeFigureOut">
               <a:rPr lang="es-AR" smtClean="0"/>
-              <a:t>9/11/2023</a:t>
+              <a:t>15/11/2023</a:t>
             </a:fld>
             <a:endParaRPr lang="es-AR"/>
           </a:p>

--- a/results.pptx
+++ b/results.pptx
@@ -10,14 +10,17 @@
     <p:sldId id="273" r:id="rId4"/>
     <p:sldId id="269" r:id="rId5"/>
     <p:sldId id="257" r:id="rId6"/>
-    <p:sldId id="270" r:id="rId7"/>
-    <p:sldId id="264" r:id="rId8"/>
-    <p:sldId id="265" r:id="rId9"/>
-    <p:sldId id="266" r:id="rId10"/>
-    <p:sldId id="267" r:id="rId11"/>
-    <p:sldId id="272" r:id="rId12"/>
-    <p:sldId id="258" r:id="rId13"/>
-    <p:sldId id="268" r:id="rId14"/>
+    <p:sldId id="274" r:id="rId7"/>
+    <p:sldId id="270" r:id="rId8"/>
+    <p:sldId id="264" r:id="rId9"/>
+    <p:sldId id="265" r:id="rId10"/>
+    <p:sldId id="266" r:id="rId11"/>
+    <p:sldId id="267" r:id="rId12"/>
+    <p:sldId id="272" r:id="rId13"/>
+    <p:sldId id="258" r:id="rId14"/>
+    <p:sldId id="268" r:id="rId15"/>
+    <p:sldId id="276" r:id="rId16"/>
+    <p:sldId id="275" r:id="rId17"/>
   </p:sldIdLst>
   <p:sldSz cx="12192000" cy="6858000"/>
   <p:notesSz cx="6858000" cy="9144000"/>
@@ -3688,6 +3691,65 @@
           <p:cNvPr id="5" name="Marcador de contenido 4">
             <a:extLst>
               <a:ext uri="{FF2B5EF4-FFF2-40B4-BE49-F238E27FC236}">
+                <a16:creationId xmlns:a16="http://schemas.microsoft.com/office/drawing/2014/main" id="{30082017-61A7-AF33-3566-0D5CA7FC3514}"/>
+              </a:ext>
+            </a:extLst>
+          </p:cNvPr>
+          <p:cNvPicPr>
+            <a:picLocks noGrp="1" noChangeAspect="1"/>
+          </p:cNvPicPr>
+          <p:nvPr>
+            <p:ph idx="1"/>
+          </p:nvPr>
+        </p:nvPicPr>
+        <p:blipFill>
+          <a:blip r:embed="rId2"/>
+          <a:stretch>
+            <a:fillRect/>
+          </a:stretch>
+        </p:blipFill>
+        <p:spPr>
+          <a:xfrm>
+            <a:off x="1903117" y="759027"/>
+            <a:ext cx="8385765" cy="5339946"/>
+          </a:xfrm>
+        </p:spPr>
+      </p:pic>
+    </p:spTree>
+    <p:extLst>
+      <p:ext uri="{BB962C8B-B14F-4D97-AF65-F5344CB8AC3E}">
+        <p14:creationId xmlns:p14="http://schemas.microsoft.com/office/powerpoint/2010/main" val="262687473"/>
+      </p:ext>
+    </p:extLst>
+  </p:cSld>
+  <p:clrMapOvr>
+    <a:masterClrMapping/>
+  </p:clrMapOvr>
+</p:sld>
+</file>
+
+<file path=ppt/slides/slide11.xml><?xml version="1.0" encoding="utf-8"?>
+<p:sld xmlns:a="http://schemas.openxmlformats.org/drawingml/2006/main" xmlns:r="http://schemas.openxmlformats.org/officeDocument/2006/relationships" xmlns:p="http://schemas.openxmlformats.org/presentationml/2006/main">
+  <p:cSld>
+    <p:spTree>
+      <p:nvGrpSpPr>
+        <p:cNvPr id="1" name=""/>
+        <p:cNvGrpSpPr/>
+        <p:nvPr/>
+      </p:nvGrpSpPr>
+      <p:grpSpPr>
+        <a:xfrm>
+          <a:off x="0" y="0"/>
+          <a:ext cx="0" cy="0"/>
+          <a:chOff x="0" y="0"/>
+          <a:chExt cx="0" cy="0"/>
+        </a:xfrm>
+      </p:grpSpPr>
+      <p:pic>
+        <p:nvPicPr>
+          <p:cNvPr id="5" name="Marcador de contenido 4">
+            <a:extLst>
+              <a:ext uri="{FF2B5EF4-FFF2-40B4-BE49-F238E27FC236}">
                 <a16:creationId xmlns:a16="http://schemas.microsoft.com/office/drawing/2014/main" id="{BDB34CBC-8CC8-93A9-BE36-C41F4F873246}"/>
               </a:ext>
             </a:extLst>
@@ -3725,7 +3787,7 @@
 </p:sld>
 </file>
 
-<file path=ppt/slides/slide11.xml><?xml version="1.0" encoding="utf-8"?>
+<file path=ppt/slides/slide12.xml><?xml version="1.0" encoding="utf-8"?>
 <p:sld xmlns:a="http://schemas.openxmlformats.org/drawingml/2006/main" xmlns:r="http://schemas.openxmlformats.org/officeDocument/2006/relationships" xmlns:p="http://schemas.openxmlformats.org/presentationml/2006/main">
   <p:cSld>
     <p:spTree>
@@ -3804,7 +3866,7 @@
 </p:sld>
 </file>
 
-<file path=ppt/slides/slide12.xml><?xml version="1.0" encoding="utf-8"?>
+<file path=ppt/slides/slide13.xml><?xml version="1.0" encoding="utf-8"?>
 <p:sld xmlns:a="http://schemas.openxmlformats.org/drawingml/2006/main" xmlns:r="http://schemas.openxmlformats.org/officeDocument/2006/relationships" xmlns:p="http://schemas.openxmlformats.org/presentationml/2006/main">
   <p:cSld>
     <p:spTree>
@@ -3894,7 +3956,7 @@
 </p:sld>
 </file>
 
-<file path=ppt/slides/slide13.xml><?xml version="1.0" encoding="utf-8"?>
+<file path=ppt/slides/slide14.xml><?xml version="1.0" encoding="utf-8"?>
 <p:sld xmlns:a="http://schemas.openxmlformats.org/drawingml/2006/main" xmlns:r="http://schemas.openxmlformats.org/officeDocument/2006/relationships" xmlns:p="http://schemas.openxmlformats.org/presentationml/2006/main">
   <p:cSld>
     <p:spTree>
@@ -3944,6 +4006,124 @@
     <p:extLst>
       <p:ext uri="{BB962C8B-B14F-4D97-AF65-F5344CB8AC3E}">
         <p14:creationId xmlns:p14="http://schemas.microsoft.com/office/powerpoint/2010/main" val="3443000254"/>
+      </p:ext>
+    </p:extLst>
+  </p:cSld>
+  <p:clrMapOvr>
+    <a:masterClrMapping/>
+  </p:clrMapOvr>
+</p:sld>
+</file>
+
+<file path=ppt/slides/slide15.xml><?xml version="1.0" encoding="utf-8"?>
+<p:sld xmlns:a="http://schemas.openxmlformats.org/drawingml/2006/main" xmlns:r="http://schemas.openxmlformats.org/officeDocument/2006/relationships" xmlns:p="http://schemas.openxmlformats.org/presentationml/2006/main">
+  <p:cSld>
+    <p:spTree>
+      <p:nvGrpSpPr>
+        <p:cNvPr id="1" name=""/>
+        <p:cNvGrpSpPr/>
+        <p:nvPr/>
+      </p:nvGrpSpPr>
+      <p:grpSpPr>
+        <a:xfrm>
+          <a:off x="0" y="0"/>
+          <a:ext cx="0" cy="0"/>
+          <a:chOff x="0" y="0"/>
+          <a:chExt cx="0" cy="0"/>
+        </a:xfrm>
+      </p:grpSpPr>
+      <p:sp>
+        <p:nvSpPr>
+          <p:cNvPr id="2" name="Título 1">
+            <a:extLst>
+              <a:ext uri="{FF2B5EF4-FFF2-40B4-BE49-F238E27FC236}">
+                <a16:creationId xmlns:a16="http://schemas.microsoft.com/office/drawing/2014/main" id="{A41A2ADE-924A-47DA-8BC0-2AA307AE7882}"/>
+              </a:ext>
+            </a:extLst>
+          </p:cNvPr>
+          <p:cNvSpPr>
+            <a:spLocks noGrp="1"/>
+          </p:cNvSpPr>
+          <p:nvPr>
+            <p:ph type="ctrTitle"/>
+          </p:nvPr>
+        </p:nvSpPr>
+        <p:spPr/>
+        <p:txBody>
+          <a:bodyPr/>
+          <a:lstStyle/>
+          <a:p>
+            <a:r>
+              <a:rPr lang="es-ES" dirty="0" err="1"/>
+              <a:t>Duplicates</a:t>
+            </a:r>
+            <a:endParaRPr lang="es-AR" dirty="0"/>
+          </a:p>
+        </p:txBody>
+      </p:sp>
+    </p:spTree>
+    <p:extLst>
+      <p:ext uri="{BB962C8B-B14F-4D97-AF65-F5344CB8AC3E}">
+        <p14:creationId xmlns:p14="http://schemas.microsoft.com/office/powerpoint/2010/main" val="468238587"/>
+      </p:ext>
+    </p:extLst>
+  </p:cSld>
+  <p:clrMapOvr>
+    <a:masterClrMapping/>
+  </p:clrMapOvr>
+</p:sld>
+</file>
+
+<file path=ppt/slides/slide16.xml><?xml version="1.0" encoding="utf-8"?>
+<p:sld xmlns:a="http://schemas.openxmlformats.org/drawingml/2006/main" xmlns:r="http://schemas.openxmlformats.org/officeDocument/2006/relationships" xmlns:p="http://schemas.openxmlformats.org/presentationml/2006/main">
+  <p:cSld>
+    <p:spTree>
+      <p:nvGrpSpPr>
+        <p:cNvPr id="1" name=""/>
+        <p:cNvGrpSpPr/>
+        <p:nvPr/>
+      </p:nvGrpSpPr>
+      <p:grpSpPr>
+        <a:xfrm>
+          <a:off x="0" y="0"/>
+          <a:ext cx="0" cy="0"/>
+          <a:chOff x="0" y="0"/>
+          <a:chExt cx="0" cy="0"/>
+        </a:xfrm>
+      </p:grpSpPr>
+      <p:pic>
+        <p:nvPicPr>
+          <p:cNvPr id="5" name="Marcador de contenido 4">
+            <a:extLst>
+              <a:ext uri="{FF2B5EF4-FFF2-40B4-BE49-F238E27FC236}">
+                <a16:creationId xmlns:a16="http://schemas.microsoft.com/office/drawing/2014/main" id="{CD2A619F-C1D8-213D-41DF-D2F08D23FAF6}"/>
+              </a:ext>
+            </a:extLst>
+          </p:cNvPr>
+          <p:cNvPicPr>
+            <a:picLocks noGrp="1" noChangeAspect="1"/>
+          </p:cNvPicPr>
+          <p:nvPr>
+            <p:ph idx="1"/>
+          </p:nvPr>
+        </p:nvPicPr>
+        <p:blipFill>
+          <a:blip r:embed="rId2"/>
+          <a:stretch>
+            <a:fillRect/>
+          </a:stretch>
+        </p:blipFill>
+        <p:spPr>
+          <a:xfrm>
+            <a:off x="1392392" y="881600"/>
+            <a:ext cx="9407216" cy="5094799"/>
+          </a:xfrm>
+        </p:spPr>
+      </p:pic>
+    </p:spTree>
+    <p:extLst>
+      <p:ext uri="{BB962C8B-B14F-4D97-AF65-F5344CB8AC3E}">
+        <p14:creationId xmlns:p14="http://schemas.microsoft.com/office/powerpoint/2010/main" val="3159775167"/>
       </p:ext>
     </p:extLst>
   </p:cSld>
@@ -5353,108 +5533,39 @@
           <a:chExt cx="0" cy="0"/>
         </a:xfrm>
       </p:grpSpPr>
-      <p:sp>
-        <p:nvSpPr>
-          <p:cNvPr id="2" name="Título 1">
-            <a:extLst>
-              <a:ext uri="{FF2B5EF4-FFF2-40B4-BE49-F238E27FC236}">
-                <a16:creationId xmlns:a16="http://schemas.microsoft.com/office/drawing/2014/main" id="{439C0C93-DE0A-C71C-3984-06D310CF6330}"/>
-              </a:ext>
-            </a:extLst>
-          </p:cNvPr>
-          <p:cNvSpPr>
-            <a:spLocks noGrp="1"/>
-          </p:cNvSpPr>
-          <p:nvPr>
-            <p:ph type="ctrTitle"/>
-          </p:nvPr>
-        </p:nvSpPr>
-        <p:spPr/>
-        <p:txBody>
-          <a:bodyPr/>
-          <a:lstStyle/>
-          <a:p>
-            <a:r>
-              <a:rPr lang="es-ES" dirty="0" err="1"/>
-              <a:t>By</a:t>
-            </a:r>
-            <a:r>
-              <a:rPr lang="es-ES" dirty="0"/>
-              <a:t> </a:t>
-            </a:r>
-            <a:r>
-              <a:rPr lang="es-ES" dirty="0" err="1"/>
-              <a:t>database</a:t>
-            </a:r>
-            <a:r>
-              <a:rPr lang="es-ES" dirty="0"/>
-              <a:t> </a:t>
-            </a:r>
-            <a:r>
-              <a:rPr lang="es-ES" dirty="0" err="1"/>
-              <a:t>field</a:t>
-            </a:r>
-            <a:endParaRPr lang="es-AR" dirty="0"/>
-          </a:p>
-        </p:txBody>
-      </p:sp>
-      <p:sp>
-        <p:nvSpPr>
-          <p:cNvPr id="3" name="Subtítulo 2">
-            <a:extLst>
-              <a:ext uri="{FF2B5EF4-FFF2-40B4-BE49-F238E27FC236}">
-                <a16:creationId xmlns:a16="http://schemas.microsoft.com/office/drawing/2014/main" id="{A0E791E9-BB7E-066D-6F08-A28CC1AD0710}"/>
-              </a:ext>
-            </a:extLst>
-          </p:cNvPr>
-          <p:cNvSpPr>
-            <a:spLocks noGrp="1"/>
-          </p:cNvSpPr>
-          <p:nvPr>
-            <p:ph type="subTitle" idx="1"/>
-          </p:nvPr>
-        </p:nvSpPr>
-        <p:spPr/>
-        <p:txBody>
-          <a:bodyPr/>
-          <a:lstStyle/>
-          <a:p>
-            <a:r>
-              <a:rPr lang="es-ES" dirty="0" err="1"/>
-              <a:t>Avisocuerpo</a:t>
-            </a:r>
-            <a:r>
-              <a:rPr lang="es-ES" dirty="0"/>
-              <a:t>, </a:t>
-            </a:r>
-            <a:r>
-              <a:rPr lang="es-ES" dirty="0" err="1"/>
-              <a:t>avisocargo</a:t>
-            </a:r>
-            <a:r>
-              <a:rPr lang="es-ES" dirty="0"/>
-              <a:t>, </a:t>
-            </a:r>
-            <a:r>
-              <a:rPr lang="es-ES" dirty="0" err="1"/>
-              <a:t>avisorequisitos</a:t>
-            </a:r>
-            <a:r>
-              <a:rPr lang="es-ES" dirty="0"/>
-              <a:t>, </a:t>
-            </a:r>
-            <a:r>
-              <a:rPr lang="es-ES" dirty="0" err="1"/>
-              <a:t>disponibilidadnombre</a:t>
-            </a:r>
-            <a:endParaRPr lang="es-AR" dirty="0"/>
-          </a:p>
-        </p:txBody>
-      </p:sp>
+      <p:pic>
+        <p:nvPicPr>
+          <p:cNvPr id="5" name="Marcador de contenido 4">
+            <a:extLst>
+              <a:ext uri="{FF2B5EF4-FFF2-40B4-BE49-F238E27FC236}">
+                <a16:creationId xmlns:a16="http://schemas.microsoft.com/office/drawing/2014/main" id="{2E509894-028B-3F18-4747-9AE613A7C2E7}"/>
+              </a:ext>
+            </a:extLst>
+          </p:cNvPr>
+          <p:cNvPicPr>
+            <a:picLocks noGrp="1" noChangeAspect="1"/>
+          </p:cNvPicPr>
+          <p:nvPr>
+            <p:ph idx="1"/>
+          </p:nvPr>
+        </p:nvPicPr>
+        <p:blipFill>
+          <a:blip r:embed="rId2"/>
+          <a:stretch>
+            <a:fillRect/>
+          </a:stretch>
+        </p:blipFill>
+        <p:spPr>
+          <a:xfrm>
+            <a:off x="1045245" y="715087"/>
+            <a:ext cx="10101509" cy="5427825"/>
+          </a:xfrm>
+        </p:spPr>
+      </p:pic>
     </p:spTree>
     <p:extLst>
       <p:ext uri="{BB962C8B-B14F-4D97-AF65-F5344CB8AC3E}">
-        <p14:creationId xmlns:p14="http://schemas.microsoft.com/office/powerpoint/2010/main" val="2736100129"/>
+        <p14:creationId xmlns:p14="http://schemas.microsoft.com/office/powerpoint/2010/main" val="3324409706"/>
       </p:ext>
     </p:extLst>
   </p:cSld>
@@ -5481,39 +5592,108 @@
           <a:chExt cx="0" cy="0"/>
         </a:xfrm>
       </p:grpSpPr>
-      <p:pic>
-        <p:nvPicPr>
-          <p:cNvPr id="5" name="Marcador de contenido 4">
-            <a:extLst>
-              <a:ext uri="{FF2B5EF4-FFF2-40B4-BE49-F238E27FC236}">
-                <a16:creationId xmlns:a16="http://schemas.microsoft.com/office/drawing/2014/main" id="{2856FFBF-293E-ED8B-38BF-E369118EDE8E}"/>
-              </a:ext>
-            </a:extLst>
-          </p:cNvPr>
-          <p:cNvPicPr>
-            <a:picLocks noGrp="1" noChangeAspect="1"/>
-          </p:cNvPicPr>
-          <p:nvPr>
-            <p:ph idx="1"/>
-          </p:nvPr>
-        </p:nvPicPr>
-        <p:blipFill>
-          <a:blip r:embed="rId2"/>
-          <a:stretch>
-            <a:fillRect/>
-          </a:stretch>
-        </p:blipFill>
-        <p:spPr>
-          <a:xfrm>
-            <a:off x="1320398" y="419490"/>
-            <a:ext cx="9551204" cy="6019019"/>
-          </a:xfrm>
-        </p:spPr>
-      </p:pic>
+      <p:sp>
+        <p:nvSpPr>
+          <p:cNvPr id="2" name="Título 1">
+            <a:extLst>
+              <a:ext uri="{FF2B5EF4-FFF2-40B4-BE49-F238E27FC236}">
+                <a16:creationId xmlns:a16="http://schemas.microsoft.com/office/drawing/2014/main" id="{439C0C93-DE0A-C71C-3984-06D310CF6330}"/>
+              </a:ext>
+            </a:extLst>
+          </p:cNvPr>
+          <p:cNvSpPr>
+            <a:spLocks noGrp="1"/>
+          </p:cNvSpPr>
+          <p:nvPr>
+            <p:ph type="ctrTitle"/>
+          </p:nvPr>
+        </p:nvSpPr>
+        <p:spPr/>
+        <p:txBody>
+          <a:bodyPr/>
+          <a:lstStyle/>
+          <a:p>
+            <a:r>
+              <a:rPr lang="es-ES" dirty="0" err="1"/>
+              <a:t>By</a:t>
+            </a:r>
+            <a:r>
+              <a:rPr lang="es-ES" dirty="0"/>
+              <a:t> </a:t>
+            </a:r>
+            <a:r>
+              <a:rPr lang="es-ES" dirty="0" err="1"/>
+              <a:t>database</a:t>
+            </a:r>
+            <a:r>
+              <a:rPr lang="es-ES" dirty="0"/>
+              <a:t> </a:t>
+            </a:r>
+            <a:r>
+              <a:rPr lang="es-ES" dirty="0" err="1"/>
+              <a:t>field</a:t>
+            </a:r>
+            <a:endParaRPr lang="es-AR" dirty="0"/>
+          </a:p>
+        </p:txBody>
+      </p:sp>
+      <p:sp>
+        <p:nvSpPr>
+          <p:cNvPr id="3" name="Subtítulo 2">
+            <a:extLst>
+              <a:ext uri="{FF2B5EF4-FFF2-40B4-BE49-F238E27FC236}">
+                <a16:creationId xmlns:a16="http://schemas.microsoft.com/office/drawing/2014/main" id="{A0E791E9-BB7E-066D-6F08-A28CC1AD0710}"/>
+              </a:ext>
+            </a:extLst>
+          </p:cNvPr>
+          <p:cNvSpPr>
+            <a:spLocks noGrp="1"/>
+          </p:cNvSpPr>
+          <p:nvPr>
+            <p:ph type="subTitle" idx="1"/>
+          </p:nvPr>
+        </p:nvSpPr>
+        <p:spPr/>
+        <p:txBody>
+          <a:bodyPr/>
+          <a:lstStyle/>
+          <a:p>
+            <a:r>
+              <a:rPr lang="es-ES" dirty="0" err="1"/>
+              <a:t>Avisocuerpo</a:t>
+            </a:r>
+            <a:r>
+              <a:rPr lang="es-ES" dirty="0"/>
+              <a:t>, </a:t>
+            </a:r>
+            <a:r>
+              <a:rPr lang="es-ES" dirty="0" err="1"/>
+              <a:t>avisocargo</a:t>
+            </a:r>
+            <a:r>
+              <a:rPr lang="es-ES" dirty="0"/>
+              <a:t>, </a:t>
+            </a:r>
+            <a:r>
+              <a:rPr lang="es-ES" dirty="0" err="1"/>
+              <a:t>avisorequisitos</a:t>
+            </a:r>
+            <a:r>
+              <a:rPr lang="es-ES" dirty="0"/>
+              <a:t>, </a:t>
+            </a:r>
+            <a:r>
+              <a:rPr lang="es-ES" dirty="0" err="1"/>
+              <a:t>disponibilidadnombre</a:t>
+            </a:r>
+            <a:endParaRPr lang="es-AR" dirty="0"/>
+          </a:p>
+        </p:txBody>
+      </p:sp>
     </p:spTree>
     <p:extLst>
       <p:ext uri="{BB962C8B-B14F-4D97-AF65-F5344CB8AC3E}">
-        <p14:creationId xmlns:p14="http://schemas.microsoft.com/office/powerpoint/2010/main" val="583156036"/>
+        <p14:creationId xmlns:p14="http://schemas.microsoft.com/office/powerpoint/2010/main" val="2736100129"/>
       </p:ext>
     </p:extLst>
   </p:cSld>
@@ -5545,7 +5725,7 @@
           <p:cNvPr id="5" name="Marcador de contenido 4">
             <a:extLst>
               <a:ext uri="{FF2B5EF4-FFF2-40B4-BE49-F238E27FC236}">
-                <a16:creationId xmlns:a16="http://schemas.microsoft.com/office/drawing/2014/main" id="{966ED4C4-9B43-0CE3-91C3-6D2B12A3BE4E}"/>
+                <a16:creationId xmlns:a16="http://schemas.microsoft.com/office/drawing/2014/main" id="{2856FFBF-293E-ED8B-38BF-E369118EDE8E}"/>
               </a:ext>
             </a:extLst>
           </p:cNvPr>
@@ -5564,15 +5744,15 @@
         </p:blipFill>
         <p:spPr>
           <a:xfrm>
-            <a:off x="1595991" y="563453"/>
-            <a:ext cx="9000017" cy="5731094"/>
+            <a:off x="1320398" y="419490"/>
+            <a:ext cx="9551204" cy="6019019"/>
           </a:xfrm>
         </p:spPr>
       </p:pic>
     </p:spTree>
     <p:extLst>
       <p:ext uri="{BB962C8B-B14F-4D97-AF65-F5344CB8AC3E}">
-        <p14:creationId xmlns:p14="http://schemas.microsoft.com/office/powerpoint/2010/main" val="129045732"/>
+        <p14:creationId xmlns:p14="http://schemas.microsoft.com/office/powerpoint/2010/main" val="583156036"/>
       </p:ext>
     </p:extLst>
   </p:cSld>
@@ -5604,7 +5784,7 @@
           <p:cNvPr id="5" name="Marcador de contenido 4">
             <a:extLst>
               <a:ext uri="{FF2B5EF4-FFF2-40B4-BE49-F238E27FC236}">
-                <a16:creationId xmlns:a16="http://schemas.microsoft.com/office/drawing/2014/main" id="{30082017-61A7-AF33-3566-0D5CA7FC3514}"/>
+                <a16:creationId xmlns:a16="http://schemas.microsoft.com/office/drawing/2014/main" id="{966ED4C4-9B43-0CE3-91C3-6D2B12A3BE4E}"/>
               </a:ext>
             </a:extLst>
           </p:cNvPr>
@@ -5623,15 +5803,15 @@
         </p:blipFill>
         <p:spPr>
           <a:xfrm>
-            <a:off x="1903117" y="759027"/>
-            <a:ext cx="8385765" cy="5339946"/>
+            <a:off x="1595991" y="563453"/>
+            <a:ext cx="9000017" cy="5731094"/>
           </a:xfrm>
         </p:spPr>
       </p:pic>
     </p:spTree>
     <p:extLst>
       <p:ext uri="{BB962C8B-B14F-4D97-AF65-F5344CB8AC3E}">
-        <p14:creationId xmlns:p14="http://schemas.microsoft.com/office/powerpoint/2010/main" val="262687473"/>
+        <p14:creationId xmlns:p14="http://schemas.microsoft.com/office/powerpoint/2010/main" val="129045732"/>
       </p:ext>
     </p:extLst>
   </p:cSld>

--- a/results.pptx
+++ b/results.pptx
@@ -4093,19 +4093,17 @@
       </p:grpSpPr>
       <p:pic>
         <p:nvPicPr>
-          <p:cNvPr id="5" name="Marcador de contenido 4">
-            <a:extLst>
-              <a:ext uri="{FF2B5EF4-FFF2-40B4-BE49-F238E27FC236}">
-                <a16:creationId xmlns:a16="http://schemas.microsoft.com/office/drawing/2014/main" id="{CD2A619F-C1D8-213D-41DF-D2F08D23FAF6}"/>
+          <p:cNvPr id="6" name="Imagen 5">
+            <a:extLst>
+              <a:ext uri="{FF2B5EF4-FFF2-40B4-BE49-F238E27FC236}">
+                <a16:creationId xmlns:a16="http://schemas.microsoft.com/office/drawing/2014/main" id="{16C4A259-083C-3644-E31B-22B1ECAB1DAA}"/>
               </a:ext>
             </a:extLst>
           </p:cNvPr>
           <p:cNvPicPr>
-            <a:picLocks noGrp="1" noChangeAspect="1"/>
+            <a:picLocks noChangeAspect="1"/>
           </p:cNvPicPr>
-          <p:nvPr>
-            <p:ph idx="1"/>
-          </p:nvPr>
+          <p:nvPr/>
         </p:nvPicPr>
         <p:blipFill>
           <a:blip r:embed="rId2"/>
@@ -4115,9 +4113,12 @@
         </p:blipFill>
         <p:spPr>
           <a:xfrm>
-            <a:off x="1392392" y="881600"/>
-            <a:ext cx="9407216" cy="5094799"/>
+            <a:off x="1285875" y="823912"/>
+            <a:ext cx="9620250" cy="5210175"/>
           </a:xfrm>
+          <a:prstGeom prst="rect">
+            <a:avLst/>
+          </a:prstGeom>
         </p:spPr>
       </p:pic>
     </p:spTree>

--- a/results.pptx
+++ b/results.pptx
@@ -7,20 +7,33 @@
   <p:sldIdLst>
     <p:sldId id="262" r:id="rId2"/>
     <p:sldId id="263" r:id="rId3"/>
-    <p:sldId id="273" r:id="rId4"/>
-    <p:sldId id="269" r:id="rId5"/>
-    <p:sldId id="257" r:id="rId6"/>
-    <p:sldId id="274" r:id="rId7"/>
-    <p:sldId id="270" r:id="rId8"/>
-    <p:sldId id="264" r:id="rId9"/>
-    <p:sldId id="265" r:id="rId10"/>
-    <p:sldId id="266" r:id="rId11"/>
-    <p:sldId id="267" r:id="rId12"/>
-    <p:sldId id="272" r:id="rId13"/>
-    <p:sldId id="258" r:id="rId14"/>
-    <p:sldId id="268" r:id="rId15"/>
-    <p:sldId id="276" r:id="rId16"/>
-    <p:sldId id="275" r:id="rId17"/>
+    <p:sldId id="269" r:id="rId4"/>
+    <p:sldId id="257" r:id="rId5"/>
+    <p:sldId id="274" r:id="rId6"/>
+    <p:sldId id="292" r:id="rId7"/>
+    <p:sldId id="293" r:id="rId8"/>
+    <p:sldId id="270" r:id="rId9"/>
+    <p:sldId id="264" r:id="rId10"/>
+    <p:sldId id="265" r:id="rId11"/>
+    <p:sldId id="266" r:id="rId12"/>
+    <p:sldId id="267" r:id="rId13"/>
+    <p:sldId id="272" r:id="rId14"/>
+    <p:sldId id="258" r:id="rId15"/>
+    <p:sldId id="268" r:id="rId16"/>
+    <p:sldId id="290" r:id="rId17"/>
+    <p:sldId id="281" r:id="rId18"/>
+    <p:sldId id="275" r:id="rId19"/>
+    <p:sldId id="277" r:id="rId20"/>
+    <p:sldId id="280" r:id="rId21"/>
+    <p:sldId id="279" r:id="rId22"/>
+    <p:sldId id="282" r:id="rId23"/>
+    <p:sldId id="291" r:id="rId24"/>
+    <p:sldId id="284" r:id="rId25"/>
+    <p:sldId id="285" r:id="rId26"/>
+    <p:sldId id="286" r:id="rId27"/>
+    <p:sldId id="287" r:id="rId28"/>
+    <p:sldId id="288" r:id="rId29"/>
+    <p:sldId id="289" r:id="rId30"/>
   </p:sldIdLst>
   <p:sldSz cx="12192000" cy="6858000"/>
   <p:notesSz cx="6858000" cy="9144000"/>
@@ -276,7 +289,7 @@
           <a:p>
             <a:fld id="{EC6047D0-F911-4E84-95C8-4C54FFE53C16}" type="datetimeFigureOut">
               <a:rPr lang="es-AR" smtClean="0"/>
-              <a:t>15/11/2023</a:t>
+              <a:t>20/11/2023</a:t>
             </a:fld>
             <a:endParaRPr lang="es-AR"/>
           </a:p>
@@ -476,7 +489,7 @@
           <a:p>
             <a:fld id="{EC6047D0-F911-4E84-95C8-4C54FFE53C16}" type="datetimeFigureOut">
               <a:rPr lang="es-AR" smtClean="0"/>
-              <a:t>15/11/2023</a:t>
+              <a:t>20/11/2023</a:t>
             </a:fld>
             <a:endParaRPr lang="es-AR"/>
           </a:p>
@@ -686,7 +699,7 @@
           <a:p>
             <a:fld id="{EC6047D0-F911-4E84-95C8-4C54FFE53C16}" type="datetimeFigureOut">
               <a:rPr lang="es-AR" smtClean="0"/>
-              <a:t>15/11/2023</a:t>
+              <a:t>20/11/2023</a:t>
             </a:fld>
             <a:endParaRPr lang="es-AR"/>
           </a:p>
@@ -886,7 +899,7 @@
           <a:p>
             <a:fld id="{EC6047D0-F911-4E84-95C8-4C54FFE53C16}" type="datetimeFigureOut">
               <a:rPr lang="es-AR" smtClean="0"/>
-              <a:t>15/11/2023</a:t>
+              <a:t>20/11/2023</a:t>
             </a:fld>
             <a:endParaRPr lang="es-AR"/>
           </a:p>
@@ -1162,7 +1175,7 @@
           <a:p>
             <a:fld id="{EC6047D0-F911-4E84-95C8-4C54FFE53C16}" type="datetimeFigureOut">
               <a:rPr lang="es-AR" smtClean="0"/>
-              <a:t>15/11/2023</a:t>
+              <a:t>20/11/2023</a:t>
             </a:fld>
             <a:endParaRPr lang="es-AR"/>
           </a:p>
@@ -1430,7 +1443,7 @@
           <a:p>
             <a:fld id="{EC6047D0-F911-4E84-95C8-4C54FFE53C16}" type="datetimeFigureOut">
               <a:rPr lang="es-AR" smtClean="0"/>
-              <a:t>15/11/2023</a:t>
+              <a:t>20/11/2023</a:t>
             </a:fld>
             <a:endParaRPr lang="es-AR"/>
           </a:p>
@@ -1845,7 +1858,7 @@
           <a:p>
             <a:fld id="{EC6047D0-F911-4E84-95C8-4C54FFE53C16}" type="datetimeFigureOut">
               <a:rPr lang="es-AR" smtClean="0"/>
-              <a:t>15/11/2023</a:t>
+              <a:t>20/11/2023</a:t>
             </a:fld>
             <a:endParaRPr lang="es-AR"/>
           </a:p>
@@ -1987,7 +2000,7 @@
           <a:p>
             <a:fld id="{EC6047D0-F911-4E84-95C8-4C54FFE53C16}" type="datetimeFigureOut">
               <a:rPr lang="es-AR" smtClean="0"/>
-              <a:t>15/11/2023</a:t>
+              <a:t>20/11/2023</a:t>
             </a:fld>
             <a:endParaRPr lang="es-AR"/>
           </a:p>
@@ -2100,7 +2113,7 @@
           <a:p>
             <a:fld id="{EC6047D0-F911-4E84-95C8-4C54FFE53C16}" type="datetimeFigureOut">
               <a:rPr lang="es-AR" smtClean="0"/>
-              <a:t>15/11/2023</a:t>
+              <a:t>20/11/2023</a:t>
             </a:fld>
             <a:endParaRPr lang="es-AR"/>
           </a:p>
@@ -2413,7 +2426,7 @@
           <a:p>
             <a:fld id="{EC6047D0-F911-4E84-95C8-4C54FFE53C16}" type="datetimeFigureOut">
               <a:rPr lang="es-AR" smtClean="0"/>
-              <a:t>15/11/2023</a:t>
+              <a:t>20/11/2023</a:t>
             </a:fld>
             <a:endParaRPr lang="es-AR"/>
           </a:p>
@@ -2702,7 +2715,7 @@
           <a:p>
             <a:fld id="{EC6047D0-F911-4E84-95C8-4C54FFE53C16}" type="datetimeFigureOut">
               <a:rPr lang="es-AR" smtClean="0"/>
-              <a:t>15/11/2023</a:t>
+              <a:t>20/11/2023</a:t>
             </a:fld>
             <a:endParaRPr lang="es-AR"/>
           </a:p>
@@ -2945,7 +2958,7 @@
           <a:p>
             <a:fld id="{EC6047D0-F911-4E84-95C8-4C54FFE53C16}" type="datetimeFigureOut">
               <a:rPr lang="es-AR" smtClean="0"/>
-              <a:t>15/11/2023</a:t>
+              <a:t>20/11/2023</a:t>
             </a:fld>
             <a:endParaRPr lang="es-AR"/>
           </a:p>
@@ -3691,7 +3704,7 @@
           <p:cNvPr id="5" name="Marcador de contenido 4">
             <a:extLst>
               <a:ext uri="{FF2B5EF4-FFF2-40B4-BE49-F238E27FC236}">
-                <a16:creationId xmlns:a16="http://schemas.microsoft.com/office/drawing/2014/main" id="{30082017-61A7-AF33-3566-0D5CA7FC3514}"/>
+                <a16:creationId xmlns:a16="http://schemas.microsoft.com/office/drawing/2014/main" id="{966ED4C4-9B43-0CE3-91C3-6D2B12A3BE4E}"/>
               </a:ext>
             </a:extLst>
           </p:cNvPr>
@@ -3710,15 +3723,15 @@
         </p:blipFill>
         <p:spPr>
           <a:xfrm>
-            <a:off x="1903117" y="759027"/>
-            <a:ext cx="8385765" cy="5339946"/>
+            <a:off x="1595991" y="563453"/>
+            <a:ext cx="9000017" cy="5731094"/>
           </a:xfrm>
         </p:spPr>
       </p:pic>
     </p:spTree>
     <p:extLst>
       <p:ext uri="{BB962C8B-B14F-4D97-AF65-F5344CB8AC3E}">
-        <p14:creationId xmlns:p14="http://schemas.microsoft.com/office/powerpoint/2010/main" val="262687473"/>
+        <p14:creationId xmlns:p14="http://schemas.microsoft.com/office/powerpoint/2010/main" val="129045732"/>
       </p:ext>
     </p:extLst>
   </p:cSld>
@@ -3750,6 +3763,65 @@
           <p:cNvPr id="5" name="Marcador de contenido 4">
             <a:extLst>
               <a:ext uri="{FF2B5EF4-FFF2-40B4-BE49-F238E27FC236}">
+                <a16:creationId xmlns:a16="http://schemas.microsoft.com/office/drawing/2014/main" id="{30082017-61A7-AF33-3566-0D5CA7FC3514}"/>
+              </a:ext>
+            </a:extLst>
+          </p:cNvPr>
+          <p:cNvPicPr>
+            <a:picLocks noGrp="1" noChangeAspect="1"/>
+          </p:cNvPicPr>
+          <p:nvPr>
+            <p:ph idx="1"/>
+          </p:nvPr>
+        </p:nvPicPr>
+        <p:blipFill>
+          <a:blip r:embed="rId2"/>
+          <a:stretch>
+            <a:fillRect/>
+          </a:stretch>
+        </p:blipFill>
+        <p:spPr>
+          <a:xfrm>
+            <a:off x="1903117" y="759027"/>
+            <a:ext cx="8385765" cy="5339946"/>
+          </a:xfrm>
+        </p:spPr>
+      </p:pic>
+    </p:spTree>
+    <p:extLst>
+      <p:ext uri="{BB962C8B-B14F-4D97-AF65-F5344CB8AC3E}">
+        <p14:creationId xmlns:p14="http://schemas.microsoft.com/office/powerpoint/2010/main" val="262687473"/>
+      </p:ext>
+    </p:extLst>
+  </p:cSld>
+  <p:clrMapOvr>
+    <a:masterClrMapping/>
+  </p:clrMapOvr>
+</p:sld>
+</file>
+
+<file path=ppt/slides/slide12.xml><?xml version="1.0" encoding="utf-8"?>
+<p:sld xmlns:a="http://schemas.openxmlformats.org/drawingml/2006/main" xmlns:r="http://schemas.openxmlformats.org/officeDocument/2006/relationships" xmlns:p="http://schemas.openxmlformats.org/presentationml/2006/main">
+  <p:cSld>
+    <p:spTree>
+      <p:nvGrpSpPr>
+        <p:cNvPr id="1" name=""/>
+        <p:cNvGrpSpPr/>
+        <p:nvPr/>
+      </p:nvGrpSpPr>
+      <p:grpSpPr>
+        <a:xfrm>
+          <a:off x="0" y="0"/>
+          <a:ext cx="0" cy="0"/>
+          <a:chOff x="0" y="0"/>
+          <a:chExt cx="0" cy="0"/>
+        </a:xfrm>
+      </p:grpSpPr>
+      <p:pic>
+        <p:nvPicPr>
+          <p:cNvPr id="5" name="Marcador de contenido 4">
+            <a:extLst>
+              <a:ext uri="{FF2B5EF4-FFF2-40B4-BE49-F238E27FC236}">
                 <a16:creationId xmlns:a16="http://schemas.microsoft.com/office/drawing/2014/main" id="{BDB34CBC-8CC8-93A9-BE36-C41F4F873246}"/>
               </a:ext>
             </a:extLst>
@@ -3787,7 +3859,7 @@
 </p:sld>
 </file>
 
-<file path=ppt/slides/slide12.xml><?xml version="1.0" encoding="utf-8"?>
+<file path=ppt/slides/slide13.xml><?xml version="1.0" encoding="utf-8"?>
 <p:sld xmlns:a="http://schemas.openxmlformats.org/drawingml/2006/main" xmlns:r="http://schemas.openxmlformats.org/officeDocument/2006/relationships" xmlns:p="http://schemas.openxmlformats.org/presentationml/2006/main">
   <p:cSld>
     <p:spTree>
@@ -3866,7 +3938,7 @@
 </p:sld>
 </file>
 
-<file path=ppt/slides/slide13.xml><?xml version="1.0" encoding="utf-8"?>
+<file path=ppt/slides/slide14.xml><?xml version="1.0" encoding="utf-8"?>
 <p:sld xmlns:a="http://schemas.openxmlformats.org/drawingml/2006/main" xmlns:r="http://schemas.openxmlformats.org/officeDocument/2006/relationships" xmlns:p="http://schemas.openxmlformats.org/presentationml/2006/main">
   <p:cSld>
     <p:spTree>
@@ -3956,7 +4028,7 @@
 </p:sld>
 </file>
 
-<file path=ppt/slides/slide14.xml><?xml version="1.0" encoding="utf-8"?>
+<file path=ppt/slides/slide15.xml><?xml version="1.0" encoding="utf-8"?>
 <p:sld xmlns:a="http://schemas.openxmlformats.org/drawingml/2006/main" xmlns:r="http://schemas.openxmlformats.org/officeDocument/2006/relationships" xmlns:p="http://schemas.openxmlformats.org/presentationml/2006/main">
   <p:cSld>
     <p:spTree>
@@ -4015,7 +4087,7 @@
 </p:sld>
 </file>
 
-<file path=ppt/slides/slide15.xml><?xml version="1.0" encoding="utf-8"?>
+<file path=ppt/slides/slide16.xml><?xml version="1.0" encoding="utf-8"?>
 <p:sld xmlns:a="http://schemas.openxmlformats.org/drawingml/2006/main" xmlns:r="http://schemas.openxmlformats.org/officeDocument/2006/relationships" xmlns:p="http://schemas.openxmlformats.org/presentationml/2006/main">
   <p:cSld>
     <p:spTree>
@@ -4037,7 +4109,7 @@
           <p:cNvPr id="2" name="Título 1">
             <a:extLst>
               <a:ext uri="{FF2B5EF4-FFF2-40B4-BE49-F238E27FC236}">
-                <a16:creationId xmlns:a16="http://schemas.microsoft.com/office/drawing/2014/main" id="{A41A2ADE-924A-47DA-8BC0-2AA307AE7882}"/>
+                <a16:creationId xmlns:a16="http://schemas.microsoft.com/office/drawing/2014/main" id="{5F820D30-92A6-4EE9-E48C-6265CCAA4961}"/>
               </a:ext>
             </a:extLst>
           </p:cNvPr>
@@ -4045,7 +4117,7 @@
             <a:spLocks noGrp="1"/>
           </p:cNvSpPr>
           <p:nvPr>
-            <p:ph type="ctrTitle"/>
+            <p:ph type="title"/>
           </p:nvPr>
         </p:nvSpPr>
         <p:spPr/>
@@ -4061,10 +4133,423 @@
           </a:p>
         </p:txBody>
       </p:sp>
+      <p:sp>
+        <p:nvSpPr>
+          <p:cNvPr id="3" name="Marcador de contenido 2">
+            <a:extLst>
+              <a:ext uri="{FF2B5EF4-FFF2-40B4-BE49-F238E27FC236}">
+                <a16:creationId xmlns:a16="http://schemas.microsoft.com/office/drawing/2014/main" id="{F8D39707-E7CB-7646-8D5C-B9EF700B8AB2}"/>
+              </a:ext>
+            </a:extLst>
+          </p:cNvPr>
+          <p:cNvSpPr>
+            <a:spLocks noGrp="1"/>
+          </p:cNvSpPr>
+          <p:nvPr>
+            <p:ph idx="1"/>
+          </p:nvPr>
+        </p:nvSpPr>
+        <p:spPr>
+          <a:xfrm>
+            <a:off x="838200" y="1835052"/>
+            <a:ext cx="10515600" cy="4351338"/>
+          </a:xfrm>
+        </p:spPr>
+        <p:txBody>
+          <a:bodyPr/>
+          <a:lstStyle/>
+          <a:p>
+            <a:r>
+              <a:rPr lang="es-ES" dirty="0" err="1"/>
+              <a:t>Duplicates</a:t>
+            </a:r>
+            <a:r>
+              <a:rPr lang="es-ES" dirty="0"/>
+              <a:t> are </a:t>
+            </a:r>
+            <a:r>
+              <a:rPr lang="es-ES" dirty="0" err="1"/>
+              <a:t>defined</a:t>
+            </a:r>
+            <a:r>
+              <a:rPr lang="es-ES" dirty="0"/>
+              <a:t> as True </a:t>
+            </a:r>
+            <a:r>
+              <a:rPr lang="es-ES" dirty="0" err="1"/>
+              <a:t>or</a:t>
+            </a:r>
+            <a:r>
+              <a:rPr lang="es-ES" dirty="0"/>
+              <a:t> False in </a:t>
+            </a:r>
+            <a:r>
+              <a:rPr lang="es-ES" dirty="0" err="1"/>
+              <a:t>each</a:t>
+            </a:r>
+            <a:r>
+              <a:rPr lang="es-ES" dirty="0"/>
+              <a:t> ad </a:t>
+            </a:r>
+            <a:r>
+              <a:rPr lang="es-ES" dirty="0" err="1"/>
+              <a:t>that</a:t>
+            </a:r>
+            <a:r>
+              <a:rPr lang="es-ES" dirty="0"/>
+              <a:t> </a:t>
+            </a:r>
+            <a:r>
+              <a:rPr lang="es-ES" dirty="0" err="1"/>
+              <a:t>is</a:t>
+            </a:r>
+            <a:r>
+              <a:rPr lang="es-ES" dirty="0"/>
+              <a:t> </a:t>
+            </a:r>
+            <a:r>
+              <a:rPr lang="es-ES" dirty="0" err="1"/>
+              <a:t>duplicated</a:t>
+            </a:r>
+            <a:r>
+              <a:rPr lang="es-ES" dirty="0"/>
+              <a:t> </a:t>
+            </a:r>
+            <a:r>
+              <a:rPr lang="es-ES" dirty="0" err="1"/>
+              <a:t>for</a:t>
+            </a:r>
+            <a:r>
+              <a:rPr lang="es-ES" dirty="0"/>
+              <a:t> </a:t>
+            </a:r>
+            <a:r>
+              <a:rPr lang="es-ES" dirty="0" err="1"/>
+              <a:t>empresaid</a:t>
+            </a:r>
+            <a:r>
+              <a:rPr lang="es-ES" dirty="0"/>
+              <a:t> </a:t>
+            </a:r>
+            <a:r>
+              <a:rPr lang="es-ES" dirty="0" err="1"/>
+              <a:t>avisolugartrabajo</a:t>
+            </a:r>
+            <a:r>
+              <a:rPr lang="es-ES" dirty="0"/>
+              <a:t> and </a:t>
+            </a:r>
+            <a:r>
+              <a:rPr lang="es-ES" dirty="0" err="1"/>
+              <a:t>avisocuerpo</a:t>
+            </a:r>
+            <a:endParaRPr lang="es-ES" dirty="0"/>
+          </a:p>
+          <a:p>
+            <a:r>
+              <a:rPr lang="es-ES" dirty="0" err="1"/>
+              <a:t>For</a:t>
+            </a:r>
+            <a:r>
+              <a:rPr lang="es-ES" dirty="0"/>
+              <a:t> </a:t>
+            </a:r>
+            <a:r>
+              <a:rPr lang="es-ES" dirty="0" err="1"/>
+              <a:t>example</a:t>
+            </a:r>
+            <a:r>
+              <a:rPr lang="es-ES" dirty="0"/>
+              <a:t> </a:t>
+            </a:r>
+            <a:r>
+              <a:rPr lang="es-ES" dirty="0" err="1"/>
+              <a:t>avisocargo</a:t>
+            </a:r>
+            <a:r>
+              <a:rPr lang="es-ES" dirty="0"/>
+              <a:t> </a:t>
+            </a:r>
+            <a:r>
+              <a:rPr lang="es-ES" dirty="0" err="1"/>
+              <a:t>duplicates</a:t>
+            </a:r>
+            <a:r>
+              <a:rPr lang="es-ES" dirty="0"/>
+              <a:t> </a:t>
+            </a:r>
+            <a:r>
+              <a:rPr lang="es-ES" dirty="0" err="1"/>
+              <a:t>will</a:t>
+            </a:r>
+            <a:r>
+              <a:rPr lang="es-ES" dirty="0"/>
+              <a:t> be </a:t>
+            </a:r>
+            <a:r>
+              <a:rPr lang="es-ES" dirty="0" err="1"/>
+              <a:t>the</a:t>
+            </a:r>
+            <a:r>
+              <a:rPr lang="es-ES" dirty="0"/>
+              <a:t> </a:t>
+            </a:r>
+            <a:r>
+              <a:rPr lang="es-ES" dirty="0" err="1"/>
+              <a:t>ads</a:t>
+            </a:r>
+            <a:r>
+              <a:rPr lang="es-ES" dirty="0"/>
+              <a:t> </a:t>
+            </a:r>
+            <a:r>
+              <a:rPr lang="es-ES" dirty="0" err="1"/>
+              <a:t>whit</a:t>
+            </a:r>
+            <a:r>
+              <a:rPr lang="es-ES" dirty="0"/>
+              <a:t> </a:t>
+            </a:r>
+            <a:r>
+              <a:rPr lang="es-ES" dirty="0" err="1"/>
+              <a:t>the</a:t>
+            </a:r>
+            <a:r>
+              <a:rPr lang="es-ES" dirty="0"/>
+              <a:t> </a:t>
+            </a:r>
+            <a:r>
+              <a:rPr lang="es-ES" dirty="0" err="1"/>
+              <a:t>same</a:t>
+            </a:r>
+            <a:r>
+              <a:rPr lang="es-ES" dirty="0"/>
+              <a:t> </a:t>
+            </a:r>
+            <a:r>
+              <a:rPr lang="es-ES" dirty="0" err="1"/>
+              <a:t>empresaid</a:t>
+            </a:r>
+            <a:r>
+              <a:rPr lang="es-ES" dirty="0"/>
+              <a:t>, </a:t>
+            </a:r>
+            <a:r>
+              <a:rPr lang="es-ES" dirty="0" err="1"/>
+              <a:t>avisolugartrabajo</a:t>
+            </a:r>
+            <a:r>
+              <a:rPr lang="es-ES" dirty="0"/>
+              <a:t>, </a:t>
+            </a:r>
+            <a:r>
+              <a:rPr lang="es-ES" dirty="0" err="1"/>
+              <a:t>avisocuerpo</a:t>
+            </a:r>
+            <a:r>
+              <a:rPr lang="es-ES" dirty="0"/>
+              <a:t> and </a:t>
+            </a:r>
+            <a:r>
+              <a:rPr lang="es-ES" dirty="0" err="1"/>
+              <a:t>avisocargo</a:t>
+            </a:r>
+            <a:endParaRPr lang="es-ES" dirty="0"/>
+          </a:p>
+          <a:p>
+            <a:r>
+              <a:rPr lang="es-ES" dirty="0" err="1"/>
+              <a:t>Sueldoestimado</a:t>
+            </a:r>
+            <a:r>
+              <a:rPr lang="es-ES" dirty="0"/>
+              <a:t> </a:t>
+            </a:r>
+            <a:r>
+              <a:rPr lang="es-ES" dirty="0" err="1"/>
+              <a:t>duplicates</a:t>
+            </a:r>
+            <a:r>
+              <a:rPr lang="es-ES" dirty="0"/>
+              <a:t> </a:t>
+            </a:r>
+            <a:r>
+              <a:rPr lang="es-ES" dirty="0" err="1"/>
+              <a:t>will</a:t>
+            </a:r>
+            <a:r>
+              <a:rPr lang="es-ES" dirty="0"/>
+              <a:t> be </a:t>
+            </a:r>
+            <a:r>
+              <a:rPr lang="es-ES" dirty="0" err="1"/>
+              <a:t>the</a:t>
+            </a:r>
+            <a:r>
+              <a:rPr lang="es-ES" dirty="0"/>
+              <a:t> </a:t>
+            </a:r>
+            <a:r>
+              <a:rPr lang="es-ES" dirty="0" err="1"/>
+              <a:t>ads</a:t>
+            </a:r>
+            <a:r>
+              <a:rPr lang="es-ES" dirty="0"/>
+              <a:t> </a:t>
+            </a:r>
+            <a:r>
+              <a:rPr lang="es-ES" dirty="0" err="1"/>
+              <a:t>whit</a:t>
+            </a:r>
+            <a:r>
+              <a:rPr lang="es-ES" dirty="0"/>
+              <a:t> </a:t>
+            </a:r>
+            <a:r>
+              <a:rPr lang="es-ES" dirty="0" err="1"/>
+              <a:t>the</a:t>
+            </a:r>
+            <a:r>
+              <a:rPr lang="es-ES" dirty="0"/>
+              <a:t> </a:t>
+            </a:r>
+            <a:r>
+              <a:rPr lang="es-ES" dirty="0" err="1"/>
+              <a:t>same</a:t>
+            </a:r>
+            <a:r>
+              <a:rPr lang="es-ES" dirty="0"/>
+              <a:t> </a:t>
+            </a:r>
+            <a:r>
+              <a:rPr lang="es-ES" dirty="0" err="1"/>
+              <a:t>empresaid</a:t>
+            </a:r>
+            <a:r>
+              <a:rPr lang="es-ES" dirty="0"/>
+              <a:t>, </a:t>
+            </a:r>
+            <a:r>
+              <a:rPr lang="es-ES" dirty="0" err="1"/>
+              <a:t>avisolugartrabajo</a:t>
+            </a:r>
+            <a:r>
+              <a:rPr lang="es-ES" dirty="0"/>
+              <a:t>, </a:t>
+            </a:r>
+            <a:r>
+              <a:rPr lang="es-ES" dirty="0" err="1"/>
+              <a:t>avisocuerpo</a:t>
+            </a:r>
+            <a:r>
+              <a:rPr lang="es-ES" dirty="0"/>
+              <a:t> and </a:t>
+            </a:r>
+            <a:r>
+              <a:rPr lang="es-ES" dirty="0" err="1"/>
+              <a:t>sueldoestimado</a:t>
+            </a:r>
+            <a:endParaRPr lang="es-ES" dirty="0"/>
+          </a:p>
+          <a:p>
+            <a:r>
+              <a:rPr lang="es-ES" dirty="0" err="1"/>
+              <a:t>Avisocuerpo</a:t>
+            </a:r>
+            <a:r>
+              <a:rPr lang="es-ES" dirty="0"/>
+              <a:t> </a:t>
+            </a:r>
+            <a:r>
+              <a:rPr lang="es-ES" dirty="0" err="1"/>
+              <a:t>duplicates</a:t>
+            </a:r>
+            <a:r>
+              <a:rPr lang="es-ES" dirty="0"/>
+              <a:t> </a:t>
+            </a:r>
+            <a:r>
+              <a:rPr lang="es-ES" dirty="0" err="1"/>
+              <a:t>will</a:t>
+            </a:r>
+            <a:r>
+              <a:rPr lang="es-ES" dirty="0"/>
+              <a:t> be </a:t>
+            </a:r>
+            <a:r>
+              <a:rPr lang="es-ES" dirty="0" err="1"/>
+              <a:t>the</a:t>
+            </a:r>
+            <a:r>
+              <a:rPr lang="es-ES" dirty="0"/>
+              <a:t> </a:t>
+            </a:r>
+            <a:r>
+              <a:rPr lang="es-ES" dirty="0" err="1"/>
+              <a:t>ads</a:t>
+            </a:r>
+            <a:r>
+              <a:rPr lang="es-ES" dirty="0"/>
+              <a:t> </a:t>
+            </a:r>
+            <a:r>
+              <a:rPr lang="es-ES" dirty="0" err="1"/>
+              <a:t>whit</a:t>
+            </a:r>
+            <a:r>
+              <a:rPr lang="es-ES" dirty="0"/>
+              <a:t> </a:t>
+            </a:r>
+            <a:r>
+              <a:rPr lang="es-ES" dirty="0" err="1"/>
+              <a:t>the</a:t>
+            </a:r>
+            <a:r>
+              <a:rPr lang="es-ES" dirty="0"/>
+              <a:t> </a:t>
+            </a:r>
+            <a:r>
+              <a:rPr lang="es-ES" dirty="0" err="1"/>
+              <a:t>same</a:t>
+            </a:r>
+            <a:r>
+              <a:rPr lang="es-ES" dirty="0"/>
+              <a:t> </a:t>
+            </a:r>
+            <a:r>
+              <a:rPr lang="es-ES" dirty="0" err="1"/>
+              <a:t>empresaid</a:t>
+            </a:r>
+            <a:r>
+              <a:rPr lang="es-ES" dirty="0"/>
+              <a:t>, </a:t>
+            </a:r>
+            <a:r>
+              <a:rPr lang="es-ES" dirty="0" err="1"/>
+              <a:t>avisolugartrabajo</a:t>
+            </a:r>
+            <a:r>
+              <a:rPr lang="es-ES" dirty="0"/>
+              <a:t> and </a:t>
+            </a:r>
+            <a:r>
+              <a:rPr lang="es-ES" dirty="0" err="1"/>
+              <a:t>avisocuerpo</a:t>
+            </a:r>
+            <a:endParaRPr lang="es-AR" dirty="0"/>
+          </a:p>
+          <a:p>
+            <a:endParaRPr lang="es-AR" dirty="0"/>
+          </a:p>
+          <a:p>
+            <a:endParaRPr lang="es-AR" dirty="0"/>
+          </a:p>
+        </p:txBody>
+      </p:sp>
     </p:spTree>
     <p:extLst>
       <p:ext uri="{BB962C8B-B14F-4D97-AF65-F5344CB8AC3E}">
-        <p14:creationId xmlns:p14="http://schemas.microsoft.com/office/powerpoint/2010/main" val="468238587"/>
+        <p14:creationId xmlns:p14="http://schemas.microsoft.com/office/powerpoint/2010/main" val="4048777504"/>
       </p:ext>
     </p:extLst>
   </p:cSld>
@@ -4074,7 +4559,7 @@
 </p:sld>
 </file>
 
-<file path=ppt/slides/slide16.xml><?xml version="1.0" encoding="utf-8"?>
+<file path=ppt/slides/slide17.xml><?xml version="1.0" encoding="utf-8"?>
 <p:sld xmlns:a="http://schemas.openxmlformats.org/drawingml/2006/main" xmlns:r="http://schemas.openxmlformats.org/officeDocument/2006/relationships" xmlns:p="http://schemas.openxmlformats.org/presentationml/2006/main">
   <p:cSld>
     <p:spTree>
@@ -4091,12 +4576,234 @@
           <a:chExt cx="0" cy="0"/>
         </a:xfrm>
       </p:grpSpPr>
+      <p:sp>
+        <p:nvSpPr>
+          <p:cNvPr id="2" name="Título 1">
+            <a:extLst>
+              <a:ext uri="{FF2B5EF4-FFF2-40B4-BE49-F238E27FC236}">
+                <a16:creationId xmlns:a16="http://schemas.microsoft.com/office/drawing/2014/main" id="{7FE99A10-12C9-0644-1339-4382C143A45A}"/>
+              </a:ext>
+            </a:extLst>
+          </p:cNvPr>
+          <p:cNvSpPr>
+            <a:spLocks noGrp="1"/>
+          </p:cNvSpPr>
+          <p:nvPr>
+            <p:ph type="ctrTitle"/>
+          </p:nvPr>
+        </p:nvSpPr>
+        <p:spPr/>
+        <p:txBody>
+          <a:bodyPr/>
+          <a:lstStyle/>
+          <a:p>
+            <a:r>
+              <a:rPr lang="es-ES" dirty="0" err="1"/>
+              <a:t>Avisocuerpo</a:t>
+            </a:r>
+            <a:endParaRPr lang="es-AR" dirty="0"/>
+          </a:p>
+        </p:txBody>
+      </p:sp>
+    </p:spTree>
+    <p:extLst>
+      <p:ext uri="{BB962C8B-B14F-4D97-AF65-F5344CB8AC3E}">
+        <p14:creationId xmlns:p14="http://schemas.microsoft.com/office/powerpoint/2010/main" val="2854416798"/>
+      </p:ext>
+    </p:extLst>
+  </p:cSld>
+  <p:clrMapOvr>
+    <a:masterClrMapping/>
+  </p:clrMapOvr>
+</p:sld>
+</file>
+
+<file path=ppt/slides/slide18.xml><?xml version="1.0" encoding="utf-8"?>
+<p:sld xmlns:a="http://schemas.openxmlformats.org/drawingml/2006/main" xmlns:r="http://schemas.openxmlformats.org/officeDocument/2006/relationships" xmlns:p="http://schemas.openxmlformats.org/presentationml/2006/main">
+  <p:cSld>
+    <p:bg>
+      <p:bgPr>
+        <a:solidFill>
+          <a:schemeClr val="bg1"/>
+        </a:solidFill>
+        <a:effectLst/>
+      </p:bgPr>
+    </p:bg>
+    <p:spTree>
+      <p:nvGrpSpPr>
+        <p:cNvPr id="1" name=""/>
+        <p:cNvGrpSpPr/>
+        <p:nvPr/>
+      </p:nvGrpSpPr>
+      <p:grpSpPr>
+        <a:xfrm>
+          <a:off x="0" y="0"/>
+          <a:ext cx="0" cy="0"/>
+          <a:chOff x="0" y="0"/>
+          <a:chExt cx="0" cy="0"/>
+        </a:xfrm>
+      </p:grpSpPr>
+      <p:sp>
+        <p:nvSpPr>
+          <p:cNvPr id="8" name="Rectangle 7">
+            <a:extLst>
+              <a:ext uri="{FF2B5EF4-FFF2-40B4-BE49-F238E27FC236}">
+                <a16:creationId xmlns:a16="http://schemas.microsoft.com/office/drawing/2014/main" id="{42A4FC2C-047E-45A5-965D-8E1E3BF09BC6}"/>
+              </a:ext>
+              <a:ext uri="{C183D7F6-B498-43B3-948B-1728B52AA6E4}">
+                <adec:decorative xmlns:adec="http://schemas.microsoft.com/office/drawing/2017/decorative" val="1"/>
+              </a:ext>
+            </a:extLst>
+          </p:cNvPr>
+          <p:cNvSpPr>
+            <a:spLocks noGrp="1" noRot="1" noChangeAspect="1" noMove="1" noResize="1" noEditPoints="1" noAdjustHandles="1" noChangeArrowheads="1" noChangeShapeType="1" noTextEdit="1"/>
+          </p:cNvSpPr>
+          <p:nvPr>
+            <p:extLst>
+              <p:ext uri="{386F3935-93C4-4BCD-93E2-E3B085C9AB24}">
+                <p16:designElem xmlns:p16="http://schemas.microsoft.com/office/powerpoint/2015/main" val="1"/>
+              </p:ext>
+            </p:extLst>
+          </p:nvPr>
+        </p:nvSpPr>
+        <p:spPr bwMode="white">
+          <a:xfrm>
+            <a:off x="1524" y="0"/>
+            <a:ext cx="12188952" cy="6858000"/>
+          </a:xfrm>
+          <a:prstGeom prst="rect">
+            <a:avLst/>
+          </a:prstGeom>
+          <a:noFill/>
+          <a:ln>
+            <a:noFill/>
+          </a:ln>
+        </p:spPr>
+        <p:style>
+          <a:lnRef idx="2">
+            <a:schemeClr val="accent1">
+              <a:shade val="50000"/>
+            </a:schemeClr>
+          </a:lnRef>
+          <a:fillRef idx="1">
+            <a:schemeClr val="accent1"/>
+          </a:fillRef>
+          <a:effectRef idx="0">
+            <a:schemeClr val="accent1"/>
+          </a:effectRef>
+          <a:fontRef idx="minor">
+            <a:schemeClr val="lt1"/>
+          </a:fontRef>
+        </p:style>
+        <p:txBody>
+          <a:bodyPr rtlCol="0" anchor="ctr"/>
+          <a:lstStyle>
+            <a:defPPr>
+              <a:defRPr lang="en-US"/>
+            </a:defPPr>
+            <a:lvl1pPr marL="0" algn="l" defTabSz="914400" rtl="0" eaLnBrk="1" latinLnBrk="0" hangingPunct="1">
+              <a:defRPr sz="1800" kern="1200">
+                <a:solidFill>
+                  <a:schemeClr val="lt1"/>
+                </a:solidFill>
+                <a:latin typeface="+mn-lt"/>
+                <a:ea typeface="+mn-ea"/>
+                <a:cs typeface="+mn-cs"/>
+              </a:defRPr>
+            </a:lvl1pPr>
+            <a:lvl2pPr marL="457200" algn="l" defTabSz="914400" rtl="0" eaLnBrk="1" latinLnBrk="0" hangingPunct="1">
+              <a:defRPr sz="1800" kern="1200">
+                <a:solidFill>
+                  <a:schemeClr val="lt1"/>
+                </a:solidFill>
+                <a:latin typeface="+mn-lt"/>
+                <a:ea typeface="+mn-ea"/>
+                <a:cs typeface="+mn-cs"/>
+              </a:defRPr>
+            </a:lvl2pPr>
+            <a:lvl3pPr marL="914400" algn="l" defTabSz="914400" rtl="0" eaLnBrk="1" latinLnBrk="0" hangingPunct="1">
+              <a:defRPr sz="1800" kern="1200">
+                <a:solidFill>
+                  <a:schemeClr val="lt1"/>
+                </a:solidFill>
+                <a:latin typeface="+mn-lt"/>
+                <a:ea typeface="+mn-ea"/>
+                <a:cs typeface="+mn-cs"/>
+              </a:defRPr>
+            </a:lvl3pPr>
+            <a:lvl4pPr marL="1371600" algn="l" defTabSz="914400" rtl="0" eaLnBrk="1" latinLnBrk="0" hangingPunct="1">
+              <a:defRPr sz="1800" kern="1200">
+                <a:solidFill>
+                  <a:schemeClr val="lt1"/>
+                </a:solidFill>
+                <a:latin typeface="+mn-lt"/>
+                <a:ea typeface="+mn-ea"/>
+                <a:cs typeface="+mn-cs"/>
+              </a:defRPr>
+            </a:lvl4pPr>
+            <a:lvl5pPr marL="1828800" algn="l" defTabSz="914400" rtl="0" eaLnBrk="1" latinLnBrk="0" hangingPunct="1">
+              <a:defRPr sz="1800" kern="1200">
+                <a:solidFill>
+                  <a:schemeClr val="lt1"/>
+                </a:solidFill>
+                <a:latin typeface="+mn-lt"/>
+                <a:ea typeface="+mn-ea"/>
+                <a:cs typeface="+mn-cs"/>
+              </a:defRPr>
+            </a:lvl5pPr>
+            <a:lvl6pPr marL="2286000" algn="l" defTabSz="914400" rtl="0" eaLnBrk="1" latinLnBrk="0" hangingPunct="1">
+              <a:defRPr sz="1800" kern="1200">
+                <a:solidFill>
+                  <a:schemeClr val="lt1"/>
+                </a:solidFill>
+                <a:latin typeface="+mn-lt"/>
+                <a:ea typeface="+mn-ea"/>
+                <a:cs typeface="+mn-cs"/>
+              </a:defRPr>
+            </a:lvl6pPr>
+            <a:lvl7pPr marL="2743200" algn="l" defTabSz="914400" rtl="0" eaLnBrk="1" latinLnBrk="0" hangingPunct="1">
+              <a:defRPr sz="1800" kern="1200">
+                <a:solidFill>
+                  <a:schemeClr val="lt1"/>
+                </a:solidFill>
+                <a:latin typeface="+mn-lt"/>
+                <a:ea typeface="+mn-ea"/>
+                <a:cs typeface="+mn-cs"/>
+              </a:defRPr>
+            </a:lvl7pPr>
+            <a:lvl8pPr marL="3200400" algn="l" defTabSz="914400" rtl="0" eaLnBrk="1" latinLnBrk="0" hangingPunct="1">
+              <a:defRPr sz="1800" kern="1200">
+                <a:solidFill>
+                  <a:schemeClr val="lt1"/>
+                </a:solidFill>
+                <a:latin typeface="+mn-lt"/>
+                <a:ea typeface="+mn-ea"/>
+                <a:cs typeface="+mn-cs"/>
+              </a:defRPr>
+            </a:lvl8pPr>
+            <a:lvl9pPr marL="3657600" algn="l" defTabSz="914400" rtl="0" eaLnBrk="1" latinLnBrk="0" hangingPunct="1">
+              <a:defRPr sz="1800" kern="1200">
+                <a:solidFill>
+                  <a:schemeClr val="lt1"/>
+                </a:solidFill>
+                <a:latin typeface="+mn-lt"/>
+                <a:ea typeface="+mn-ea"/>
+                <a:cs typeface="+mn-cs"/>
+              </a:defRPr>
+            </a:lvl9pPr>
+          </a:lstStyle>
+          <a:p>
+            <a:pPr algn="ctr"/>
+            <a:endParaRPr lang="en-US"/>
+          </a:p>
+        </p:txBody>
+      </p:sp>
       <p:pic>
         <p:nvPicPr>
-          <p:cNvPr id="6" name="Imagen 5">
-            <a:extLst>
-              <a:ext uri="{FF2B5EF4-FFF2-40B4-BE49-F238E27FC236}">
-                <a16:creationId xmlns:a16="http://schemas.microsoft.com/office/drawing/2014/main" id="{16C4A259-083C-3644-E31B-22B1ECAB1DAA}"/>
+          <p:cNvPr id="3" name="Imagen 2">
+            <a:extLst>
+              <a:ext uri="{FF2B5EF4-FFF2-40B4-BE49-F238E27FC236}">
+                <a16:creationId xmlns:a16="http://schemas.microsoft.com/office/drawing/2014/main" id="{600503D9-6EAE-DE38-04D6-C532A994F951}"/>
               </a:ext>
             </a:extLst>
           </p:cNvPr>
@@ -4105,16 +4812,15 @@
           </p:cNvPicPr>
           <p:nvPr/>
         </p:nvPicPr>
-        <p:blipFill>
+        <p:blipFill rotWithShape="1">
           <a:blip r:embed="rId2"/>
-          <a:stretch>
-            <a:fillRect/>
-          </a:stretch>
+          <a:srcRect t="461"/>
+          <a:stretch/>
         </p:blipFill>
         <p:spPr>
           <a:xfrm>
-            <a:off x="1285875" y="823912"/>
-            <a:ext cx="9620250" cy="5210175"/>
+            <a:off x="20" y="1282"/>
+            <a:ext cx="12191980" cy="6856718"/>
           </a:xfrm>
           <a:prstGeom prst="rect">
             <a:avLst/>
@@ -4125,6 +4831,230 @@
     <p:extLst>
       <p:ext uri="{BB962C8B-B14F-4D97-AF65-F5344CB8AC3E}">
         <p14:creationId xmlns:p14="http://schemas.microsoft.com/office/powerpoint/2010/main" val="3159775167"/>
+      </p:ext>
+    </p:extLst>
+  </p:cSld>
+  <p:clrMapOvr>
+    <a:masterClrMapping/>
+  </p:clrMapOvr>
+</p:sld>
+</file>
+
+<file path=ppt/slides/slide19.xml><?xml version="1.0" encoding="utf-8"?>
+<p:sld xmlns:a="http://schemas.openxmlformats.org/drawingml/2006/main" xmlns:r="http://schemas.openxmlformats.org/officeDocument/2006/relationships" xmlns:p="http://schemas.openxmlformats.org/presentationml/2006/main">
+  <p:cSld>
+    <p:bg>
+      <p:bgPr>
+        <a:solidFill>
+          <a:schemeClr val="bg1"/>
+        </a:solidFill>
+        <a:effectLst/>
+      </p:bgPr>
+    </p:bg>
+    <p:spTree>
+      <p:nvGrpSpPr>
+        <p:cNvPr id="1" name=""/>
+        <p:cNvGrpSpPr/>
+        <p:nvPr/>
+      </p:nvGrpSpPr>
+      <p:grpSpPr>
+        <a:xfrm>
+          <a:off x="0" y="0"/>
+          <a:ext cx="0" cy="0"/>
+          <a:chOff x="0" y="0"/>
+          <a:chExt cx="0" cy="0"/>
+        </a:xfrm>
+      </p:grpSpPr>
+      <p:sp>
+        <p:nvSpPr>
+          <p:cNvPr id="10" name="Rectangle 9">
+            <a:extLst>
+              <a:ext uri="{FF2B5EF4-FFF2-40B4-BE49-F238E27FC236}">
+                <a16:creationId xmlns:a16="http://schemas.microsoft.com/office/drawing/2014/main" id="{42A4FC2C-047E-45A5-965D-8E1E3BF09BC6}"/>
+              </a:ext>
+              <a:ext uri="{C183D7F6-B498-43B3-948B-1728B52AA6E4}">
+                <adec:decorative xmlns:adec="http://schemas.microsoft.com/office/drawing/2017/decorative" val="1"/>
+              </a:ext>
+            </a:extLst>
+          </p:cNvPr>
+          <p:cNvSpPr>
+            <a:spLocks noGrp="1" noRot="1" noChangeAspect="1" noMove="1" noResize="1" noEditPoints="1" noAdjustHandles="1" noChangeArrowheads="1" noChangeShapeType="1" noTextEdit="1"/>
+          </p:cNvSpPr>
+          <p:nvPr>
+            <p:extLst>
+              <p:ext uri="{386F3935-93C4-4BCD-93E2-E3B085C9AB24}">
+                <p16:designElem xmlns:p16="http://schemas.microsoft.com/office/powerpoint/2015/main" val="1"/>
+              </p:ext>
+            </p:extLst>
+          </p:nvPr>
+        </p:nvSpPr>
+        <p:spPr bwMode="white">
+          <a:xfrm>
+            <a:off x="1524" y="0"/>
+            <a:ext cx="12188952" cy="6858000"/>
+          </a:xfrm>
+          <a:prstGeom prst="rect">
+            <a:avLst/>
+          </a:prstGeom>
+          <a:noFill/>
+          <a:ln>
+            <a:noFill/>
+          </a:ln>
+        </p:spPr>
+        <p:style>
+          <a:lnRef idx="2">
+            <a:schemeClr val="accent1">
+              <a:shade val="50000"/>
+            </a:schemeClr>
+          </a:lnRef>
+          <a:fillRef idx="1">
+            <a:schemeClr val="accent1"/>
+          </a:fillRef>
+          <a:effectRef idx="0">
+            <a:schemeClr val="accent1"/>
+          </a:effectRef>
+          <a:fontRef idx="minor">
+            <a:schemeClr val="lt1"/>
+          </a:fontRef>
+        </p:style>
+        <p:txBody>
+          <a:bodyPr rtlCol="0" anchor="ctr"/>
+          <a:lstStyle>
+            <a:defPPr>
+              <a:defRPr lang="en-US"/>
+            </a:defPPr>
+            <a:lvl1pPr marL="0" algn="l" defTabSz="914400" rtl="0" eaLnBrk="1" latinLnBrk="0" hangingPunct="1">
+              <a:defRPr sz="1800" kern="1200">
+                <a:solidFill>
+                  <a:schemeClr val="lt1"/>
+                </a:solidFill>
+                <a:latin typeface="+mn-lt"/>
+                <a:ea typeface="+mn-ea"/>
+                <a:cs typeface="+mn-cs"/>
+              </a:defRPr>
+            </a:lvl1pPr>
+            <a:lvl2pPr marL="457200" algn="l" defTabSz="914400" rtl="0" eaLnBrk="1" latinLnBrk="0" hangingPunct="1">
+              <a:defRPr sz="1800" kern="1200">
+                <a:solidFill>
+                  <a:schemeClr val="lt1"/>
+                </a:solidFill>
+                <a:latin typeface="+mn-lt"/>
+                <a:ea typeface="+mn-ea"/>
+                <a:cs typeface="+mn-cs"/>
+              </a:defRPr>
+            </a:lvl2pPr>
+            <a:lvl3pPr marL="914400" algn="l" defTabSz="914400" rtl="0" eaLnBrk="1" latinLnBrk="0" hangingPunct="1">
+              <a:defRPr sz="1800" kern="1200">
+                <a:solidFill>
+                  <a:schemeClr val="lt1"/>
+                </a:solidFill>
+                <a:latin typeface="+mn-lt"/>
+                <a:ea typeface="+mn-ea"/>
+                <a:cs typeface="+mn-cs"/>
+              </a:defRPr>
+            </a:lvl3pPr>
+            <a:lvl4pPr marL="1371600" algn="l" defTabSz="914400" rtl="0" eaLnBrk="1" latinLnBrk="0" hangingPunct="1">
+              <a:defRPr sz="1800" kern="1200">
+                <a:solidFill>
+                  <a:schemeClr val="lt1"/>
+                </a:solidFill>
+                <a:latin typeface="+mn-lt"/>
+                <a:ea typeface="+mn-ea"/>
+                <a:cs typeface="+mn-cs"/>
+              </a:defRPr>
+            </a:lvl4pPr>
+            <a:lvl5pPr marL="1828800" algn="l" defTabSz="914400" rtl="0" eaLnBrk="1" latinLnBrk="0" hangingPunct="1">
+              <a:defRPr sz="1800" kern="1200">
+                <a:solidFill>
+                  <a:schemeClr val="lt1"/>
+                </a:solidFill>
+                <a:latin typeface="+mn-lt"/>
+                <a:ea typeface="+mn-ea"/>
+                <a:cs typeface="+mn-cs"/>
+              </a:defRPr>
+            </a:lvl5pPr>
+            <a:lvl6pPr marL="2286000" algn="l" defTabSz="914400" rtl="0" eaLnBrk="1" latinLnBrk="0" hangingPunct="1">
+              <a:defRPr sz="1800" kern="1200">
+                <a:solidFill>
+                  <a:schemeClr val="lt1"/>
+                </a:solidFill>
+                <a:latin typeface="+mn-lt"/>
+                <a:ea typeface="+mn-ea"/>
+                <a:cs typeface="+mn-cs"/>
+              </a:defRPr>
+            </a:lvl6pPr>
+            <a:lvl7pPr marL="2743200" algn="l" defTabSz="914400" rtl="0" eaLnBrk="1" latinLnBrk="0" hangingPunct="1">
+              <a:defRPr sz="1800" kern="1200">
+                <a:solidFill>
+                  <a:schemeClr val="lt1"/>
+                </a:solidFill>
+                <a:latin typeface="+mn-lt"/>
+                <a:ea typeface="+mn-ea"/>
+                <a:cs typeface="+mn-cs"/>
+              </a:defRPr>
+            </a:lvl7pPr>
+            <a:lvl8pPr marL="3200400" algn="l" defTabSz="914400" rtl="0" eaLnBrk="1" latinLnBrk="0" hangingPunct="1">
+              <a:defRPr sz="1800" kern="1200">
+                <a:solidFill>
+                  <a:schemeClr val="lt1"/>
+                </a:solidFill>
+                <a:latin typeface="+mn-lt"/>
+                <a:ea typeface="+mn-ea"/>
+                <a:cs typeface="+mn-cs"/>
+              </a:defRPr>
+            </a:lvl8pPr>
+            <a:lvl9pPr marL="3657600" algn="l" defTabSz="914400" rtl="0" eaLnBrk="1" latinLnBrk="0" hangingPunct="1">
+              <a:defRPr sz="1800" kern="1200">
+                <a:solidFill>
+                  <a:schemeClr val="lt1"/>
+                </a:solidFill>
+                <a:latin typeface="+mn-lt"/>
+                <a:ea typeface="+mn-ea"/>
+                <a:cs typeface="+mn-cs"/>
+              </a:defRPr>
+            </a:lvl9pPr>
+          </a:lstStyle>
+          <a:p>
+            <a:pPr algn="ctr"/>
+            <a:endParaRPr lang="en-US"/>
+          </a:p>
+        </p:txBody>
+      </p:sp>
+      <p:pic>
+        <p:nvPicPr>
+          <p:cNvPr id="5" name="Marcador de contenido 4">
+            <a:extLst>
+              <a:ext uri="{FF2B5EF4-FFF2-40B4-BE49-F238E27FC236}">
+                <a16:creationId xmlns:a16="http://schemas.microsoft.com/office/drawing/2014/main" id="{5C5A9BD4-ADBF-6C43-82B2-C882D0E48A40}"/>
+              </a:ext>
+            </a:extLst>
+          </p:cNvPr>
+          <p:cNvPicPr>
+            <a:picLocks noGrp="1" noChangeAspect="1"/>
+          </p:cNvPicPr>
+          <p:nvPr>
+            <p:ph idx="1"/>
+          </p:nvPr>
+        </p:nvPicPr>
+        <p:blipFill rotWithShape="1">
+          <a:blip r:embed="rId2"/>
+          <a:srcRect t="899"/>
+          <a:stretch/>
+        </p:blipFill>
+        <p:spPr>
+          <a:xfrm>
+            <a:off x="20" y="1282"/>
+            <a:ext cx="12191980" cy="6856718"/>
+          </a:xfrm>
+          <a:prstGeom prst="rect">
+            <a:avLst/>
+          </a:prstGeom>
+        </p:spPr>
+      </p:pic>
+    </p:spTree>
+    <p:extLst>
+      <p:ext uri="{BB962C8B-B14F-4D97-AF65-F5344CB8AC3E}">
+        <p14:creationId xmlns:p14="http://schemas.microsoft.com/office/powerpoint/2010/main" val="559651606"/>
       </p:ext>
     </p:extLst>
   </p:cSld>
@@ -5300,6 +6230,1745 @@
 </p:sld>
 </file>
 
+<file path=ppt/slides/slide20.xml><?xml version="1.0" encoding="utf-8"?>
+<p:sld xmlns:a="http://schemas.openxmlformats.org/drawingml/2006/main" xmlns:r="http://schemas.openxmlformats.org/officeDocument/2006/relationships" xmlns:p="http://schemas.openxmlformats.org/presentationml/2006/main">
+  <p:cSld>
+    <p:spTree>
+      <p:nvGrpSpPr>
+        <p:cNvPr id="1" name=""/>
+        <p:cNvGrpSpPr/>
+        <p:nvPr/>
+      </p:nvGrpSpPr>
+      <p:grpSpPr>
+        <a:xfrm>
+          <a:off x="0" y="0"/>
+          <a:ext cx="0" cy="0"/>
+          <a:chOff x="0" y="0"/>
+          <a:chExt cx="0" cy="0"/>
+        </a:xfrm>
+      </p:grpSpPr>
+      <p:sp>
+        <p:nvSpPr>
+          <p:cNvPr id="2" name="Título 1">
+            <a:extLst>
+              <a:ext uri="{FF2B5EF4-FFF2-40B4-BE49-F238E27FC236}">
+                <a16:creationId xmlns:a16="http://schemas.microsoft.com/office/drawing/2014/main" id="{188471AD-64D6-2BAC-EB0D-059984691F17}"/>
+              </a:ext>
+            </a:extLst>
+          </p:cNvPr>
+          <p:cNvSpPr>
+            <a:spLocks noGrp="1"/>
+          </p:cNvSpPr>
+          <p:nvPr>
+            <p:ph type="ctrTitle"/>
+          </p:nvPr>
+        </p:nvSpPr>
+        <p:spPr/>
+        <p:txBody>
+          <a:bodyPr/>
+          <a:lstStyle/>
+          <a:p>
+            <a:r>
+              <a:rPr lang="es-ES" dirty="0" err="1"/>
+              <a:t>Avisocargo</a:t>
+            </a:r>
+            <a:endParaRPr lang="es-AR" dirty="0"/>
+          </a:p>
+        </p:txBody>
+      </p:sp>
+    </p:spTree>
+    <p:extLst>
+      <p:ext uri="{BB962C8B-B14F-4D97-AF65-F5344CB8AC3E}">
+        <p14:creationId xmlns:p14="http://schemas.microsoft.com/office/powerpoint/2010/main" val="2522972135"/>
+      </p:ext>
+    </p:extLst>
+  </p:cSld>
+  <p:clrMapOvr>
+    <a:masterClrMapping/>
+  </p:clrMapOvr>
+</p:sld>
+</file>
+
+<file path=ppt/slides/slide21.xml><?xml version="1.0" encoding="utf-8"?>
+<p:sld xmlns:a="http://schemas.openxmlformats.org/drawingml/2006/main" xmlns:r="http://schemas.openxmlformats.org/officeDocument/2006/relationships" xmlns:p="http://schemas.openxmlformats.org/presentationml/2006/main">
+  <p:cSld>
+    <p:bg>
+      <p:bgPr>
+        <a:solidFill>
+          <a:schemeClr val="bg1"/>
+        </a:solidFill>
+        <a:effectLst/>
+      </p:bgPr>
+    </p:bg>
+    <p:spTree>
+      <p:nvGrpSpPr>
+        <p:cNvPr id="1" name=""/>
+        <p:cNvGrpSpPr/>
+        <p:nvPr/>
+      </p:nvGrpSpPr>
+      <p:grpSpPr>
+        <a:xfrm>
+          <a:off x="0" y="0"/>
+          <a:ext cx="0" cy="0"/>
+          <a:chOff x="0" y="0"/>
+          <a:chExt cx="0" cy="0"/>
+        </a:xfrm>
+      </p:grpSpPr>
+      <p:sp>
+        <p:nvSpPr>
+          <p:cNvPr id="8" name="Rectangle 7">
+            <a:extLst>
+              <a:ext uri="{FF2B5EF4-FFF2-40B4-BE49-F238E27FC236}">
+                <a16:creationId xmlns:a16="http://schemas.microsoft.com/office/drawing/2014/main" id="{42A4FC2C-047E-45A5-965D-8E1E3BF09BC6}"/>
+              </a:ext>
+              <a:ext uri="{C183D7F6-B498-43B3-948B-1728B52AA6E4}">
+                <adec:decorative xmlns:adec="http://schemas.microsoft.com/office/drawing/2017/decorative" val="1"/>
+              </a:ext>
+            </a:extLst>
+          </p:cNvPr>
+          <p:cNvSpPr>
+            <a:spLocks noGrp="1" noRot="1" noChangeAspect="1" noMove="1" noResize="1" noEditPoints="1" noAdjustHandles="1" noChangeArrowheads="1" noChangeShapeType="1" noTextEdit="1"/>
+          </p:cNvSpPr>
+          <p:nvPr>
+            <p:extLst>
+              <p:ext uri="{386F3935-93C4-4BCD-93E2-E3B085C9AB24}">
+                <p16:designElem xmlns:p16="http://schemas.microsoft.com/office/powerpoint/2015/main" val="1"/>
+              </p:ext>
+            </p:extLst>
+          </p:nvPr>
+        </p:nvSpPr>
+        <p:spPr bwMode="white">
+          <a:xfrm>
+            <a:off x="1524" y="0"/>
+            <a:ext cx="12188952" cy="6858000"/>
+          </a:xfrm>
+          <a:prstGeom prst="rect">
+            <a:avLst/>
+          </a:prstGeom>
+          <a:noFill/>
+          <a:ln>
+            <a:noFill/>
+          </a:ln>
+        </p:spPr>
+        <p:style>
+          <a:lnRef idx="2">
+            <a:schemeClr val="accent1">
+              <a:shade val="50000"/>
+            </a:schemeClr>
+          </a:lnRef>
+          <a:fillRef idx="1">
+            <a:schemeClr val="accent1"/>
+          </a:fillRef>
+          <a:effectRef idx="0">
+            <a:schemeClr val="accent1"/>
+          </a:effectRef>
+          <a:fontRef idx="minor">
+            <a:schemeClr val="lt1"/>
+          </a:fontRef>
+        </p:style>
+        <p:txBody>
+          <a:bodyPr rtlCol="0" anchor="ctr"/>
+          <a:lstStyle>
+            <a:defPPr>
+              <a:defRPr lang="en-US"/>
+            </a:defPPr>
+            <a:lvl1pPr marL="0" algn="l" defTabSz="914400" rtl="0" eaLnBrk="1" latinLnBrk="0" hangingPunct="1">
+              <a:defRPr sz="1800" kern="1200">
+                <a:solidFill>
+                  <a:schemeClr val="lt1"/>
+                </a:solidFill>
+                <a:latin typeface="+mn-lt"/>
+                <a:ea typeface="+mn-ea"/>
+                <a:cs typeface="+mn-cs"/>
+              </a:defRPr>
+            </a:lvl1pPr>
+            <a:lvl2pPr marL="457200" algn="l" defTabSz="914400" rtl="0" eaLnBrk="1" latinLnBrk="0" hangingPunct="1">
+              <a:defRPr sz="1800" kern="1200">
+                <a:solidFill>
+                  <a:schemeClr val="lt1"/>
+                </a:solidFill>
+                <a:latin typeface="+mn-lt"/>
+                <a:ea typeface="+mn-ea"/>
+                <a:cs typeface="+mn-cs"/>
+              </a:defRPr>
+            </a:lvl2pPr>
+            <a:lvl3pPr marL="914400" algn="l" defTabSz="914400" rtl="0" eaLnBrk="1" latinLnBrk="0" hangingPunct="1">
+              <a:defRPr sz="1800" kern="1200">
+                <a:solidFill>
+                  <a:schemeClr val="lt1"/>
+                </a:solidFill>
+                <a:latin typeface="+mn-lt"/>
+                <a:ea typeface="+mn-ea"/>
+                <a:cs typeface="+mn-cs"/>
+              </a:defRPr>
+            </a:lvl3pPr>
+            <a:lvl4pPr marL="1371600" algn="l" defTabSz="914400" rtl="0" eaLnBrk="1" latinLnBrk="0" hangingPunct="1">
+              <a:defRPr sz="1800" kern="1200">
+                <a:solidFill>
+                  <a:schemeClr val="lt1"/>
+                </a:solidFill>
+                <a:latin typeface="+mn-lt"/>
+                <a:ea typeface="+mn-ea"/>
+                <a:cs typeface="+mn-cs"/>
+              </a:defRPr>
+            </a:lvl4pPr>
+            <a:lvl5pPr marL="1828800" algn="l" defTabSz="914400" rtl="0" eaLnBrk="1" latinLnBrk="0" hangingPunct="1">
+              <a:defRPr sz="1800" kern="1200">
+                <a:solidFill>
+                  <a:schemeClr val="lt1"/>
+                </a:solidFill>
+                <a:latin typeface="+mn-lt"/>
+                <a:ea typeface="+mn-ea"/>
+                <a:cs typeface="+mn-cs"/>
+              </a:defRPr>
+            </a:lvl5pPr>
+            <a:lvl6pPr marL="2286000" algn="l" defTabSz="914400" rtl="0" eaLnBrk="1" latinLnBrk="0" hangingPunct="1">
+              <a:defRPr sz="1800" kern="1200">
+                <a:solidFill>
+                  <a:schemeClr val="lt1"/>
+                </a:solidFill>
+                <a:latin typeface="+mn-lt"/>
+                <a:ea typeface="+mn-ea"/>
+                <a:cs typeface="+mn-cs"/>
+              </a:defRPr>
+            </a:lvl6pPr>
+            <a:lvl7pPr marL="2743200" algn="l" defTabSz="914400" rtl="0" eaLnBrk="1" latinLnBrk="0" hangingPunct="1">
+              <a:defRPr sz="1800" kern="1200">
+                <a:solidFill>
+                  <a:schemeClr val="lt1"/>
+                </a:solidFill>
+                <a:latin typeface="+mn-lt"/>
+                <a:ea typeface="+mn-ea"/>
+                <a:cs typeface="+mn-cs"/>
+              </a:defRPr>
+            </a:lvl7pPr>
+            <a:lvl8pPr marL="3200400" algn="l" defTabSz="914400" rtl="0" eaLnBrk="1" latinLnBrk="0" hangingPunct="1">
+              <a:defRPr sz="1800" kern="1200">
+                <a:solidFill>
+                  <a:schemeClr val="lt1"/>
+                </a:solidFill>
+                <a:latin typeface="+mn-lt"/>
+                <a:ea typeface="+mn-ea"/>
+                <a:cs typeface="+mn-cs"/>
+              </a:defRPr>
+            </a:lvl8pPr>
+            <a:lvl9pPr marL="3657600" algn="l" defTabSz="914400" rtl="0" eaLnBrk="1" latinLnBrk="0" hangingPunct="1">
+              <a:defRPr sz="1800" kern="1200">
+                <a:solidFill>
+                  <a:schemeClr val="lt1"/>
+                </a:solidFill>
+                <a:latin typeface="+mn-lt"/>
+                <a:ea typeface="+mn-ea"/>
+                <a:cs typeface="+mn-cs"/>
+              </a:defRPr>
+            </a:lvl9pPr>
+          </a:lstStyle>
+          <a:p>
+            <a:pPr algn="ctr"/>
+            <a:endParaRPr lang="en-US"/>
+          </a:p>
+        </p:txBody>
+      </p:sp>
+      <p:pic>
+        <p:nvPicPr>
+          <p:cNvPr id="3" name="Imagen 2">
+            <a:extLst>
+              <a:ext uri="{FF2B5EF4-FFF2-40B4-BE49-F238E27FC236}">
+                <a16:creationId xmlns:a16="http://schemas.microsoft.com/office/drawing/2014/main" id="{6FC83EF5-0912-5456-E8EF-75BFC71BA8D2}"/>
+              </a:ext>
+            </a:extLst>
+          </p:cNvPr>
+          <p:cNvPicPr>
+            <a:picLocks noChangeAspect="1"/>
+          </p:cNvPicPr>
+          <p:nvPr/>
+        </p:nvPicPr>
+        <p:blipFill rotWithShape="1">
+          <a:blip r:embed="rId2"/>
+          <a:srcRect t="461"/>
+          <a:stretch/>
+        </p:blipFill>
+        <p:spPr>
+          <a:xfrm>
+            <a:off x="20" y="1282"/>
+            <a:ext cx="12191980" cy="6856718"/>
+          </a:xfrm>
+          <a:prstGeom prst="rect">
+            <a:avLst/>
+          </a:prstGeom>
+        </p:spPr>
+      </p:pic>
+    </p:spTree>
+    <p:extLst>
+      <p:ext uri="{BB962C8B-B14F-4D97-AF65-F5344CB8AC3E}">
+        <p14:creationId xmlns:p14="http://schemas.microsoft.com/office/powerpoint/2010/main" val="2163453174"/>
+      </p:ext>
+    </p:extLst>
+  </p:cSld>
+  <p:clrMapOvr>
+    <a:masterClrMapping/>
+  </p:clrMapOvr>
+</p:sld>
+</file>
+
+<file path=ppt/slides/slide22.xml><?xml version="1.0" encoding="utf-8"?>
+<p:sld xmlns:a="http://schemas.openxmlformats.org/drawingml/2006/main" xmlns:r="http://schemas.openxmlformats.org/officeDocument/2006/relationships" xmlns:p="http://schemas.openxmlformats.org/presentationml/2006/main">
+  <p:cSld>
+    <p:bg>
+      <p:bgPr>
+        <a:solidFill>
+          <a:schemeClr val="bg1"/>
+        </a:solidFill>
+        <a:effectLst/>
+      </p:bgPr>
+    </p:bg>
+    <p:spTree>
+      <p:nvGrpSpPr>
+        <p:cNvPr id="1" name=""/>
+        <p:cNvGrpSpPr/>
+        <p:nvPr/>
+      </p:nvGrpSpPr>
+      <p:grpSpPr>
+        <a:xfrm>
+          <a:off x="0" y="0"/>
+          <a:ext cx="0" cy="0"/>
+          <a:chOff x="0" y="0"/>
+          <a:chExt cx="0" cy="0"/>
+        </a:xfrm>
+      </p:grpSpPr>
+      <p:sp>
+        <p:nvSpPr>
+          <p:cNvPr id="13" name="Rectangle 12">
+            <a:extLst>
+              <a:ext uri="{FF2B5EF4-FFF2-40B4-BE49-F238E27FC236}">
+                <a16:creationId xmlns:a16="http://schemas.microsoft.com/office/drawing/2014/main" id="{42A4FC2C-047E-45A5-965D-8E1E3BF09BC6}"/>
+              </a:ext>
+              <a:ext uri="{C183D7F6-B498-43B3-948B-1728B52AA6E4}">
+                <adec:decorative xmlns:adec="http://schemas.microsoft.com/office/drawing/2017/decorative" val="1"/>
+              </a:ext>
+            </a:extLst>
+          </p:cNvPr>
+          <p:cNvSpPr>
+            <a:spLocks noGrp="1" noRot="1" noChangeAspect="1" noMove="1" noResize="1" noEditPoints="1" noAdjustHandles="1" noChangeArrowheads="1" noChangeShapeType="1" noTextEdit="1"/>
+          </p:cNvSpPr>
+          <p:nvPr>
+            <p:extLst>
+              <p:ext uri="{386F3935-93C4-4BCD-93E2-E3B085C9AB24}">
+                <p16:designElem xmlns:p16="http://schemas.microsoft.com/office/powerpoint/2015/main" val="1"/>
+              </p:ext>
+            </p:extLst>
+          </p:nvPr>
+        </p:nvSpPr>
+        <p:spPr bwMode="white">
+          <a:xfrm>
+            <a:off x="1524" y="0"/>
+            <a:ext cx="12188952" cy="6858000"/>
+          </a:xfrm>
+          <a:prstGeom prst="rect">
+            <a:avLst/>
+          </a:prstGeom>
+          <a:noFill/>
+          <a:ln>
+            <a:noFill/>
+          </a:ln>
+        </p:spPr>
+        <p:style>
+          <a:lnRef idx="2">
+            <a:schemeClr val="accent1">
+              <a:shade val="50000"/>
+            </a:schemeClr>
+          </a:lnRef>
+          <a:fillRef idx="1">
+            <a:schemeClr val="accent1"/>
+          </a:fillRef>
+          <a:effectRef idx="0">
+            <a:schemeClr val="accent1"/>
+          </a:effectRef>
+          <a:fontRef idx="minor">
+            <a:schemeClr val="lt1"/>
+          </a:fontRef>
+        </p:style>
+        <p:txBody>
+          <a:bodyPr rtlCol="0" anchor="ctr"/>
+          <a:lstStyle>
+            <a:defPPr>
+              <a:defRPr lang="en-US"/>
+            </a:defPPr>
+            <a:lvl1pPr marL="0" algn="l" defTabSz="914400" rtl="0" eaLnBrk="1" latinLnBrk="0" hangingPunct="1">
+              <a:defRPr sz="1800" kern="1200">
+                <a:solidFill>
+                  <a:schemeClr val="lt1"/>
+                </a:solidFill>
+                <a:latin typeface="+mn-lt"/>
+                <a:ea typeface="+mn-ea"/>
+                <a:cs typeface="+mn-cs"/>
+              </a:defRPr>
+            </a:lvl1pPr>
+            <a:lvl2pPr marL="457200" algn="l" defTabSz="914400" rtl="0" eaLnBrk="1" latinLnBrk="0" hangingPunct="1">
+              <a:defRPr sz="1800" kern="1200">
+                <a:solidFill>
+                  <a:schemeClr val="lt1"/>
+                </a:solidFill>
+                <a:latin typeface="+mn-lt"/>
+                <a:ea typeface="+mn-ea"/>
+                <a:cs typeface="+mn-cs"/>
+              </a:defRPr>
+            </a:lvl2pPr>
+            <a:lvl3pPr marL="914400" algn="l" defTabSz="914400" rtl="0" eaLnBrk="1" latinLnBrk="0" hangingPunct="1">
+              <a:defRPr sz="1800" kern="1200">
+                <a:solidFill>
+                  <a:schemeClr val="lt1"/>
+                </a:solidFill>
+                <a:latin typeface="+mn-lt"/>
+                <a:ea typeface="+mn-ea"/>
+                <a:cs typeface="+mn-cs"/>
+              </a:defRPr>
+            </a:lvl3pPr>
+            <a:lvl4pPr marL="1371600" algn="l" defTabSz="914400" rtl="0" eaLnBrk="1" latinLnBrk="0" hangingPunct="1">
+              <a:defRPr sz="1800" kern="1200">
+                <a:solidFill>
+                  <a:schemeClr val="lt1"/>
+                </a:solidFill>
+                <a:latin typeface="+mn-lt"/>
+                <a:ea typeface="+mn-ea"/>
+                <a:cs typeface="+mn-cs"/>
+              </a:defRPr>
+            </a:lvl4pPr>
+            <a:lvl5pPr marL="1828800" algn="l" defTabSz="914400" rtl="0" eaLnBrk="1" latinLnBrk="0" hangingPunct="1">
+              <a:defRPr sz="1800" kern="1200">
+                <a:solidFill>
+                  <a:schemeClr val="lt1"/>
+                </a:solidFill>
+                <a:latin typeface="+mn-lt"/>
+                <a:ea typeface="+mn-ea"/>
+                <a:cs typeface="+mn-cs"/>
+              </a:defRPr>
+            </a:lvl5pPr>
+            <a:lvl6pPr marL="2286000" algn="l" defTabSz="914400" rtl="0" eaLnBrk="1" latinLnBrk="0" hangingPunct="1">
+              <a:defRPr sz="1800" kern="1200">
+                <a:solidFill>
+                  <a:schemeClr val="lt1"/>
+                </a:solidFill>
+                <a:latin typeface="+mn-lt"/>
+                <a:ea typeface="+mn-ea"/>
+                <a:cs typeface="+mn-cs"/>
+              </a:defRPr>
+            </a:lvl6pPr>
+            <a:lvl7pPr marL="2743200" algn="l" defTabSz="914400" rtl="0" eaLnBrk="1" latinLnBrk="0" hangingPunct="1">
+              <a:defRPr sz="1800" kern="1200">
+                <a:solidFill>
+                  <a:schemeClr val="lt1"/>
+                </a:solidFill>
+                <a:latin typeface="+mn-lt"/>
+                <a:ea typeface="+mn-ea"/>
+                <a:cs typeface="+mn-cs"/>
+              </a:defRPr>
+            </a:lvl7pPr>
+            <a:lvl8pPr marL="3200400" algn="l" defTabSz="914400" rtl="0" eaLnBrk="1" latinLnBrk="0" hangingPunct="1">
+              <a:defRPr sz="1800" kern="1200">
+                <a:solidFill>
+                  <a:schemeClr val="lt1"/>
+                </a:solidFill>
+                <a:latin typeface="+mn-lt"/>
+                <a:ea typeface="+mn-ea"/>
+                <a:cs typeface="+mn-cs"/>
+              </a:defRPr>
+            </a:lvl8pPr>
+            <a:lvl9pPr marL="3657600" algn="l" defTabSz="914400" rtl="0" eaLnBrk="1" latinLnBrk="0" hangingPunct="1">
+              <a:defRPr sz="1800" kern="1200">
+                <a:solidFill>
+                  <a:schemeClr val="lt1"/>
+                </a:solidFill>
+                <a:latin typeface="+mn-lt"/>
+                <a:ea typeface="+mn-ea"/>
+                <a:cs typeface="+mn-cs"/>
+              </a:defRPr>
+            </a:lvl9pPr>
+          </a:lstStyle>
+          <a:p>
+            <a:pPr algn="ctr"/>
+            <a:endParaRPr lang="en-US"/>
+          </a:p>
+        </p:txBody>
+      </p:sp>
+      <p:pic>
+        <p:nvPicPr>
+          <p:cNvPr id="5" name="Imagen 4">
+            <a:extLst>
+              <a:ext uri="{FF2B5EF4-FFF2-40B4-BE49-F238E27FC236}">
+                <a16:creationId xmlns:a16="http://schemas.microsoft.com/office/drawing/2014/main" id="{4516B5A6-E65F-8788-E28E-167801655E52}"/>
+              </a:ext>
+            </a:extLst>
+          </p:cNvPr>
+          <p:cNvPicPr>
+            <a:picLocks noChangeAspect="1"/>
+          </p:cNvPicPr>
+          <p:nvPr/>
+        </p:nvPicPr>
+        <p:blipFill rotWithShape="1">
+          <a:blip r:embed="rId2"/>
+          <a:srcRect b="900"/>
+          <a:stretch/>
+        </p:blipFill>
+        <p:spPr>
+          <a:xfrm>
+            <a:off x="20" y="1282"/>
+            <a:ext cx="12191980" cy="6856718"/>
+          </a:xfrm>
+          <a:prstGeom prst="rect">
+            <a:avLst/>
+          </a:prstGeom>
+        </p:spPr>
+      </p:pic>
+    </p:spTree>
+    <p:extLst>
+      <p:ext uri="{BB962C8B-B14F-4D97-AF65-F5344CB8AC3E}">
+        <p14:creationId xmlns:p14="http://schemas.microsoft.com/office/powerpoint/2010/main" val="684365569"/>
+      </p:ext>
+    </p:extLst>
+  </p:cSld>
+  <p:clrMapOvr>
+    <a:masterClrMapping/>
+  </p:clrMapOvr>
+</p:sld>
+</file>
+
+<file path=ppt/slides/slide23.xml><?xml version="1.0" encoding="utf-8"?>
+<p:sld xmlns:a="http://schemas.openxmlformats.org/drawingml/2006/main" xmlns:r="http://schemas.openxmlformats.org/officeDocument/2006/relationships" xmlns:p="http://schemas.openxmlformats.org/presentationml/2006/main">
+  <p:cSld>
+    <p:bg>
+      <p:bgPr>
+        <a:solidFill>
+          <a:schemeClr val="bg1"/>
+        </a:solidFill>
+        <a:effectLst/>
+      </p:bgPr>
+    </p:bg>
+    <p:spTree>
+      <p:nvGrpSpPr>
+        <p:cNvPr id="1" name=""/>
+        <p:cNvGrpSpPr/>
+        <p:nvPr/>
+      </p:nvGrpSpPr>
+      <p:grpSpPr>
+        <a:xfrm>
+          <a:off x="0" y="0"/>
+          <a:ext cx="0" cy="0"/>
+          <a:chOff x="0" y="0"/>
+          <a:chExt cx="0" cy="0"/>
+        </a:xfrm>
+      </p:grpSpPr>
+      <p:sp>
+        <p:nvSpPr>
+          <p:cNvPr id="13" name="Rectangle 12">
+            <a:extLst>
+              <a:ext uri="{FF2B5EF4-FFF2-40B4-BE49-F238E27FC236}">
+                <a16:creationId xmlns:a16="http://schemas.microsoft.com/office/drawing/2014/main" id="{42A4FC2C-047E-45A5-965D-8E1E3BF09BC6}"/>
+              </a:ext>
+              <a:ext uri="{C183D7F6-B498-43B3-948B-1728B52AA6E4}">
+                <adec:decorative xmlns:adec="http://schemas.microsoft.com/office/drawing/2017/decorative" val="1"/>
+              </a:ext>
+            </a:extLst>
+          </p:cNvPr>
+          <p:cNvSpPr>
+            <a:spLocks noGrp="1" noRot="1" noChangeAspect="1" noMove="1" noResize="1" noEditPoints="1" noAdjustHandles="1" noChangeArrowheads="1" noChangeShapeType="1" noTextEdit="1"/>
+          </p:cNvSpPr>
+          <p:nvPr>
+            <p:extLst>
+              <p:ext uri="{386F3935-93C4-4BCD-93E2-E3B085C9AB24}">
+                <p16:designElem xmlns:p16="http://schemas.microsoft.com/office/powerpoint/2015/main" val="1"/>
+              </p:ext>
+            </p:extLst>
+          </p:nvPr>
+        </p:nvSpPr>
+        <p:spPr bwMode="white">
+          <a:xfrm>
+            <a:off x="1524" y="0"/>
+            <a:ext cx="12188952" cy="6858000"/>
+          </a:xfrm>
+          <a:prstGeom prst="rect">
+            <a:avLst/>
+          </a:prstGeom>
+          <a:noFill/>
+          <a:ln>
+            <a:noFill/>
+          </a:ln>
+        </p:spPr>
+        <p:style>
+          <a:lnRef idx="2">
+            <a:schemeClr val="accent1">
+              <a:shade val="50000"/>
+            </a:schemeClr>
+          </a:lnRef>
+          <a:fillRef idx="1">
+            <a:schemeClr val="accent1"/>
+          </a:fillRef>
+          <a:effectRef idx="0">
+            <a:schemeClr val="accent1"/>
+          </a:effectRef>
+          <a:fontRef idx="minor">
+            <a:schemeClr val="lt1"/>
+          </a:fontRef>
+        </p:style>
+        <p:txBody>
+          <a:bodyPr rtlCol="0" anchor="ctr"/>
+          <a:lstStyle>
+            <a:defPPr>
+              <a:defRPr lang="en-US"/>
+            </a:defPPr>
+            <a:lvl1pPr marL="0" algn="l" defTabSz="914400" rtl="0" eaLnBrk="1" latinLnBrk="0" hangingPunct="1">
+              <a:defRPr sz="1800" kern="1200">
+                <a:solidFill>
+                  <a:schemeClr val="lt1"/>
+                </a:solidFill>
+                <a:latin typeface="+mn-lt"/>
+                <a:ea typeface="+mn-ea"/>
+                <a:cs typeface="+mn-cs"/>
+              </a:defRPr>
+            </a:lvl1pPr>
+            <a:lvl2pPr marL="457200" algn="l" defTabSz="914400" rtl="0" eaLnBrk="1" latinLnBrk="0" hangingPunct="1">
+              <a:defRPr sz="1800" kern="1200">
+                <a:solidFill>
+                  <a:schemeClr val="lt1"/>
+                </a:solidFill>
+                <a:latin typeface="+mn-lt"/>
+                <a:ea typeface="+mn-ea"/>
+                <a:cs typeface="+mn-cs"/>
+              </a:defRPr>
+            </a:lvl2pPr>
+            <a:lvl3pPr marL="914400" algn="l" defTabSz="914400" rtl="0" eaLnBrk="1" latinLnBrk="0" hangingPunct="1">
+              <a:defRPr sz="1800" kern="1200">
+                <a:solidFill>
+                  <a:schemeClr val="lt1"/>
+                </a:solidFill>
+                <a:latin typeface="+mn-lt"/>
+                <a:ea typeface="+mn-ea"/>
+                <a:cs typeface="+mn-cs"/>
+              </a:defRPr>
+            </a:lvl3pPr>
+            <a:lvl4pPr marL="1371600" algn="l" defTabSz="914400" rtl="0" eaLnBrk="1" latinLnBrk="0" hangingPunct="1">
+              <a:defRPr sz="1800" kern="1200">
+                <a:solidFill>
+                  <a:schemeClr val="lt1"/>
+                </a:solidFill>
+                <a:latin typeface="+mn-lt"/>
+                <a:ea typeface="+mn-ea"/>
+                <a:cs typeface="+mn-cs"/>
+              </a:defRPr>
+            </a:lvl4pPr>
+            <a:lvl5pPr marL="1828800" algn="l" defTabSz="914400" rtl="0" eaLnBrk="1" latinLnBrk="0" hangingPunct="1">
+              <a:defRPr sz="1800" kern="1200">
+                <a:solidFill>
+                  <a:schemeClr val="lt1"/>
+                </a:solidFill>
+                <a:latin typeface="+mn-lt"/>
+                <a:ea typeface="+mn-ea"/>
+                <a:cs typeface="+mn-cs"/>
+              </a:defRPr>
+            </a:lvl5pPr>
+            <a:lvl6pPr marL="2286000" algn="l" defTabSz="914400" rtl="0" eaLnBrk="1" latinLnBrk="0" hangingPunct="1">
+              <a:defRPr sz="1800" kern="1200">
+                <a:solidFill>
+                  <a:schemeClr val="lt1"/>
+                </a:solidFill>
+                <a:latin typeface="+mn-lt"/>
+                <a:ea typeface="+mn-ea"/>
+                <a:cs typeface="+mn-cs"/>
+              </a:defRPr>
+            </a:lvl6pPr>
+            <a:lvl7pPr marL="2743200" algn="l" defTabSz="914400" rtl="0" eaLnBrk="1" latinLnBrk="0" hangingPunct="1">
+              <a:defRPr sz="1800" kern="1200">
+                <a:solidFill>
+                  <a:schemeClr val="lt1"/>
+                </a:solidFill>
+                <a:latin typeface="+mn-lt"/>
+                <a:ea typeface="+mn-ea"/>
+                <a:cs typeface="+mn-cs"/>
+              </a:defRPr>
+            </a:lvl7pPr>
+            <a:lvl8pPr marL="3200400" algn="l" defTabSz="914400" rtl="0" eaLnBrk="1" latinLnBrk="0" hangingPunct="1">
+              <a:defRPr sz="1800" kern="1200">
+                <a:solidFill>
+                  <a:schemeClr val="lt1"/>
+                </a:solidFill>
+                <a:latin typeface="+mn-lt"/>
+                <a:ea typeface="+mn-ea"/>
+                <a:cs typeface="+mn-cs"/>
+              </a:defRPr>
+            </a:lvl8pPr>
+            <a:lvl9pPr marL="3657600" algn="l" defTabSz="914400" rtl="0" eaLnBrk="1" latinLnBrk="0" hangingPunct="1">
+              <a:defRPr sz="1800" kern="1200">
+                <a:solidFill>
+                  <a:schemeClr val="lt1"/>
+                </a:solidFill>
+                <a:latin typeface="+mn-lt"/>
+                <a:ea typeface="+mn-ea"/>
+                <a:cs typeface="+mn-cs"/>
+              </a:defRPr>
+            </a:lvl9pPr>
+          </a:lstStyle>
+          <a:p>
+            <a:pPr algn="ctr"/>
+            <a:endParaRPr lang="en-US"/>
+          </a:p>
+        </p:txBody>
+      </p:sp>
+      <p:pic>
+        <p:nvPicPr>
+          <p:cNvPr id="5" name="Imagen 4">
+            <a:extLst>
+              <a:ext uri="{FF2B5EF4-FFF2-40B4-BE49-F238E27FC236}">
+                <a16:creationId xmlns:a16="http://schemas.microsoft.com/office/drawing/2014/main" id="{CD5D3137-7878-ACF8-C15E-E2DE082DE920}"/>
+              </a:ext>
+            </a:extLst>
+          </p:cNvPr>
+          <p:cNvPicPr>
+            <a:picLocks noChangeAspect="1"/>
+          </p:cNvPicPr>
+          <p:nvPr/>
+        </p:nvPicPr>
+        <p:blipFill rotWithShape="1">
+          <a:blip r:embed="rId2"/>
+          <a:srcRect b="900"/>
+          <a:stretch/>
+        </p:blipFill>
+        <p:spPr>
+          <a:xfrm>
+            <a:off x="20" y="1282"/>
+            <a:ext cx="12191980" cy="6856718"/>
+          </a:xfrm>
+          <a:prstGeom prst="rect">
+            <a:avLst/>
+          </a:prstGeom>
+        </p:spPr>
+      </p:pic>
+    </p:spTree>
+    <p:extLst>
+      <p:ext uri="{BB962C8B-B14F-4D97-AF65-F5344CB8AC3E}">
+        <p14:creationId xmlns:p14="http://schemas.microsoft.com/office/powerpoint/2010/main" val="2477337786"/>
+      </p:ext>
+    </p:extLst>
+  </p:cSld>
+  <p:clrMapOvr>
+    <a:masterClrMapping/>
+  </p:clrMapOvr>
+</p:sld>
+</file>
+
+<file path=ppt/slides/slide24.xml><?xml version="1.0" encoding="utf-8"?>
+<p:sld xmlns:a="http://schemas.openxmlformats.org/drawingml/2006/main" xmlns:r="http://schemas.openxmlformats.org/officeDocument/2006/relationships" xmlns:p="http://schemas.openxmlformats.org/presentationml/2006/main">
+  <p:cSld>
+    <p:spTree>
+      <p:nvGrpSpPr>
+        <p:cNvPr id="1" name=""/>
+        <p:cNvGrpSpPr/>
+        <p:nvPr/>
+      </p:nvGrpSpPr>
+      <p:grpSpPr>
+        <a:xfrm>
+          <a:off x="0" y="0"/>
+          <a:ext cx="0" cy="0"/>
+          <a:chOff x="0" y="0"/>
+          <a:chExt cx="0" cy="0"/>
+        </a:xfrm>
+      </p:grpSpPr>
+      <p:sp>
+        <p:nvSpPr>
+          <p:cNvPr id="2" name="Título 1">
+            <a:extLst>
+              <a:ext uri="{FF2B5EF4-FFF2-40B4-BE49-F238E27FC236}">
+                <a16:creationId xmlns:a16="http://schemas.microsoft.com/office/drawing/2014/main" id="{4A5D8C37-7155-0796-8153-4C5DA43FE2CE}"/>
+              </a:ext>
+            </a:extLst>
+          </p:cNvPr>
+          <p:cNvSpPr>
+            <a:spLocks noGrp="1"/>
+          </p:cNvSpPr>
+          <p:nvPr>
+            <p:ph type="ctrTitle"/>
+          </p:nvPr>
+        </p:nvSpPr>
+        <p:spPr/>
+        <p:txBody>
+          <a:bodyPr/>
+          <a:lstStyle/>
+          <a:p>
+            <a:r>
+              <a:rPr lang="es-ES" dirty="0" err="1"/>
+              <a:t>sueldoestimado</a:t>
+            </a:r>
+            <a:endParaRPr lang="es-AR" dirty="0"/>
+          </a:p>
+        </p:txBody>
+      </p:sp>
+    </p:spTree>
+    <p:extLst>
+      <p:ext uri="{BB962C8B-B14F-4D97-AF65-F5344CB8AC3E}">
+        <p14:creationId xmlns:p14="http://schemas.microsoft.com/office/powerpoint/2010/main" val="1518304301"/>
+      </p:ext>
+    </p:extLst>
+  </p:cSld>
+  <p:clrMapOvr>
+    <a:masterClrMapping/>
+  </p:clrMapOvr>
+</p:sld>
+</file>
+
+<file path=ppt/slides/slide25.xml><?xml version="1.0" encoding="utf-8"?>
+<p:sld xmlns:a="http://schemas.openxmlformats.org/drawingml/2006/main" xmlns:r="http://schemas.openxmlformats.org/officeDocument/2006/relationships" xmlns:p="http://schemas.openxmlformats.org/presentationml/2006/main">
+  <p:cSld>
+    <p:bg>
+      <p:bgPr>
+        <a:solidFill>
+          <a:schemeClr val="bg1"/>
+        </a:solidFill>
+        <a:effectLst/>
+      </p:bgPr>
+    </p:bg>
+    <p:spTree>
+      <p:nvGrpSpPr>
+        <p:cNvPr id="1" name=""/>
+        <p:cNvGrpSpPr/>
+        <p:nvPr/>
+      </p:nvGrpSpPr>
+      <p:grpSpPr>
+        <a:xfrm>
+          <a:off x="0" y="0"/>
+          <a:ext cx="0" cy="0"/>
+          <a:chOff x="0" y="0"/>
+          <a:chExt cx="0" cy="0"/>
+        </a:xfrm>
+      </p:grpSpPr>
+      <p:sp>
+        <p:nvSpPr>
+          <p:cNvPr id="8" name="Rectangle 7">
+            <a:extLst>
+              <a:ext uri="{FF2B5EF4-FFF2-40B4-BE49-F238E27FC236}">
+                <a16:creationId xmlns:a16="http://schemas.microsoft.com/office/drawing/2014/main" id="{42A4FC2C-047E-45A5-965D-8E1E3BF09BC6}"/>
+              </a:ext>
+              <a:ext uri="{C183D7F6-B498-43B3-948B-1728B52AA6E4}">
+                <adec:decorative xmlns:adec="http://schemas.microsoft.com/office/drawing/2017/decorative" val="1"/>
+              </a:ext>
+            </a:extLst>
+          </p:cNvPr>
+          <p:cNvSpPr>
+            <a:spLocks noGrp="1" noRot="1" noChangeAspect="1" noMove="1" noResize="1" noEditPoints="1" noAdjustHandles="1" noChangeArrowheads="1" noChangeShapeType="1" noTextEdit="1"/>
+          </p:cNvSpPr>
+          <p:nvPr>
+            <p:extLst>
+              <p:ext uri="{386F3935-93C4-4BCD-93E2-E3B085C9AB24}">
+                <p16:designElem xmlns:p16="http://schemas.microsoft.com/office/powerpoint/2015/main" val="1"/>
+              </p:ext>
+            </p:extLst>
+          </p:nvPr>
+        </p:nvSpPr>
+        <p:spPr bwMode="white">
+          <a:xfrm>
+            <a:off x="1524" y="0"/>
+            <a:ext cx="12188952" cy="6858000"/>
+          </a:xfrm>
+          <a:prstGeom prst="rect">
+            <a:avLst/>
+          </a:prstGeom>
+          <a:noFill/>
+          <a:ln>
+            <a:noFill/>
+          </a:ln>
+        </p:spPr>
+        <p:style>
+          <a:lnRef idx="2">
+            <a:schemeClr val="accent1">
+              <a:shade val="50000"/>
+            </a:schemeClr>
+          </a:lnRef>
+          <a:fillRef idx="1">
+            <a:schemeClr val="accent1"/>
+          </a:fillRef>
+          <a:effectRef idx="0">
+            <a:schemeClr val="accent1"/>
+          </a:effectRef>
+          <a:fontRef idx="minor">
+            <a:schemeClr val="lt1"/>
+          </a:fontRef>
+        </p:style>
+        <p:txBody>
+          <a:bodyPr rtlCol="0" anchor="ctr"/>
+          <a:lstStyle>
+            <a:defPPr>
+              <a:defRPr lang="en-US"/>
+            </a:defPPr>
+            <a:lvl1pPr marL="0" algn="l" defTabSz="914400" rtl="0" eaLnBrk="1" latinLnBrk="0" hangingPunct="1">
+              <a:defRPr sz="1800" kern="1200">
+                <a:solidFill>
+                  <a:schemeClr val="lt1"/>
+                </a:solidFill>
+                <a:latin typeface="+mn-lt"/>
+                <a:ea typeface="+mn-ea"/>
+                <a:cs typeface="+mn-cs"/>
+              </a:defRPr>
+            </a:lvl1pPr>
+            <a:lvl2pPr marL="457200" algn="l" defTabSz="914400" rtl="0" eaLnBrk="1" latinLnBrk="0" hangingPunct="1">
+              <a:defRPr sz="1800" kern="1200">
+                <a:solidFill>
+                  <a:schemeClr val="lt1"/>
+                </a:solidFill>
+                <a:latin typeface="+mn-lt"/>
+                <a:ea typeface="+mn-ea"/>
+                <a:cs typeface="+mn-cs"/>
+              </a:defRPr>
+            </a:lvl2pPr>
+            <a:lvl3pPr marL="914400" algn="l" defTabSz="914400" rtl="0" eaLnBrk="1" latinLnBrk="0" hangingPunct="1">
+              <a:defRPr sz="1800" kern="1200">
+                <a:solidFill>
+                  <a:schemeClr val="lt1"/>
+                </a:solidFill>
+                <a:latin typeface="+mn-lt"/>
+                <a:ea typeface="+mn-ea"/>
+                <a:cs typeface="+mn-cs"/>
+              </a:defRPr>
+            </a:lvl3pPr>
+            <a:lvl4pPr marL="1371600" algn="l" defTabSz="914400" rtl="0" eaLnBrk="1" latinLnBrk="0" hangingPunct="1">
+              <a:defRPr sz="1800" kern="1200">
+                <a:solidFill>
+                  <a:schemeClr val="lt1"/>
+                </a:solidFill>
+                <a:latin typeface="+mn-lt"/>
+                <a:ea typeface="+mn-ea"/>
+                <a:cs typeface="+mn-cs"/>
+              </a:defRPr>
+            </a:lvl4pPr>
+            <a:lvl5pPr marL="1828800" algn="l" defTabSz="914400" rtl="0" eaLnBrk="1" latinLnBrk="0" hangingPunct="1">
+              <a:defRPr sz="1800" kern="1200">
+                <a:solidFill>
+                  <a:schemeClr val="lt1"/>
+                </a:solidFill>
+                <a:latin typeface="+mn-lt"/>
+                <a:ea typeface="+mn-ea"/>
+                <a:cs typeface="+mn-cs"/>
+              </a:defRPr>
+            </a:lvl5pPr>
+            <a:lvl6pPr marL="2286000" algn="l" defTabSz="914400" rtl="0" eaLnBrk="1" latinLnBrk="0" hangingPunct="1">
+              <a:defRPr sz="1800" kern="1200">
+                <a:solidFill>
+                  <a:schemeClr val="lt1"/>
+                </a:solidFill>
+                <a:latin typeface="+mn-lt"/>
+                <a:ea typeface="+mn-ea"/>
+                <a:cs typeface="+mn-cs"/>
+              </a:defRPr>
+            </a:lvl6pPr>
+            <a:lvl7pPr marL="2743200" algn="l" defTabSz="914400" rtl="0" eaLnBrk="1" latinLnBrk="0" hangingPunct="1">
+              <a:defRPr sz="1800" kern="1200">
+                <a:solidFill>
+                  <a:schemeClr val="lt1"/>
+                </a:solidFill>
+                <a:latin typeface="+mn-lt"/>
+                <a:ea typeface="+mn-ea"/>
+                <a:cs typeface="+mn-cs"/>
+              </a:defRPr>
+            </a:lvl7pPr>
+            <a:lvl8pPr marL="3200400" algn="l" defTabSz="914400" rtl="0" eaLnBrk="1" latinLnBrk="0" hangingPunct="1">
+              <a:defRPr sz="1800" kern="1200">
+                <a:solidFill>
+                  <a:schemeClr val="lt1"/>
+                </a:solidFill>
+                <a:latin typeface="+mn-lt"/>
+                <a:ea typeface="+mn-ea"/>
+                <a:cs typeface="+mn-cs"/>
+              </a:defRPr>
+            </a:lvl8pPr>
+            <a:lvl9pPr marL="3657600" algn="l" defTabSz="914400" rtl="0" eaLnBrk="1" latinLnBrk="0" hangingPunct="1">
+              <a:defRPr sz="1800" kern="1200">
+                <a:solidFill>
+                  <a:schemeClr val="lt1"/>
+                </a:solidFill>
+                <a:latin typeface="+mn-lt"/>
+                <a:ea typeface="+mn-ea"/>
+                <a:cs typeface="+mn-cs"/>
+              </a:defRPr>
+            </a:lvl9pPr>
+          </a:lstStyle>
+          <a:p>
+            <a:pPr algn="ctr"/>
+            <a:endParaRPr lang="en-US"/>
+          </a:p>
+        </p:txBody>
+      </p:sp>
+      <p:pic>
+        <p:nvPicPr>
+          <p:cNvPr id="3" name="Imagen 2">
+            <a:extLst>
+              <a:ext uri="{FF2B5EF4-FFF2-40B4-BE49-F238E27FC236}">
+                <a16:creationId xmlns:a16="http://schemas.microsoft.com/office/drawing/2014/main" id="{DA4D93D5-9795-C58F-A79C-AC04694B8729}"/>
+              </a:ext>
+            </a:extLst>
+          </p:cNvPr>
+          <p:cNvPicPr>
+            <a:picLocks noChangeAspect="1"/>
+          </p:cNvPicPr>
+          <p:nvPr/>
+        </p:nvPicPr>
+        <p:blipFill rotWithShape="1">
+          <a:blip r:embed="rId2"/>
+          <a:srcRect t="461"/>
+          <a:stretch/>
+        </p:blipFill>
+        <p:spPr>
+          <a:xfrm>
+            <a:off x="20" y="1282"/>
+            <a:ext cx="12191980" cy="6856718"/>
+          </a:xfrm>
+          <a:prstGeom prst="rect">
+            <a:avLst/>
+          </a:prstGeom>
+        </p:spPr>
+      </p:pic>
+    </p:spTree>
+    <p:extLst>
+      <p:ext uri="{BB962C8B-B14F-4D97-AF65-F5344CB8AC3E}">
+        <p14:creationId xmlns:p14="http://schemas.microsoft.com/office/powerpoint/2010/main" val="1379991566"/>
+      </p:ext>
+    </p:extLst>
+  </p:cSld>
+  <p:clrMapOvr>
+    <a:masterClrMapping/>
+  </p:clrMapOvr>
+</p:sld>
+</file>
+
+<file path=ppt/slides/slide26.xml><?xml version="1.0" encoding="utf-8"?>
+<p:sld xmlns:a="http://schemas.openxmlformats.org/drawingml/2006/main" xmlns:r="http://schemas.openxmlformats.org/officeDocument/2006/relationships" xmlns:p="http://schemas.openxmlformats.org/presentationml/2006/main">
+  <p:cSld>
+    <p:bg>
+      <p:bgPr>
+        <a:solidFill>
+          <a:schemeClr val="bg1"/>
+        </a:solidFill>
+        <a:effectLst/>
+      </p:bgPr>
+    </p:bg>
+    <p:spTree>
+      <p:nvGrpSpPr>
+        <p:cNvPr id="1" name=""/>
+        <p:cNvGrpSpPr/>
+        <p:nvPr/>
+      </p:nvGrpSpPr>
+      <p:grpSpPr>
+        <a:xfrm>
+          <a:off x="0" y="0"/>
+          <a:ext cx="0" cy="0"/>
+          <a:chOff x="0" y="0"/>
+          <a:chExt cx="0" cy="0"/>
+        </a:xfrm>
+      </p:grpSpPr>
+      <p:sp>
+        <p:nvSpPr>
+          <p:cNvPr id="18" name="Rectangle 17">
+            <a:extLst>
+              <a:ext uri="{FF2B5EF4-FFF2-40B4-BE49-F238E27FC236}">
+                <a16:creationId xmlns:a16="http://schemas.microsoft.com/office/drawing/2014/main" id="{42A4FC2C-047E-45A5-965D-8E1E3BF09BC6}"/>
+              </a:ext>
+              <a:ext uri="{C183D7F6-B498-43B3-948B-1728B52AA6E4}">
+                <adec:decorative xmlns:adec="http://schemas.microsoft.com/office/drawing/2017/decorative" val="1"/>
+              </a:ext>
+            </a:extLst>
+          </p:cNvPr>
+          <p:cNvSpPr>
+            <a:spLocks noGrp="1" noRot="1" noChangeAspect="1" noMove="1" noResize="1" noEditPoints="1" noAdjustHandles="1" noChangeArrowheads="1" noChangeShapeType="1" noTextEdit="1"/>
+          </p:cNvSpPr>
+          <p:nvPr>
+            <p:extLst>
+              <p:ext uri="{386F3935-93C4-4BCD-93E2-E3B085C9AB24}">
+                <p16:designElem xmlns:p16="http://schemas.microsoft.com/office/powerpoint/2015/main" val="1"/>
+              </p:ext>
+            </p:extLst>
+          </p:nvPr>
+        </p:nvSpPr>
+        <p:spPr bwMode="white">
+          <a:xfrm>
+            <a:off x="1524" y="0"/>
+            <a:ext cx="12188952" cy="6858000"/>
+          </a:xfrm>
+          <a:prstGeom prst="rect">
+            <a:avLst/>
+          </a:prstGeom>
+          <a:noFill/>
+          <a:ln>
+            <a:noFill/>
+          </a:ln>
+        </p:spPr>
+        <p:style>
+          <a:lnRef idx="2">
+            <a:schemeClr val="accent1">
+              <a:shade val="50000"/>
+            </a:schemeClr>
+          </a:lnRef>
+          <a:fillRef idx="1">
+            <a:schemeClr val="accent1"/>
+          </a:fillRef>
+          <a:effectRef idx="0">
+            <a:schemeClr val="accent1"/>
+          </a:effectRef>
+          <a:fontRef idx="minor">
+            <a:schemeClr val="lt1"/>
+          </a:fontRef>
+        </p:style>
+        <p:txBody>
+          <a:bodyPr rtlCol="0" anchor="ctr"/>
+          <a:lstStyle>
+            <a:defPPr>
+              <a:defRPr lang="en-US"/>
+            </a:defPPr>
+            <a:lvl1pPr marL="0" algn="l" defTabSz="914400" rtl="0" eaLnBrk="1" latinLnBrk="0" hangingPunct="1">
+              <a:defRPr sz="1800" kern="1200">
+                <a:solidFill>
+                  <a:schemeClr val="lt1"/>
+                </a:solidFill>
+                <a:latin typeface="+mn-lt"/>
+                <a:ea typeface="+mn-ea"/>
+                <a:cs typeface="+mn-cs"/>
+              </a:defRPr>
+            </a:lvl1pPr>
+            <a:lvl2pPr marL="457200" algn="l" defTabSz="914400" rtl="0" eaLnBrk="1" latinLnBrk="0" hangingPunct="1">
+              <a:defRPr sz="1800" kern="1200">
+                <a:solidFill>
+                  <a:schemeClr val="lt1"/>
+                </a:solidFill>
+                <a:latin typeface="+mn-lt"/>
+                <a:ea typeface="+mn-ea"/>
+                <a:cs typeface="+mn-cs"/>
+              </a:defRPr>
+            </a:lvl2pPr>
+            <a:lvl3pPr marL="914400" algn="l" defTabSz="914400" rtl="0" eaLnBrk="1" latinLnBrk="0" hangingPunct="1">
+              <a:defRPr sz="1800" kern="1200">
+                <a:solidFill>
+                  <a:schemeClr val="lt1"/>
+                </a:solidFill>
+                <a:latin typeface="+mn-lt"/>
+                <a:ea typeface="+mn-ea"/>
+                <a:cs typeface="+mn-cs"/>
+              </a:defRPr>
+            </a:lvl3pPr>
+            <a:lvl4pPr marL="1371600" algn="l" defTabSz="914400" rtl="0" eaLnBrk="1" latinLnBrk="0" hangingPunct="1">
+              <a:defRPr sz="1800" kern="1200">
+                <a:solidFill>
+                  <a:schemeClr val="lt1"/>
+                </a:solidFill>
+                <a:latin typeface="+mn-lt"/>
+                <a:ea typeface="+mn-ea"/>
+                <a:cs typeface="+mn-cs"/>
+              </a:defRPr>
+            </a:lvl4pPr>
+            <a:lvl5pPr marL="1828800" algn="l" defTabSz="914400" rtl="0" eaLnBrk="1" latinLnBrk="0" hangingPunct="1">
+              <a:defRPr sz="1800" kern="1200">
+                <a:solidFill>
+                  <a:schemeClr val="lt1"/>
+                </a:solidFill>
+                <a:latin typeface="+mn-lt"/>
+                <a:ea typeface="+mn-ea"/>
+                <a:cs typeface="+mn-cs"/>
+              </a:defRPr>
+            </a:lvl5pPr>
+            <a:lvl6pPr marL="2286000" algn="l" defTabSz="914400" rtl="0" eaLnBrk="1" latinLnBrk="0" hangingPunct="1">
+              <a:defRPr sz="1800" kern="1200">
+                <a:solidFill>
+                  <a:schemeClr val="lt1"/>
+                </a:solidFill>
+                <a:latin typeface="+mn-lt"/>
+                <a:ea typeface="+mn-ea"/>
+                <a:cs typeface="+mn-cs"/>
+              </a:defRPr>
+            </a:lvl6pPr>
+            <a:lvl7pPr marL="2743200" algn="l" defTabSz="914400" rtl="0" eaLnBrk="1" latinLnBrk="0" hangingPunct="1">
+              <a:defRPr sz="1800" kern="1200">
+                <a:solidFill>
+                  <a:schemeClr val="lt1"/>
+                </a:solidFill>
+                <a:latin typeface="+mn-lt"/>
+                <a:ea typeface="+mn-ea"/>
+                <a:cs typeface="+mn-cs"/>
+              </a:defRPr>
+            </a:lvl7pPr>
+            <a:lvl8pPr marL="3200400" algn="l" defTabSz="914400" rtl="0" eaLnBrk="1" latinLnBrk="0" hangingPunct="1">
+              <a:defRPr sz="1800" kern="1200">
+                <a:solidFill>
+                  <a:schemeClr val="lt1"/>
+                </a:solidFill>
+                <a:latin typeface="+mn-lt"/>
+                <a:ea typeface="+mn-ea"/>
+                <a:cs typeface="+mn-cs"/>
+              </a:defRPr>
+            </a:lvl8pPr>
+            <a:lvl9pPr marL="3657600" algn="l" defTabSz="914400" rtl="0" eaLnBrk="1" latinLnBrk="0" hangingPunct="1">
+              <a:defRPr sz="1800" kern="1200">
+                <a:solidFill>
+                  <a:schemeClr val="lt1"/>
+                </a:solidFill>
+                <a:latin typeface="+mn-lt"/>
+                <a:ea typeface="+mn-ea"/>
+                <a:cs typeface="+mn-cs"/>
+              </a:defRPr>
+            </a:lvl9pPr>
+          </a:lstStyle>
+          <a:p>
+            <a:pPr algn="ctr"/>
+            <a:endParaRPr lang="en-US"/>
+          </a:p>
+        </p:txBody>
+      </p:sp>
+      <p:pic>
+        <p:nvPicPr>
+          <p:cNvPr id="7" name="Imagen 6">
+            <a:extLst>
+              <a:ext uri="{FF2B5EF4-FFF2-40B4-BE49-F238E27FC236}">
+                <a16:creationId xmlns:a16="http://schemas.microsoft.com/office/drawing/2014/main" id="{1CDA6790-8545-8A61-21CA-A149A6F6A851}"/>
+              </a:ext>
+            </a:extLst>
+          </p:cNvPr>
+          <p:cNvPicPr>
+            <a:picLocks noChangeAspect="1"/>
+          </p:cNvPicPr>
+          <p:nvPr/>
+        </p:nvPicPr>
+        <p:blipFill rotWithShape="1">
+          <a:blip r:embed="rId2"/>
+          <a:srcRect t="899"/>
+          <a:stretch/>
+        </p:blipFill>
+        <p:spPr>
+          <a:xfrm>
+            <a:off x="20" y="1282"/>
+            <a:ext cx="12191980" cy="6856718"/>
+          </a:xfrm>
+          <a:prstGeom prst="rect">
+            <a:avLst/>
+          </a:prstGeom>
+        </p:spPr>
+      </p:pic>
+    </p:spTree>
+    <p:extLst>
+      <p:ext uri="{BB962C8B-B14F-4D97-AF65-F5344CB8AC3E}">
+        <p14:creationId xmlns:p14="http://schemas.microsoft.com/office/powerpoint/2010/main" val="1323697294"/>
+      </p:ext>
+    </p:extLst>
+  </p:cSld>
+  <p:clrMapOvr>
+    <a:masterClrMapping/>
+  </p:clrMapOvr>
+</p:sld>
+</file>
+
+<file path=ppt/slides/slide27.xml><?xml version="1.0" encoding="utf-8"?>
+<p:sld xmlns:a="http://schemas.openxmlformats.org/drawingml/2006/main" xmlns:r="http://schemas.openxmlformats.org/officeDocument/2006/relationships" xmlns:p="http://schemas.openxmlformats.org/presentationml/2006/main">
+  <p:cSld>
+    <p:bg>
+      <p:bgPr>
+        <a:solidFill>
+          <a:schemeClr val="bg1"/>
+        </a:solidFill>
+        <a:effectLst/>
+      </p:bgPr>
+    </p:bg>
+    <p:spTree>
+      <p:nvGrpSpPr>
+        <p:cNvPr id="1" name=""/>
+        <p:cNvGrpSpPr/>
+        <p:nvPr/>
+      </p:nvGrpSpPr>
+      <p:grpSpPr>
+        <a:xfrm>
+          <a:off x="0" y="0"/>
+          <a:ext cx="0" cy="0"/>
+          <a:chOff x="0" y="0"/>
+          <a:chExt cx="0" cy="0"/>
+        </a:xfrm>
+      </p:grpSpPr>
+      <p:sp>
+        <p:nvSpPr>
+          <p:cNvPr id="13" name="Rectangle 12">
+            <a:extLst>
+              <a:ext uri="{FF2B5EF4-FFF2-40B4-BE49-F238E27FC236}">
+                <a16:creationId xmlns:a16="http://schemas.microsoft.com/office/drawing/2014/main" id="{42A4FC2C-047E-45A5-965D-8E1E3BF09BC6}"/>
+              </a:ext>
+              <a:ext uri="{C183D7F6-B498-43B3-948B-1728B52AA6E4}">
+                <adec:decorative xmlns:adec="http://schemas.microsoft.com/office/drawing/2017/decorative" val="1"/>
+              </a:ext>
+            </a:extLst>
+          </p:cNvPr>
+          <p:cNvSpPr>
+            <a:spLocks noGrp="1" noRot="1" noChangeAspect="1" noMove="1" noResize="1" noEditPoints="1" noAdjustHandles="1" noChangeArrowheads="1" noChangeShapeType="1" noTextEdit="1"/>
+          </p:cNvSpPr>
+          <p:nvPr>
+            <p:extLst>
+              <p:ext uri="{386F3935-93C4-4BCD-93E2-E3B085C9AB24}">
+                <p16:designElem xmlns:p16="http://schemas.microsoft.com/office/powerpoint/2015/main" val="1"/>
+              </p:ext>
+            </p:extLst>
+          </p:nvPr>
+        </p:nvSpPr>
+        <p:spPr bwMode="white">
+          <a:xfrm>
+            <a:off x="1524" y="0"/>
+            <a:ext cx="12188952" cy="6858000"/>
+          </a:xfrm>
+          <a:prstGeom prst="rect">
+            <a:avLst/>
+          </a:prstGeom>
+          <a:noFill/>
+          <a:ln>
+            <a:noFill/>
+          </a:ln>
+        </p:spPr>
+        <p:style>
+          <a:lnRef idx="2">
+            <a:schemeClr val="accent1">
+              <a:shade val="50000"/>
+            </a:schemeClr>
+          </a:lnRef>
+          <a:fillRef idx="1">
+            <a:schemeClr val="accent1"/>
+          </a:fillRef>
+          <a:effectRef idx="0">
+            <a:schemeClr val="accent1"/>
+          </a:effectRef>
+          <a:fontRef idx="minor">
+            <a:schemeClr val="lt1"/>
+          </a:fontRef>
+        </p:style>
+        <p:txBody>
+          <a:bodyPr rtlCol="0" anchor="ctr"/>
+          <a:lstStyle>
+            <a:defPPr>
+              <a:defRPr lang="en-US"/>
+            </a:defPPr>
+            <a:lvl1pPr marL="0" algn="l" defTabSz="914400" rtl="0" eaLnBrk="1" latinLnBrk="0" hangingPunct="1">
+              <a:defRPr sz="1800" kern="1200">
+                <a:solidFill>
+                  <a:schemeClr val="lt1"/>
+                </a:solidFill>
+                <a:latin typeface="+mn-lt"/>
+                <a:ea typeface="+mn-ea"/>
+                <a:cs typeface="+mn-cs"/>
+              </a:defRPr>
+            </a:lvl1pPr>
+            <a:lvl2pPr marL="457200" algn="l" defTabSz="914400" rtl="0" eaLnBrk="1" latinLnBrk="0" hangingPunct="1">
+              <a:defRPr sz="1800" kern="1200">
+                <a:solidFill>
+                  <a:schemeClr val="lt1"/>
+                </a:solidFill>
+                <a:latin typeface="+mn-lt"/>
+                <a:ea typeface="+mn-ea"/>
+                <a:cs typeface="+mn-cs"/>
+              </a:defRPr>
+            </a:lvl2pPr>
+            <a:lvl3pPr marL="914400" algn="l" defTabSz="914400" rtl="0" eaLnBrk="1" latinLnBrk="0" hangingPunct="1">
+              <a:defRPr sz="1800" kern="1200">
+                <a:solidFill>
+                  <a:schemeClr val="lt1"/>
+                </a:solidFill>
+                <a:latin typeface="+mn-lt"/>
+                <a:ea typeface="+mn-ea"/>
+                <a:cs typeface="+mn-cs"/>
+              </a:defRPr>
+            </a:lvl3pPr>
+            <a:lvl4pPr marL="1371600" algn="l" defTabSz="914400" rtl="0" eaLnBrk="1" latinLnBrk="0" hangingPunct="1">
+              <a:defRPr sz="1800" kern="1200">
+                <a:solidFill>
+                  <a:schemeClr val="lt1"/>
+                </a:solidFill>
+                <a:latin typeface="+mn-lt"/>
+                <a:ea typeface="+mn-ea"/>
+                <a:cs typeface="+mn-cs"/>
+              </a:defRPr>
+            </a:lvl4pPr>
+            <a:lvl5pPr marL="1828800" algn="l" defTabSz="914400" rtl="0" eaLnBrk="1" latinLnBrk="0" hangingPunct="1">
+              <a:defRPr sz="1800" kern="1200">
+                <a:solidFill>
+                  <a:schemeClr val="lt1"/>
+                </a:solidFill>
+                <a:latin typeface="+mn-lt"/>
+                <a:ea typeface="+mn-ea"/>
+                <a:cs typeface="+mn-cs"/>
+              </a:defRPr>
+            </a:lvl5pPr>
+            <a:lvl6pPr marL="2286000" algn="l" defTabSz="914400" rtl="0" eaLnBrk="1" latinLnBrk="0" hangingPunct="1">
+              <a:defRPr sz="1800" kern="1200">
+                <a:solidFill>
+                  <a:schemeClr val="lt1"/>
+                </a:solidFill>
+                <a:latin typeface="+mn-lt"/>
+                <a:ea typeface="+mn-ea"/>
+                <a:cs typeface="+mn-cs"/>
+              </a:defRPr>
+            </a:lvl6pPr>
+            <a:lvl7pPr marL="2743200" algn="l" defTabSz="914400" rtl="0" eaLnBrk="1" latinLnBrk="0" hangingPunct="1">
+              <a:defRPr sz="1800" kern="1200">
+                <a:solidFill>
+                  <a:schemeClr val="lt1"/>
+                </a:solidFill>
+                <a:latin typeface="+mn-lt"/>
+                <a:ea typeface="+mn-ea"/>
+                <a:cs typeface="+mn-cs"/>
+              </a:defRPr>
+            </a:lvl7pPr>
+            <a:lvl8pPr marL="3200400" algn="l" defTabSz="914400" rtl="0" eaLnBrk="1" latinLnBrk="0" hangingPunct="1">
+              <a:defRPr sz="1800" kern="1200">
+                <a:solidFill>
+                  <a:schemeClr val="lt1"/>
+                </a:solidFill>
+                <a:latin typeface="+mn-lt"/>
+                <a:ea typeface="+mn-ea"/>
+                <a:cs typeface="+mn-cs"/>
+              </a:defRPr>
+            </a:lvl8pPr>
+            <a:lvl9pPr marL="3657600" algn="l" defTabSz="914400" rtl="0" eaLnBrk="1" latinLnBrk="0" hangingPunct="1">
+              <a:defRPr sz="1800" kern="1200">
+                <a:solidFill>
+                  <a:schemeClr val="lt1"/>
+                </a:solidFill>
+                <a:latin typeface="+mn-lt"/>
+                <a:ea typeface="+mn-ea"/>
+                <a:cs typeface="+mn-cs"/>
+              </a:defRPr>
+            </a:lvl9pPr>
+          </a:lstStyle>
+          <a:p>
+            <a:pPr algn="ctr"/>
+            <a:endParaRPr lang="en-US"/>
+          </a:p>
+        </p:txBody>
+      </p:sp>
+      <p:pic>
+        <p:nvPicPr>
+          <p:cNvPr id="5" name="Imagen 4">
+            <a:extLst>
+              <a:ext uri="{FF2B5EF4-FFF2-40B4-BE49-F238E27FC236}">
+                <a16:creationId xmlns:a16="http://schemas.microsoft.com/office/drawing/2014/main" id="{DDEA55E8-E7E6-394B-7507-6379433FB7B4}"/>
+              </a:ext>
+            </a:extLst>
+          </p:cNvPr>
+          <p:cNvPicPr>
+            <a:picLocks noChangeAspect="1"/>
+          </p:cNvPicPr>
+          <p:nvPr/>
+        </p:nvPicPr>
+        <p:blipFill rotWithShape="1">
+          <a:blip r:embed="rId2"/>
+          <a:srcRect t="246" b="654"/>
+          <a:stretch/>
+        </p:blipFill>
+        <p:spPr>
+          <a:xfrm>
+            <a:off x="20" y="1282"/>
+            <a:ext cx="12191980" cy="6856718"/>
+          </a:xfrm>
+          <a:prstGeom prst="rect">
+            <a:avLst/>
+          </a:prstGeom>
+        </p:spPr>
+      </p:pic>
+    </p:spTree>
+    <p:extLst>
+      <p:ext uri="{BB962C8B-B14F-4D97-AF65-F5344CB8AC3E}">
+        <p14:creationId xmlns:p14="http://schemas.microsoft.com/office/powerpoint/2010/main" val="2601866835"/>
+      </p:ext>
+    </p:extLst>
+  </p:cSld>
+  <p:clrMapOvr>
+    <a:masterClrMapping/>
+  </p:clrMapOvr>
+</p:sld>
+</file>
+
+<file path=ppt/slides/slide28.xml><?xml version="1.0" encoding="utf-8"?>
+<p:sld xmlns:a="http://schemas.openxmlformats.org/drawingml/2006/main" xmlns:r="http://schemas.openxmlformats.org/officeDocument/2006/relationships" xmlns:p="http://schemas.openxmlformats.org/presentationml/2006/main">
+  <p:cSld>
+    <p:spTree>
+      <p:nvGrpSpPr>
+        <p:cNvPr id="1" name=""/>
+        <p:cNvGrpSpPr/>
+        <p:nvPr/>
+      </p:nvGrpSpPr>
+      <p:grpSpPr>
+        <a:xfrm>
+          <a:off x="0" y="0"/>
+          <a:ext cx="0" cy="0"/>
+          <a:chOff x="0" y="0"/>
+          <a:chExt cx="0" cy="0"/>
+        </a:xfrm>
+      </p:grpSpPr>
+      <p:sp>
+        <p:nvSpPr>
+          <p:cNvPr id="2" name="Título 1">
+            <a:extLst>
+              <a:ext uri="{FF2B5EF4-FFF2-40B4-BE49-F238E27FC236}">
+                <a16:creationId xmlns:a16="http://schemas.microsoft.com/office/drawing/2014/main" id="{6FFC95E3-22BA-7F92-B85A-A21AF9B73E56}"/>
+              </a:ext>
+            </a:extLst>
+          </p:cNvPr>
+          <p:cNvSpPr>
+            <a:spLocks noGrp="1"/>
+          </p:cNvSpPr>
+          <p:nvPr>
+            <p:ph type="ctrTitle"/>
+          </p:nvPr>
+        </p:nvSpPr>
+        <p:spPr/>
+        <p:txBody>
+          <a:bodyPr/>
+          <a:lstStyle/>
+          <a:p>
+            <a:r>
+              <a:rPr lang="es-ES" dirty="0" err="1"/>
+              <a:t>Duplicates</a:t>
+            </a:r>
+            <a:r>
+              <a:rPr lang="es-ES" dirty="0"/>
+              <a:t> </a:t>
+            </a:r>
+            <a:r>
+              <a:rPr lang="es-ES" dirty="0" err="1"/>
+              <a:t>differences</a:t>
+            </a:r>
+            <a:endParaRPr lang="es-AR" dirty="0"/>
+          </a:p>
+        </p:txBody>
+      </p:sp>
+    </p:spTree>
+    <p:extLst>
+      <p:ext uri="{BB962C8B-B14F-4D97-AF65-F5344CB8AC3E}">
+        <p14:creationId xmlns:p14="http://schemas.microsoft.com/office/powerpoint/2010/main" val="2230838379"/>
+      </p:ext>
+    </p:extLst>
+  </p:cSld>
+  <p:clrMapOvr>
+    <a:masterClrMapping/>
+  </p:clrMapOvr>
+</p:sld>
+</file>
+
+<file path=ppt/slides/slide29.xml><?xml version="1.0" encoding="utf-8"?>
+<p:sld xmlns:a="http://schemas.openxmlformats.org/drawingml/2006/main" xmlns:r="http://schemas.openxmlformats.org/officeDocument/2006/relationships" xmlns:p="http://schemas.openxmlformats.org/presentationml/2006/main">
+  <p:cSld>
+    <p:bg>
+      <p:bgPr>
+        <a:solidFill>
+          <a:schemeClr val="bg1"/>
+        </a:solidFill>
+        <a:effectLst/>
+      </p:bgPr>
+    </p:bg>
+    <p:spTree>
+      <p:nvGrpSpPr>
+        <p:cNvPr id="1" name=""/>
+        <p:cNvGrpSpPr/>
+        <p:nvPr/>
+      </p:nvGrpSpPr>
+      <p:grpSpPr>
+        <a:xfrm>
+          <a:off x="0" y="0"/>
+          <a:ext cx="0" cy="0"/>
+          <a:chOff x="0" y="0"/>
+          <a:chExt cx="0" cy="0"/>
+        </a:xfrm>
+      </p:grpSpPr>
+      <p:sp>
+        <p:nvSpPr>
+          <p:cNvPr id="15" name="Rectangle 14">
+            <a:extLst>
+              <a:ext uri="{FF2B5EF4-FFF2-40B4-BE49-F238E27FC236}">
+                <a16:creationId xmlns:a16="http://schemas.microsoft.com/office/drawing/2014/main" id="{42A4FC2C-047E-45A5-965D-8E1E3BF09BC6}"/>
+              </a:ext>
+              <a:ext uri="{C183D7F6-B498-43B3-948B-1728B52AA6E4}">
+                <adec:decorative xmlns:adec="http://schemas.microsoft.com/office/drawing/2017/decorative" val="1"/>
+              </a:ext>
+            </a:extLst>
+          </p:cNvPr>
+          <p:cNvSpPr>
+            <a:spLocks noGrp="1" noRot="1" noChangeAspect="1" noMove="1" noResize="1" noEditPoints="1" noAdjustHandles="1" noChangeArrowheads="1" noChangeShapeType="1" noTextEdit="1"/>
+          </p:cNvSpPr>
+          <p:nvPr>
+            <p:extLst>
+              <p:ext uri="{386F3935-93C4-4BCD-93E2-E3B085C9AB24}">
+                <p16:designElem xmlns:p16="http://schemas.microsoft.com/office/powerpoint/2015/main" val="1"/>
+              </p:ext>
+            </p:extLst>
+          </p:nvPr>
+        </p:nvSpPr>
+        <p:spPr bwMode="white">
+          <a:xfrm>
+            <a:off x="1524" y="0"/>
+            <a:ext cx="12188952" cy="6858000"/>
+          </a:xfrm>
+          <a:prstGeom prst="rect">
+            <a:avLst/>
+          </a:prstGeom>
+          <a:noFill/>
+          <a:ln>
+            <a:noFill/>
+          </a:ln>
+        </p:spPr>
+        <p:style>
+          <a:lnRef idx="2">
+            <a:schemeClr val="accent1">
+              <a:shade val="50000"/>
+            </a:schemeClr>
+          </a:lnRef>
+          <a:fillRef idx="1">
+            <a:schemeClr val="accent1"/>
+          </a:fillRef>
+          <a:effectRef idx="0">
+            <a:schemeClr val="accent1"/>
+          </a:effectRef>
+          <a:fontRef idx="minor">
+            <a:schemeClr val="lt1"/>
+          </a:fontRef>
+        </p:style>
+        <p:txBody>
+          <a:bodyPr rtlCol="0" anchor="ctr"/>
+          <a:lstStyle>
+            <a:defPPr>
+              <a:defRPr lang="en-US"/>
+            </a:defPPr>
+            <a:lvl1pPr marL="0" algn="l" defTabSz="914400" rtl="0" eaLnBrk="1" latinLnBrk="0" hangingPunct="1">
+              <a:defRPr sz="1800" kern="1200">
+                <a:solidFill>
+                  <a:schemeClr val="lt1"/>
+                </a:solidFill>
+                <a:latin typeface="+mn-lt"/>
+                <a:ea typeface="+mn-ea"/>
+                <a:cs typeface="+mn-cs"/>
+              </a:defRPr>
+            </a:lvl1pPr>
+            <a:lvl2pPr marL="457200" algn="l" defTabSz="914400" rtl="0" eaLnBrk="1" latinLnBrk="0" hangingPunct="1">
+              <a:defRPr sz="1800" kern="1200">
+                <a:solidFill>
+                  <a:schemeClr val="lt1"/>
+                </a:solidFill>
+                <a:latin typeface="+mn-lt"/>
+                <a:ea typeface="+mn-ea"/>
+                <a:cs typeface="+mn-cs"/>
+              </a:defRPr>
+            </a:lvl2pPr>
+            <a:lvl3pPr marL="914400" algn="l" defTabSz="914400" rtl="0" eaLnBrk="1" latinLnBrk="0" hangingPunct="1">
+              <a:defRPr sz="1800" kern="1200">
+                <a:solidFill>
+                  <a:schemeClr val="lt1"/>
+                </a:solidFill>
+                <a:latin typeface="+mn-lt"/>
+                <a:ea typeface="+mn-ea"/>
+                <a:cs typeface="+mn-cs"/>
+              </a:defRPr>
+            </a:lvl3pPr>
+            <a:lvl4pPr marL="1371600" algn="l" defTabSz="914400" rtl="0" eaLnBrk="1" latinLnBrk="0" hangingPunct="1">
+              <a:defRPr sz="1800" kern="1200">
+                <a:solidFill>
+                  <a:schemeClr val="lt1"/>
+                </a:solidFill>
+                <a:latin typeface="+mn-lt"/>
+                <a:ea typeface="+mn-ea"/>
+                <a:cs typeface="+mn-cs"/>
+              </a:defRPr>
+            </a:lvl4pPr>
+            <a:lvl5pPr marL="1828800" algn="l" defTabSz="914400" rtl="0" eaLnBrk="1" latinLnBrk="0" hangingPunct="1">
+              <a:defRPr sz="1800" kern="1200">
+                <a:solidFill>
+                  <a:schemeClr val="lt1"/>
+                </a:solidFill>
+                <a:latin typeface="+mn-lt"/>
+                <a:ea typeface="+mn-ea"/>
+                <a:cs typeface="+mn-cs"/>
+              </a:defRPr>
+            </a:lvl5pPr>
+            <a:lvl6pPr marL="2286000" algn="l" defTabSz="914400" rtl="0" eaLnBrk="1" latinLnBrk="0" hangingPunct="1">
+              <a:defRPr sz="1800" kern="1200">
+                <a:solidFill>
+                  <a:schemeClr val="lt1"/>
+                </a:solidFill>
+                <a:latin typeface="+mn-lt"/>
+                <a:ea typeface="+mn-ea"/>
+                <a:cs typeface="+mn-cs"/>
+              </a:defRPr>
+            </a:lvl6pPr>
+            <a:lvl7pPr marL="2743200" algn="l" defTabSz="914400" rtl="0" eaLnBrk="1" latinLnBrk="0" hangingPunct="1">
+              <a:defRPr sz="1800" kern="1200">
+                <a:solidFill>
+                  <a:schemeClr val="lt1"/>
+                </a:solidFill>
+                <a:latin typeface="+mn-lt"/>
+                <a:ea typeface="+mn-ea"/>
+                <a:cs typeface="+mn-cs"/>
+              </a:defRPr>
+            </a:lvl7pPr>
+            <a:lvl8pPr marL="3200400" algn="l" defTabSz="914400" rtl="0" eaLnBrk="1" latinLnBrk="0" hangingPunct="1">
+              <a:defRPr sz="1800" kern="1200">
+                <a:solidFill>
+                  <a:schemeClr val="lt1"/>
+                </a:solidFill>
+                <a:latin typeface="+mn-lt"/>
+                <a:ea typeface="+mn-ea"/>
+                <a:cs typeface="+mn-cs"/>
+              </a:defRPr>
+            </a:lvl8pPr>
+            <a:lvl9pPr marL="3657600" algn="l" defTabSz="914400" rtl="0" eaLnBrk="1" latinLnBrk="0" hangingPunct="1">
+              <a:defRPr sz="1800" kern="1200">
+                <a:solidFill>
+                  <a:schemeClr val="lt1"/>
+                </a:solidFill>
+                <a:latin typeface="+mn-lt"/>
+                <a:ea typeface="+mn-ea"/>
+                <a:cs typeface="+mn-cs"/>
+              </a:defRPr>
+            </a:lvl9pPr>
+          </a:lstStyle>
+          <a:p>
+            <a:pPr algn="ctr"/>
+            <a:endParaRPr lang="en-US"/>
+          </a:p>
+        </p:txBody>
+      </p:sp>
+      <p:pic>
+        <p:nvPicPr>
+          <p:cNvPr id="7" name="Imagen 6">
+            <a:extLst>
+              <a:ext uri="{FF2B5EF4-FFF2-40B4-BE49-F238E27FC236}">
+                <a16:creationId xmlns:a16="http://schemas.microsoft.com/office/drawing/2014/main" id="{EB9D60AB-F1F9-C78A-BCD5-9A5A9556E394}"/>
+              </a:ext>
+            </a:extLst>
+          </p:cNvPr>
+          <p:cNvPicPr>
+            <a:picLocks noChangeAspect="1"/>
+          </p:cNvPicPr>
+          <p:nvPr/>
+        </p:nvPicPr>
+        <p:blipFill rotWithShape="1">
+          <a:blip r:embed="rId2"/>
+          <a:srcRect t="899"/>
+          <a:stretch/>
+        </p:blipFill>
+        <p:spPr>
+          <a:xfrm>
+            <a:off x="20" y="1282"/>
+            <a:ext cx="12191980" cy="6856718"/>
+          </a:xfrm>
+          <a:prstGeom prst="rect">
+            <a:avLst/>
+          </a:prstGeom>
+        </p:spPr>
+      </p:pic>
+    </p:spTree>
+    <p:extLst>
+      <p:ext uri="{BB962C8B-B14F-4D97-AF65-F5344CB8AC3E}">
+        <p14:creationId xmlns:p14="http://schemas.microsoft.com/office/powerpoint/2010/main" val="170354490"/>
+      </p:ext>
+    </p:extLst>
+  </p:cSld>
+  <p:clrMapOvr>
+    <a:masterClrMapping/>
+  </p:clrMapOvr>
+</p:sld>
+</file>
+
 <file path=ppt/slides/slide3.xml><?xml version="1.0" encoding="utf-8"?>
 <p:sld xmlns:a="http://schemas.openxmlformats.org/drawingml/2006/main" xmlns:r="http://schemas.openxmlformats.org/officeDocument/2006/relationships" xmlns:p="http://schemas.openxmlformats.org/presentationml/2006/main">
   <p:cSld>
@@ -5322,104 +7991,6 @@
           <p:cNvPr id="2" name="Título 1">
             <a:extLst>
               <a:ext uri="{FF2B5EF4-FFF2-40B4-BE49-F238E27FC236}">
-                <a16:creationId xmlns:a16="http://schemas.microsoft.com/office/drawing/2014/main" id="{D0A1279A-CC22-2C3A-99D8-205DC15D820A}"/>
-              </a:ext>
-            </a:extLst>
-          </p:cNvPr>
-          <p:cNvSpPr>
-            <a:spLocks noGrp="1"/>
-          </p:cNvSpPr>
-          <p:nvPr>
-            <p:ph type="title"/>
-          </p:nvPr>
-        </p:nvSpPr>
-        <p:spPr/>
-        <p:txBody>
-          <a:bodyPr/>
-          <a:lstStyle/>
-          <a:p>
-            <a:endParaRPr lang="es-AR"/>
-          </a:p>
-        </p:txBody>
-      </p:sp>
-      <p:sp>
-        <p:nvSpPr>
-          <p:cNvPr id="3" name="Marcador de contenido 2">
-            <a:extLst>
-              <a:ext uri="{FF2B5EF4-FFF2-40B4-BE49-F238E27FC236}">
-                <a16:creationId xmlns:a16="http://schemas.microsoft.com/office/drawing/2014/main" id="{C592393A-CF4C-A59F-DD6C-83CEFBDF51E1}"/>
-              </a:ext>
-            </a:extLst>
-          </p:cNvPr>
-          <p:cNvSpPr>
-            <a:spLocks noGrp="1"/>
-          </p:cNvSpPr>
-          <p:nvPr>
-            <p:ph idx="1"/>
-          </p:nvPr>
-        </p:nvSpPr>
-        <p:spPr/>
-        <p:txBody>
-          <a:bodyPr/>
-          <a:lstStyle/>
-          <a:p>
-            <a:r>
-              <a:rPr lang="es-ES" dirty="0"/>
-              <a:t>Mensual, trimestral, avisos, comparado, relativos, contar WFH relativos</a:t>
-            </a:r>
-          </a:p>
-          <a:p>
-            <a:r>
-              <a:rPr lang="es-ES" dirty="0"/>
-              <a:t>Eliminar duplicados, </a:t>
-            </a:r>
-            <a:r>
-              <a:rPr lang="es-ES" dirty="0" err="1"/>
-              <a:t>weighting</a:t>
-            </a:r>
-            <a:r>
-              <a:rPr lang="es-ES" dirty="0"/>
-              <a:t> vacantes y similares </a:t>
-            </a:r>
-            <a:endParaRPr lang="es-AR" dirty="0"/>
-          </a:p>
-        </p:txBody>
-      </p:sp>
-    </p:spTree>
-    <p:extLst>
-      <p:ext uri="{BB962C8B-B14F-4D97-AF65-F5344CB8AC3E}">
-        <p14:creationId xmlns:p14="http://schemas.microsoft.com/office/powerpoint/2010/main" val="4083620239"/>
-      </p:ext>
-    </p:extLst>
-  </p:cSld>
-  <p:clrMapOvr>
-    <a:masterClrMapping/>
-  </p:clrMapOvr>
-</p:sld>
-</file>
-
-<file path=ppt/slides/slide4.xml><?xml version="1.0" encoding="utf-8"?>
-<p:sld xmlns:a="http://schemas.openxmlformats.org/drawingml/2006/main" xmlns:r="http://schemas.openxmlformats.org/officeDocument/2006/relationships" xmlns:p="http://schemas.openxmlformats.org/presentationml/2006/main">
-  <p:cSld>
-    <p:spTree>
-      <p:nvGrpSpPr>
-        <p:cNvPr id="1" name=""/>
-        <p:cNvGrpSpPr/>
-        <p:nvPr/>
-      </p:nvGrpSpPr>
-      <p:grpSpPr>
-        <a:xfrm>
-          <a:off x="0" y="0"/>
-          <a:ext cx="0" cy="0"/>
-          <a:chOff x="0" y="0"/>
-          <a:chExt cx="0" cy="0"/>
-        </a:xfrm>
-      </p:grpSpPr>
-      <p:sp>
-        <p:nvSpPr>
-          <p:cNvPr id="2" name="Título 1">
-            <a:extLst>
-              <a:ext uri="{FF2B5EF4-FFF2-40B4-BE49-F238E27FC236}">
                 <a16:creationId xmlns:a16="http://schemas.microsoft.com/office/drawing/2014/main" id="{C40A6529-3719-10E3-2021-BC6E4EFBAF16}"/>
               </a:ext>
             </a:extLst>
@@ -5457,7 +8028,7 @@
 </p:sld>
 </file>
 
-<file path=ppt/slides/slide5.xml><?xml version="1.0" encoding="utf-8"?>
+<file path=ppt/slides/slide4.xml><?xml version="1.0" encoding="utf-8"?>
 <p:sld xmlns:a="http://schemas.openxmlformats.org/drawingml/2006/main" xmlns:r="http://schemas.openxmlformats.org/officeDocument/2006/relationships" xmlns:p="http://schemas.openxmlformats.org/presentationml/2006/main">
   <p:cSld>
     <p:spTree>
@@ -5517,9 +8088,17 @@
 </p:sld>
 </file>
 
-<file path=ppt/slides/slide6.xml><?xml version="1.0" encoding="utf-8"?>
+<file path=ppt/slides/slide5.xml><?xml version="1.0" encoding="utf-8"?>
 <p:sld xmlns:a="http://schemas.openxmlformats.org/drawingml/2006/main" xmlns:r="http://schemas.openxmlformats.org/officeDocument/2006/relationships" xmlns:p="http://schemas.openxmlformats.org/presentationml/2006/main">
   <p:cSld>
+    <p:bg>
+      <p:bgPr>
+        <a:solidFill>
+          <a:schemeClr val="bg1"/>
+        </a:solidFill>
+        <a:effectLst/>
+      </p:bgPr>
+    </p:bg>
     <p:spTree>
       <p:nvGrpSpPr>
         <p:cNvPr id="1" name=""/>
@@ -5534,12 +8113,167 @@
           <a:chExt cx="0" cy="0"/>
         </a:xfrm>
       </p:grpSpPr>
+      <p:sp>
+        <p:nvSpPr>
+          <p:cNvPr id="11" name="Rectangle 10">
+            <a:extLst>
+              <a:ext uri="{FF2B5EF4-FFF2-40B4-BE49-F238E27FC236}">
+                <a16:creationId xmlns:a16="http://schemas.microsoft.com/office/drawing/2014/main" id="{42A4FC2C-047E-45A5-965D-8E1E3BF09BC6}"/>
+              </a:ext>
+              <a:ext uri="{C183D7F6-B498-43B3-948B-1728B52AA6E4}">
+                <adec:decorative xmlns:adec="http://schemas.microsoft.com/office/drawing/2017/decorative" val="1"/>
+              </a:ext>
+            </a:extLst>
+          </p:cNvPr>
+          <p:cNvSpPr>
+            <a:spLocks noGrp="1" noRot="1" noChangeAspect="1" noMove="1" noResize="1" noEditPoints="1" noAdjustHandles="1" noChangeArrowheads="1" noChangeShapeType="1" noTextEdit="1"/>
+          </p:cNvSpPr>
+          <p:nvPr>
+            <p:extLst>
+              <p:ext uri="{386F3935-93C4-4BCD-93E2-E3B085C9AB24}">
+                <p16:designElem xmlns:p16="http://schemas.microsoft.com/office/powerpoint/2015/main" val="1"/>
+              </p:ext>
+            </p:extLst>
+          </p:nvPr>
+        </p:nvSpPr>
+        <p:spPr bwMode="white">
+          <a:xfrm>
+            <a:off x="1524" y="0"/>
+            <a:ext cx="12188952" cy="6858000"/>
+          </a:xfrm>
+          <a:prstGeom prst="rect">
+            <a:avLst/>
+          </a:prstGeom>
+          <a:noFill/>
+          <a:ln>
+            <a:noFill/>
+          </a:ln>
+        </p:spPr>
+        <p:style>
+          <a:lnRef idx="2">
+            <a:schemeClr val="accent1">
+              <a:shade val="50000"/>
+            </a:schemeClr>
+          </a:lnRef>
+          <a:fillRef idx="1">
+            <a:schemeClr val="accent1"/>
+          </a:fillRef>
+          <a:effectRef idx="0">
+            <a:schemeClr val="accent1"/>
+          </a:effectRef>
+          <a:fontRef idx="minor">
+            <a:schemeClr val="lt1"/>
+          </a:fontRef>
+        </p:style>
+        <p:txBody>
+          <a:bodyPr rtlCol="0" anchor="ctr"/>
+          <a:lstStyle>
+            <a:defPPr>
+              <a:defRPr lang="en-US"/>
+            </a:defPPr>
+            <a:lvl1pPr marL="0" algn="l" defTabSz="914400" rtl="0" eaLnBrk="1" latinLnBrk="0" hangingPunct="1">
+              <a:defRPr sz="1800" kern="1200">
+                <a:solidFill>
+                  <a:schemeClr val="lt1"/>
+                </a:solidFill>
+                <a:latin typeface="+mn-lt"/>
+                <a:ea typeface="+mn-ea"/>
+                <a:cs typeface="+mn-cs"/>
+              </a:defRPr>
+            </a:lvl1pPr>
+            <a:lvl2pPr marL="457200" algn="l" defTabSz="914400" rtl="0" eaLnBrk="1" latinLnBrk="0" hangingPunct="1">
+              <a:defRPr sz="1800" kern="1200">
+                <a:solidFill>
+                  <a:schemeClr val="lt1"/>
+                </a:solidFill>
+                <a:latin typeface="+mn-lt"/>
+                <a:ea typeface="+mn-ea"/>
+                <a:cs typeface="+mn-cs"/>
+              </a:defRPr>
+            </a:lvl2pPr>
+            <a:lvl3pPr marL="914400" algn="l" defTabSz="914400" rtl="0" eaLnBrk="1" latinLnBrk="0" hangingPunct="1">
+              <a:defRPr sz="1800" kern="1200">
+                <a:solidFill>
+                  <a:schemeClr val="lt1"/>
+                </a:solidFill>
+                <a:latin typeface="+mn-lt"/>
+                <a:ea typeface="+mn-ea"/>
+                <a:cs typeface="+mn-cs"/>
+              </a:defRPr>
+            </a:lvl3pPr>
+            <a:lvl4pPr marL="1371600" algn="l" defTabSz="914400" rtl="0" eaLnBrk="1" latinLnBrk="0" hangingPunct="1">
+              <a:defRPr sz="1800" kern="1200">
+                <a:solidFill>
+                  <a:schemeClr val="lt1"/>
+                </a:solidFill>
+                <a:latin typeface="+mn-lt"/>
+                <a:ea typeface="+mn-ea"/>
+                <a:cs typeface="+mn-cs"/>
+              </a:defRPr>
+            </a:lvl4pPr>
+            <a:lvl5pPr marL="1828800" algn="l" defTabSz="914400" rtl="0" eaLnBrk="1" latinLnBrk="0" hangingPunct="1">
+              <a:defRPr sz="1800" kern="1200">
+                <a:solidFill>
+                  <a:schemeClr val="lt1"/>
+                </a:solidFill>
+                <a:latin typeface="+mn-lt"/>
+                <a:ea typeface="+mn-ea"/>
+                <a:cs typeface="+mn-cs"/>
+              </a:defRPr>
+            </a:lvl5pPr>
+            <a:lvl6pPr marL="2286000" algn="l" defTabSz="914400" rtl="0" eaLnBrk="1" latinLnBrk="0" hangingPunct="1">
+              <a:defRPr sz="1800" kern="1200">
+                <a:solidFill>
+                  <a:schemeClr val="lt1"/>
+                </a:solidFill>
+                <a:latin typeface="+mn-lt"/>
+                <a:ea typeface="+mn-ea"/>
+                <a:cs typeface="+mn-cs"/>
+              </a:defRPr>
+            </a:lvl6pPr>
+            <a:lvl7pPr marL="2743200" algn="l" defTabSz="914400" rtl="0" eaLnBrk="1" latinLnBrk="0" hangingPunct="1">
+              <a:defRPr sz="1800" kern="1200">
+                <a:solidFill>
+                  <a:schemeClr val="lt1"/>
+                </a:solidFill>
+                <a:latin typeface="+mn-lt"/>
+                <a:ea typeface="+mn-ea"/>
+                <a:cs typeface="+mn-cs"/>
+              </a:defRPr>
+            </a:lvl7pPr>
+            <a:lvl8pPr marL="3200400" algn="l" defTabSz="914400" rtl="0" eaLnBrk="1" latinLnBrk="0" hangingPunct="1">
+              <a:defRPr sz="1800" kern="1200">
+                <a:solidFill>
+                  <a:schemeClr val="lt1"/>
+                </a:solidFill>
+                <a:latin typeface="+mn-lt"/>
+                <a:ea typeface="+mn-ea"/>
+                <a:cs typeface="+mn-cs"/>
+              </a:defRPr>
+            </a:lvl8pPr>
+            <a:lvl9pPr marL="3657600" algn="l" defTabSz="914400" rtl="0" eaLnBrk="1" latinLnBrk="0" hangingPunct="1">
+              <a:defRPr sz="1800" kern="1200">
+                <a:solidFill>
+                  <a:schemeClr val="lt1"/>
+                </a:solidFill>
+                <a:latin typeface="+mn-lt"/>
+                <a:ea typeface="+mn-ea"/>
+                <a:cs typeface="+mn-cs"/>
+              </a:defRPr>
+            </a:lvl9pPr>
+          </a:lstStyle>
+          <a:p>
+            <a:pPr algn="ctr"/>
+            <a:endParaRPr lang="en-US"/>
+          </a:p>
+        </p:txBody>
+      </p:sp>
       <p:pic>
         <p:nvPicPr>
-          <p:cNvPr id="5" name="Marcador de contenido 4">
-            <a:extLst>
-              <a:ext uri="{FF2B5EF4-FFF2-40B4-BE49-F238E27FC236}">
-                <a16:creationId xmlns:a16="http://schemas.microsoft.com/office/drawing/2014/main" id="{2E509894-028B-3F18-4747-9AE613A7C2E7}"/>
+          <p:cNvPr id="6" name="Marcador de contenido 5" descr="Gráfico&#10;&#10;Descripción generada automáticamente">
+            <a:extLst>
+              <a:ext uri="{FF2B5EF4-FFF2-40B4-BE49-F238E27FC236}">
+                <a16:creationId xmlns:a16="http://schemas.microsoft.com/office/drawing/2014/main" id="{B688A0CC-C9BE-4CA8-1CB8-A2FBBED56CD7}"/>
               </a:ext>
             </a:extLst>
           </p:cNvPr>
@@ -5550,23 +8284,247 @@
             <p:ph idx="1"/>
           </p:nvPr>
         </p:nvPicPr>
-        <p:blipFill>
+        <p:blipFill rotWithShape="1">
           <a:blip r:embed="rId2"/>
-          <a:stretch>
-            <a:fillRect/>
-          </a:stretch>
+          <a:srcRect t="19"/>
+          <a:stretch/>
         </p:blipFill>
         <p:spPr>
           <a:xfrm>
-            <a:off x="1045245" y="715087"/>
-            <a:ext cx="10101509" cy="5427825"/>
+            <a:off x="20" y="1282"/>
+            <a:ext cx="12191980" cy="6856718"/>
           </a:xfrm>
+          <a:prstGeom prst="rect">
+            <a:avLst/>
+          </a:prstGeom>
         </p:spPr>
       </p:pic>
     </p:spTree>
     <p:extLst>
       <p:ext uri="{BB962C8B-B14F-4D97-AF65-F5344CB8AC3E}">
         <p14:creationId xmlns:p14="http://schemas.microsoft.com/office/powerpoint/2010/main" val="3324409706"/>
+      </p:ext>
+    </p:extLst>
+  </p:cSld>
+  <p:clrMapOvr>
+    <a:masterClrMapping/>
+  </p:clrMapOvr>
+</p:sld>
+</file>
+
+<file path=ppt/slides/slide6.xml><?xml version="1.0" encoding="utf-8"?>
+<p:sld xmlns:a="http://schemas.openxmlformats.org/drawingml/2006/main" xmlns:r="http://schemas.openxmlformats.org/officeDocument/2006/relationships" xmlns:p="http://schemas.openxmlformats.org/presentationml/2006/main">
+  <p:cSld>
+    <p:bg>
+      <p:bgPr>
+        <a:solidFill>
+          <a:schemeClr val="bg1"/>
+        </a:solidFill>
+        <a:effectLst/>
+      </p:bgPr>
+    </p:bg>
+    <p:spTree>
+      <p:nvGrpSpPr>
+        <p:cNvPr id="1" name=""/>
+        <p:cNvGrpSpPr/>
+        <p:nvPr/>
+      </p:nvGrpSpPr>
+      <p:grpSpPr>
+        <a:xfrm>
+          <a:off x="0" y="0"/>
+          <a:ext cx="0" cy="0"/>
+          <a:chOff x="0" y="0"/>
+          <a:chExt cx="0" cy="0"/>
+        </a:xfrm>
+      </p:grpSpPr>
+      <p:sp>
+        <p:nvSpPr>
+          <p:cNvPr id="8" name="Rectangle 7">
+            <a:extLst>
+              <a:ext uri="{FF2B5EF4-FFF2-40B4-BE49-F238E27FC236}">
+                <a16:creationId xmlns:a16="http://schemas.microsoft.com/office/drawing/2014/main" id="{42A4FC2C-047E-45A5-965D-8E1E3BF09BC6}"/>
+              </a:ext>
+              <a:ext uri="{C183D7F6-B498-43B3-948B-1728B52AA6E4}">
+                <adec:decorative xmlns:adec="http://schemas.microsoft.com/office/drawing/2017/decorative" val="1"/>
+              </a:ext>
+            </a:extLst>
+          </p:cNvPr>
+          <p:cNvSpPr>
+            <a:spLocks noGrp="1" noRot="1" noChangeAspect="1" noMove="1" noResize="1" noEditPoints="1" noAdjustHandles="1" noChangeArrowheads="1" noChangeShapeType="1" noTextEdit="1"/>
+          </p:cNvSpPr>
+          <p:nvPr>
+            <p:extLst>
+              <p:ext uri="{386F3935-93C4-4BCD-93E2-E3B085C9AB24}">
+                <p16:designElem xmlns:p16="http://schemas.microsoft.com/office/powerpoint/2015/main" val="1"/>
+              </p:ext>
+            </p:extLst>
+          </p:nvPr>
+        </p:nvSpPr>
+        <p:spPr bwMode="white">
+          <a:xfrm>
+            <a:off x="1524" y="0"/>
+            <a:ext cx="12188952" cy="6858000"/>
+          </a:xfrm>
+          <a:prstGeom prst="rect">
+            <a:avLst/>
+          </a:prstGeom>
+          <a:noFill/>
+          <a:ln>
+            <a:noFill/>
+          </a:ln>
+        </p:spPr>
+        <p:style>
+          <a:lnRef idx="2">
+            <a:schemeClr val="accent1">
+              <a:shade val="50000"/>
+            </a:schemeClr>
+          </a:lnRef>
+          <a:fillRef idx="1">
+            <a:schemeClr val="accent1"/>
+          </a:fillRef>
+          <a:effectRef idx="0">
+            <a:schemeClr val="accent1"/>
+          </a:effectRef>
+          <a:fontRef idx="minor">
+            <a:schemeClr val="lt1"/>
+          </a:fontRef>
+        </p:style>
+        <p:txBody>
+          <a:bodyPr rtlCol="0" anchor="ctr"/>
+          <a:lstStyle>
+            <a:defPPr>
+              <a:defRPr lang="en-US"/>
+            </a:defPPr>
+            <a:lvl1pPr marL="0" algn="l" defTabSz="914400" rtl="0" eaLnBrk="1" latinLnBrk="0" hangingPunct="1">
+              <a:defRPr sz="1800" kern="1200">
+                <a:solidFill>
+                  <a:schemeClr val="lt1"/>
+                </a:solidFill>
+                <a:latin typeface="+mn-lt"/>
+                <a:ea typeface="+mn-ea"/>
+                <a:cs typeface="+mn-cs"/>
+              </a:defRPr>
+            </a:lvl1pPr>
+            <a:lvl2pPr marL="457200" algn="l" defTabSz="914400" rtl="0" eaLnBrk="1" latinLnBrk="0" hangingPunct="1">
+              <a:defRPr sz="1800" kern="1200">
+                <a:solidFill>
+                  <a:schemeClr val="lt1"/>
+                </a:solidFill>
+                <a:latin typeface="+mn-lt"/>
+                <a:ea typeface="+mn-ea"/>
+                <a:cs typeface="+mn-cs"/>
+              </a:defRPr>
+            </a:lvl2pPr>
+            <a:lvl3pPr marL="914400" algn="l" defTabSz="914400" rtl="0" eaLnBrk="1" latinLnBrk="0" hangingPunct="1">
+              <a:defRPr sz="1800" kern="1200">
+                <a:solidFill>
+                  <a:schemeClr val="lt1"/>
+                </a:solidFill>
+                <a:latin typeface="+mn-lt"/>
+                <a:ea typeface="+mn-ea"/>
+                <a:cs typeface="+mn-cs"/>
+              </a:defRPr>
+            </a:lvl3pPr>
+            <a:lvl4pPr marL="1371600" algn="l" defTabSz="914400" rtl="0" eaLnBrk="1" latinLnBrk="0" hangingPunct="1">
+              <a:defRPr sz="1800" kern="1200">
+                <a:solidFill>
+                  <a:schemeClr val="lt1"/>
+                </a:solidFill>
+                <a:latin typeface="+mn-lt"/>
+                <a:ea typeface="+mn-ea"/>
+                <a:cs typeface="+mn-cs"/>
+              </a:defRPr>
+            </a:lvl4pPr>
+            <a:lvl5pPr marL="1828800" algn="l" defTabSz="914400" rtl="0" eaLnBrk="1" latinLnBrk="0" hangingPunct="1">
+              <a:defRPr sz="1800" kern="1200">
+                <a:solidFill>
+                  <a:schemeClr val="lt1"/>
+                </a:solidFill>
+                <a:latin typeface="+mn-lt"/>
+                <a:ea typeface="+mn-ea"/>
+                <a:cs typeface="+mn-cs"/>
+              </a:defRPr>
+            </a:lvl5pPr>
+            <a:lvl6pPr marL="2286000" algn="l" defTabSz="914400" rtl="0" eaLnBrk="1" latinLnBrk="0" hangingPunct="1">
+              <a:defRPr sz="1800" kern="1200">
+                <a:solidFill>
+                  <a:schemeClr val="lt1"/>
+                </a:solidFill>
+                <a:latin typeface="+mn-lt"/>
+                <a:ea typeface="+mn-ea"/>
+                <a:cs typeface="+mn-cs"/>
+              </a:defRPr>
+            </a:lvl6pPr>
+            <a:lvl7pPr marL="2743200" algn="l" defTabSz="914400" rtl="0" eaLnBrk="1" latinLnBrk="0" hangingPunct="1">
+              <a:defRPr sz="1800" kern="1200">
+                <a:solidFill>
+                  <a:schemeClr val="lt1"/>
+                </a:solidFill>
+                <a:latin typeface="+mn-lt"/>
+                <a:ea typeface="+mn-ea"/>
+                <a:cs typeface="+mn-cs"/>
+              </a:defRPr>
+            </a:lvl7pPr>
+            <a:lvl8pPr marL="3200400" algn="l" defTabSz="914400" rtl="0" eaLnBrk="1" latinLnBrk="0" hangingPunct="1">
+              <a:defRPr sz="1800" kern="1200">
+                <a:solidFill>
+                  <a:schemeClr val="lt1"/>
+                </a:solidFill>
+                <a:latin typeface="+mn-lt"/>
+                <a:ea typeface="+mn-ea"/>
+                <a:cs typeface="+mn-cs"/>
+              </a:defRPr>
+            </a:lvl8pPr>
+            <a:lvl9pPr marL="3657600" algn="l" defTabSz="914400" rtl="0" eaLnBrk="1" latinLnBrk="0" hangingPunct="1">
+              <a:defRPr sz="1800" kern="1200">
+                <a:solidFill>
+                  <a:schemeClr val="lt1"/>
+                </a:solidFill>
+                <a:latin typeface="+mn-lt"/>
+                <a:ea typeface="+mn-ea"/>
+                <a:cs typeface="+mn-cs"/>
+              </a:defRPr>
+            </a:lvl9pPr>
+          </a:lstStyle>
+          <a:p>
+            <a:pPr algn="ctr"/>
+            <a:endParaRPr lang="en-US"/>
+          </a:p>
+        </p:txBody>
+      </p:sp>
+      <p:pic>
+        <p:nvPicPr>
+          <p:cNvPr id="3" name="Imagen 2">
+            <a:extLst>
+              <a:ext uri="{FF2B5EF4-FFF2-40B4-BE49-F238E27FC236}">
+                <a16:creationId xmlns:a16="http://schemas.microsoft.com/office/drawing/2014/main" id="{13FADEA2-F9F9-E55D-FEF2-3449F055FA7B}"/>
+              </a:ext>
+            </a:extLst>
+          </p:cNvPr>
+          <p:cNvPicPr>
+            <a:picLocks noChangeAspect="1"/>
+          </p:cNvPicPr>
+          <p:nvPr/>
+        </p:nvPicPr>
+        <p:blipFill rotWithShape="1">
+          <a:blip r:embed="rId2"/>
+          <a:srcRect t="899"/>
+          <a:stretch/>
+        </p:blipFill>
+        <p:spPr>
+          <a:xfrm>
+            <a:off x="20" y="1282"/>
+            <a:ext cx="12191980" cy="6856718"/>
+          </a:xfrm>
+          <a:prstGeom prst="rect">
+            <a:avLst/>
+          </a:prstGeom>
+        </p:spPr>
+      </p:pic>
+    </p:spTree>
+    <p:extLst>
+      <p:ext uri="{BB962C8B-B14F-4D97-AF65-F5344CB8AC3E}">
+        <p14:creationId xmlns:p14="http://schemas.microsoft.com/office/powerpoint/2010/main" val="2779205645"/>
       </p:ext>
     </p:extLst>
   </p:cSld>
@@ -5593,108 +8551,40 @@
           <a:chExt cx="0" cy="0"/>
         </a:xfrm>
       </p:grpSpPr>
-      <p:sp>
-        <p:nvSpPr>
-          <p:cNvPr id="2" name="Título 1">
-            <a:extLst>
-              <a:ext uri="{FF2B5EF4-FFF2-40B4-BE49-F238E27FC236}">
-                <a16:creationId xmlns:a16="http://schemas.microsoft.com/office/drawing/2014/main" id="{439C0C93-DE0A-C71C-3984-06D310CF6330}"/>
-              </a:ext>
-            </a:extLst>
-          </p:cNvPr>
-          <p:cNvSpPr>
-            <a:spLocks noGrp="1"/>
-          </p:cNvSpPr>
-          <p:nvPr>
-            <p:ph type="ctrTitle"/>
-          </p:nvPr>
-        </p:nvSpPr>
-        <p:spPr/>
-        <p:txBody>
-          <a:bodyPr/>
-          <a:lstStyle/>
-          <a:p>
-            <a:r>
-              <a:rPr lang="es-ES" dirty="0" err="1"/>
-              <a:t>By</a:t>
-            </a:r>
-            <a:r>
-              <a:rPr lang="es-ES" dirty="0"/>
-              <a:t> </a:t>
-            </a:r>
-            <a:r>
-              <a:rPr lang="es-ES" dirty="0" err="1"/>
-              <a:t>database</a:t>
-            </a:r>
-            <a:r>
-              <a:rPr lang="es-ES" dirty="0"/>
-              <a:t> </a:t>
-            </a:r>
-            <a:r>
-              <a:rPr lang="es-ES" dirty="0" err="1"/>
-              <a:t>field</a:t>
-            </a:r>
-            <a:endParaRPr lang="es-AR" dirty="0"/>
-          </a:p>
-        </p:txBody>
-      </p:sp>
-      <p:sp>
-        <p:nvSpPr>
-          <p:cNvPr id="3" name="Subtítulo 2">
-            <a:extLst>
-              <a:ext uri="{FF2B5EF4-FFF2-40B4-BE49-F238E27FC236}">
-                <a16:creationId xmlns:a16="http://schemas.microsoft.com/office/drawing/2014/main" id="{A0E791E9-BB7E-066D-6F08-A28CC1AD0710}"/>
-              </a:ext>
-            </a:extLst>
-          </p:cNvPr>
-          <p:cNvSpPr>
-            <a:spLocks noGrp="1"/>
-          </p:cNvSpPr>
-          <p:nvPr>
-            <p:ph type="subTitle" idx="1"/>
-          </p:nvPr>
-        </p:nvSpPr>
-        <p:spPr/>
-        <p:txBody>
-          <a:bodyPr/>
-          <a:lstStyle/>
-          <a:p>
-            <a:r>
-              <a:rPr lang="es-ES" dirty="0" err="1"/>
-              <a:t>Avisocuerpo</a:t>
-            </a:r>
-            <a:r>
-              <a:rPr lang="es-ES" dirty="0"/>
-              <a:t>, </a:t>
-            </a:r>
-            <a:r>
-              <a:rPr lang="es-ES" dirty="0" err="1"/>
-              <a:t>avisocargo</a:t>
-            </a:r>
-            <a:r>
-              <a:rPr lang="es-ES" dirty="0"/>
-              <a:t>, </a:t>
-            </a:r>
-            <a:r>
-              <a:rPr lang="es-ES" dirty="0" err="1"/>
-              <a:t>avisorequisitos</a:t>
-            </a:r>
-            <a:r>
-              <a:rPr lang="es-ES" dirty="0"/>
-              <a:t>, </a:t>
-            </a:r>
-            <a:r>
-              <a:rPr lang="es-ES" dirty="0" err="1"/>
-              <a:t>disponibilidadnombre</a:t>
-            </a:r>
-            <a:endParaRPr lang="es-AR" dirty="0"/>
-          </a:p>
-        </p:txBody>
-      </p:sp>
+      <p:pic>
+        <p:nvPicPr>
+          <p:cNvPr id="3" name="Imagen 2">
+            <a:extLst>
+              <a:ext uri="{FF2B5EF4-FFF2-40B4-BE49-F238E27FC236}">
+                <a16:creationId xmlns:a16="http://schemas.microsoft.com/office/drawing/2014/main" id="{08AD5F37-2ACA-7788-A2B1-D5C2629F8F70}"/>
+              </a:ext>
+            </a:extLst>
+          </p:cNvPr>
+          <p:cNvPicPr>
+            <a:picLocks noChangeAspect="1"/>
+          </p:cNvPicPr>
+          <p:nvPr/>
+        </p:nvPicPr>
+        <p:blipFill>
+          <a:blip r:embed="rId2"/>
+          <a:stretch>
+            <a:fillRect/>
+          </a:stretch>
+        </p:blipFill>
+        <p:spPr>
+          <a:xfrm>
+            <a:off x="46684" y="201571"/>
+            <a:ext cx="12098632" cy="6454857"/>
+          </a:xfrm>
+          <a:prstGeom prst="rect">
+            <a:avLst/>
+          </a:prstGeom>
+        </p:spPr>
+      </p:pic>
     </p:spTree>
     <p:extLst>
       <p:ext uri="{BB962C8B-B14F-4D97-AF65-F5344CB8AC3E}">
-        <p14:creationId xmlns:p14="http://schemas.microsoft.com/office/powerpoint/2010/main" val="2736100129"/>
+        <p14:creationId xmlns:p14="http://schemas.microsoft.com/office/powerpoint/2010/main" val="2001267444"/>
       </p:ext>
     </p:extLst>
   </p:cSld>
@@ -5721,39 +8611,108 @@
           <a:chExt cx="0" cy="0"/>
         </a:xfrm>
       </p:grpSpPr>
-      <p:pic>
-        <p:nvPicPr>
-          <p:cNvPr id="5" name="Marcador de contenido 4">
-            <a:extLst>
-              <a:ext uri="{FF2B5EF4-FFF2-40B4-BE49-F238E27FC236}">
-                <a16:creationId xmlns:a16="http://schemas.microsoft.com/office/drawing/2014/main" id="{2856FFBF-293E-ED8B-38BF-E369118EDE8E}"/>
-              </a:ext>
-            </a:extLst>
-          </p:cNvPr>
-          <p:cNvPicPr>
-            <a:picLocks noGrp="1" noChangeAspect="1"/>
-          </p:cNvPicPr>
-          <p:nvPr>
-            <p:ph idx="1"/>
-          </p:nvPr>
-        </p:nvPicPr>
-        <p:blipFill>
-          <a:blip r:embed="rId2"/>
-          <a:stretch>
-            <a:fillRect/>
-          </a:stretch>
-        </p:blipFill>
-        <p:spPr>
-          <a:xfrm>
-            <a:off x="1320398" y="419490"/>
-            <a:ext cx="9551204" cy="6019019"/>
-          </a:xfrm>
-        </p:spPr>
-      </p:pic>
+      <p:sp>
+        <p:nvSpPr>
+          <p:cNvPr id="2" name="Título 1">
+            <a:extLst>
+              <a:ext uri="{FF2B5EF4-FFF2-40B4-BE49-F238E27FC236}">
+                <a16:creationId xmlns:a16="http://schemas.microsoft.com/office/drawing/2014/main" id="{439C0C93-DE0A-C71C-3984-06D310CF6330}"/>
+              </a:ext>
+            </a:extLst>
+          </p:cNvPr>
+          <p:cNvSpPr>
+            <a:spLocks noGrp="1"/>
+          </p:cNvSpPr>
+          <p:nvPr>
+            <p:ph type="ctrTitle"/>
+          </p:nvPr>
+        </p:nvSpPr>
+        <p:spPr/>
+        <p:txBody>
+          <a:bodyPr/>
+          <a:lstStyle/>
+          <a:p>
+            <a:r>
+              <a:rPr lang="es-ES" dirty="0" err="1"/>
+              <a:t>By</a:t>
+            </a:r>
+            <a:r>
+              <a:rPr lang="es-ES" dirty="0"/>
+              <a:t> </a:t>
+            </a:r>
+            <a:r>
+              <a:rPr lang="es-ES" dirty="0" err="1"/>
+              <a:t>database</a:t>
+            </a:r>
+            <a:r>
+              <a:rPr lang="es-ES" dirty="0"/>
+              <a:t> </a:t>
+            </a:r>
+            <a:r>
+              <a:rPr lang="es-ES" dirty="0" err="1"/>
+              <a:t>field</a:t>
+            </a:r>
+            <a:endParaRPr lang="es-AR" dirty="0"/>
+          </a:p>
+        </p:txBody>
+      </p:sp>
+      <p:sp>
+        <p:nvSpPr>
+          <p:cNvPr id="3" name="Subtítulo 2">
+            <a:extLst>
+              <a:ext uri="{FF2B5EF4-FFF2-40B4-BE49-F238E27FC236}">
+                <a16:creationId xmlns:a16="http://schemas.microsoft.com/office/drawing/2014/main" id="{A0E791E9-BB7E-066D-6F08-A28CC1AD0710}"/>
+              </a:ext>
+            </a:extLst>
+          </p:cNvPr>
+          <p:cNvSpPr>
+            <a:spLocks noGrp="1"/>
+          </p:cNvSpPr>
+          <p:nvPr>
+            <p:ph type="subTitle" idx="1"/>
+          </p:nvPr>
+        </p:nvSpPr>
+        <p:spPr/>
+        <p:txBody>
+          <a:bodyPr/>
+          <a:lstStyle/>
+          <a:p>
+            <a:r>
+              <a:rPr lang="es-ES" dirty="0" err="1"/>
+              <a:t>Avisocuerpo</a:t>
+            </a:r>
+            <a:r>
+              <a:rPr lang="es-ES" dirty="0"/>
+              <a:t>, </a:t>
+            </a:r>
+            <a:r>
+              <a:rPr lang="es-ES" dirty="0" err="1"/>
+              <a:t>avisocargo</a:t>
+            </a:r>
+            <a:r>
+              <a:rPr lang="es-ES" dirty="0"/>
+              <a:t>, </a:t>
+            </a:r>
+            <a:r>
+              <a:rPr lang="es-ES" dirty="0" err="1"/>
+              <a:t>avisorequisitos</a:t>
+            </a:r>
+            <a:r>
+              <a:rPr lang="es-ES" dirty="0"/>
+              <a:t>, </a:t>
+            </a:r>
+            <a:r>
+              <a:rPr lang="es-ES" dirty="0" err="1"/>
+              <a:t>disponibilidadnombre</a:t>
+            </a:r>
+            <a:endParaRPr lang="es-AR" dirty="0"/>
+          </a:p>
+        </p:txBody>
+      </p:sp>
     </p:spTree>
     <p:extLst>
       <p:ext uri="{BB962C8B-B14F-4D97-AF65-F5344CB8AC3E}">
-        <p14:creationId xmlns:p14="http://schemas.microsoft.com/office/powerpoint/2010/main" val="583156036"/>
+        <p14:creationId xmlns:p14="http://schemas.microsoft.com/office/powerpoint/2010/main" val="2736100129"/>
       </p:ext>
     </p:extLst>
   </p:cSld>
@@ -5785,7 +8744,7 @@
           <p:cNvPr id="5" name="Marcador de contenido 4">
             <a:extLst>
               <a:ext uri="{FF2B5EF4-FFF2-40B4-BE49-F238E27FC236}">
-                <a16:creationId xmlns:a16="http://schemas.microsoft.com/office/drawing/2014/main" id="{966ED4C4-9B43-0CE3-91C3-6D2B12A3BE4E}"/>
+                <a16:creationId xmlns:a16="http://schemas.microsoft.com/office/drawing/2014/main" id="{2856FFBF-293E-ED8B-38BF-E369118EDE8E}"/>
               </a:ext>
             </a:extLst>
           </p:cNvPr>
@@ -5804,15 +8763,15 @@
         </p:blipFill>
         <p:spPr>
           <a:xfrm>
-            <a:off x="1595991" y="563453"/>
-            <a:ext cx="9000017" cy="5731094"/>
+            <a:off x="1320398" y="419490"/>
+            <a:ext cx="9551204" cy="6019019"/>
           </a:xfrm>
         </p:spPr>
       </p:pic>
     </p:spTree>
     <p:extLst>
       <p:ext uri="{BB962C8B-B14F-4D97-AF65-F5344CB8AC3E}">
-        <p14:creationId xmlns:p14="http://schemas.microsoft.com/office/powerpoint/2010/main" val="129045732"/>
+        <p14:creationId xmlns:p14="http://schemas.microsoft.com/office/powerpoint/2010/main" val="583156036"/>
       </p:ext>
     </p:extLst>
   </p:cSld>
